--- a/Slides/21. Deslocamento Vetorial.pptx
+++ b/Slides/21. Deslocamento Vetorial.pptx
@@ -135,7 +135,7 @@
 <file path=ppt/revisionInfo.xml><?xml version="1.0" encoding="utf-8"?>
 <p1510:revInfo xmlns:a="http://schemas.openxmlformats.org/drawingml/2006/main" xmlns:r="http://schemas.openxmlformats.org/officeDocument/2006/relationships" xmlns:p1510="http://schemas.microsoft.com/office/powerpoint/2015/10/main">
   <p1510:revLst>
-    <p1510:client id="{A600168C-C380-4FAF-88EE-7826D4D663AF}" v="1" dt="2019-11-05T22:43:15.139"/>
+    <p1510:client id="{7A38F938-DD6B-47C2-889B-603D3C6F0E97}" v="15" dt="2021-10-13T18:09:32.013"/>
   </p1510:revLst>
 </p1510:revInfo>
 </file>
@@ -1400,6 +1400,955 @@
       </pc:sldChg>
     </pc:docChg>
   </pc:docChgLst>
+  <pc:docChgLst>
+    <pc:chgData name="Judson Santiago" userId="ebb108da2f256286" providerId="LiveId" clId="{7A38F938-DD6B-47C2-889B-603D3C6F0E97}"/>
+    <pc:docChg chg="undo custSel modSld modMainMaster">
+      <pc:chgData name="Judson Santiago" userId="ebb108da2f256286" providerId="LiveId" clId="{7A38F938-DD6B-47C2-889B-603D3C6F0E97}" dt="2021-10-13T18:12:33.141" v="189" actId="5793"/>
+      <pc:docMkLst>
+        <pc:docMk/>
+      </pc:docMkLst>
+      <pc:sldChg chg="addSp delSp modSp mod modTransition">
+        <pc:chgData name="Judson Santiago" userId="ebb108da2f256286" providerId="LiveId" clId="{7A38F938-DD6B-47C2-889B-603D3C6F0E97}" dt="2021-10-13T18:09:32.013" v="184"/>
+        <pc:sldMkLst>
+          <pc:docMk/>
+          <pc:sldMk cId="2388731642" sldId="326"/>
+        </pc:sldMkLst>
+        <pc:spChg chg="mod">
+          <ac:chgData name="Judson Santiago" userId="ebb108da2f256286" providerId="LiveId" clId="{7A38F938-DD6B-47C2-889B-603D3C6F0E97}" dt="2021-10-13T17:51:36.359" v="63" actId="20577"/>
+          <ac:spMkLst>
+            <pc:docMk/>
+            <pc:sldMk cId="2388731642" sldId="326"/>
+            <ac:spMk id="2" creationId="{00000000-0000-0000-0000-000000000000}"/>
+          </ac:spMkLst>
+        </pc:spChg>
+        <pc:spChg chg="mod topLvl">
+          <ac:chgData name="Judson Santiago" userId="ebb108da2f256286" providerId="LiveId" clId="{7A38F938-DD6B-47C2-889B-603D3C6F0E97}" dt="2021-10-13T17:52:07.819" v="68" actId="164"/>
+          <ac:spMkLst>
+            <pc:docMk/>
+            <pc:sldMk cId="2388731642" sldId="326"/>
+            <ac:spMk id="4" creationId="{00000000-0000-0000-0000-000000000000}"/>
+          </ac:spMkLst>
+        </pc:spChg>
+        <pc:spChg chg="mod topLvl">
+          <ac:chgData name="Judson Santiago" userId="ebb108da2f256286" providerId="LiveId" clId="{7A38F938-DD6B-47C2-889B-603D3C6F0E97}" dt="2021-10-13T17:52:07.819" v="68" actId="164"/>
+          <ac:spMkLst>
+            <pc:docMk/>
+            <pc:sldMk cId="2388731642" sldId="326"/>
+            <ac:spMk id="12" creationId="{00000000-0000-0000-0000-000000000000}"/>
+          </ac:spMkLst>
+        </pc:spChg>
+        <pc:spChg chg="mod topLvl">
+          <ac:chgData name="Judson Santiago" userId="ebb108da2f256286" providerId="LiveId" clId="{7A38F938-DD6B-47C2-889B-603D3C6F0E97}" dt="2021-10-13T17:52:07.819" v="68" actId="164"/>
+          <ac:spMkLst>
+            <pc:docMk/>
+            <pc:sldMk cId="2388731642" sldId="326"/>
+            <ac:spMk id="13" creationId="{00000000-0000-0000-0000-000000000000}"/>
+          </ac:spMkLst>
+        </pc:spChg>
+        <pc:spChg chg="mod topLvl">
+          <ac:chgData name="Judson Santiago" userId="ebb108da2f256286" providerId="LiveId" clId="{7A38F938-DD6B-47C2-889B-603D3C6F0E97}" dt="2021-10-13T17:53:19.159" v="76" actId="12788"/>
+          <ac:spMkLst>
+            <pc:docMk/>
+            <pc:sldMk cId="2388731642" sldId="326"/>
+            <ac:spMk id="32" creationId="{00000000-0000-0000-0000-000000000000}"/>
+          </ac:spMkLst>
+        </pc:spChg>
+        <pc:spChg chg="mod topLvl">
+          <ac:chgData name="Judson Santiago" userId="ebb108da2f256286" providerId="LiveId" clId="{7A38F938-DD6B-47C2-889B-603D3C6F0E97}" dt="2021-10-13T17:53:28.521" v="77" actId="12789"/>
+          <ac:spMkLst>
+            <pc:docMk/>
+            <pc:sldMk cId="2388731642" sldId="326"/>
+            <ac:spMk id="33" creationId="{00000000-0000-0000-0000-000000000000}"/>
+          </ac:spMkLst>
+        </pc:spChg>
+        <pc:spChg chg="mod">
+          <ac:chgData name="Judson Santiago" userId="ebb108da2f256286" providerId="LiveId" clId="{7A38F938-DD6B-47C2-889B-603D3C6F0E97}" dt="2021-10-13T17:52:23.309" v="71" actId="1076"/>
+          <ac:spMkLst>
+            <pc:docMk/>
+            <pc:sldMk cId="2388731642" sldId="326"/>
+            <ac:spMk id="38" creationId="{00000000-0000-0000-0000-000000000000}"/>
+          </ac:spMkLst>
+        </pc:spChg>
+        <pc:spChg chg="mod topLvl">
+          <ac:chgData name="Judson Santiago" userId="ebb108da2f256286" providerId="LiveId" clId="{7A38F938-DD6B-47C2-889B-603D3C6F0E97}" dt="2021-10-13T17:52:07.819" v="68" actId="164"/>
+          <ac:spMkLst>
+            <pc:docMk/>
+            <pc:sldMk cId="2388731642" sldId="326"/>
+            <ac:spMk id="46" creationId="{00000000-0000-0000-0000-000000000000}"/>
+          </ac:spMkLst>
+        </pc:spChg>
+        <pc:spChg chg="mod topLvl">
+          <ac:chgData name="Judson Santiago" userId="ebb108da2f256286" providerId="LiveId" clId="{7A38F938-DD6B-47C2-889B-603D3C6F0E97}" dt="2021-10-13T17:52:07.819" v="68" actId="164"/>
+          <ac:spMkLst>
+            <pc:docMk/>
+            <pc:sldMk cId="2388731642" sldId="326"/>
+            <ac:spMk id="47" creationId="{00000000-0000-0000-0000-000000000000}"/>
+          </ac:spMkLst>
+        </pc:spChg>
+        <pc:grpChg chg="add mod">
+          <ac:chgData name="Judson Santiago" userId="ebb108da2f256286" providerId="LiveId" clId="{7A38F938-DD6B-47C2-889B-603D3C6F0E97}" dt="2021-10-13T17:52:27.994" v="72" actId="1076"/>
+          <ac:grpSpMkLst>
+            <pc:docMk/>
+            <pc:sldMk cId="2388731642" sldId="326"/>
+            <ac:grpSpMk id="5" creationId="{17F4F717-DA67-4280-84F4-B122F18BA635}"/>
+          </ac:grpSpMkLst>
+        </pc:grpChg>
+        <pc:grpChg chg="del mod">
+          <ac:chgData name="Judson Santiago" userId="ebb108da2f256286" providerId="LiveId" clId="{7A38F938-DD6B-47C2-889B-603D3C6F0E97}" dt="2021-10-13T17:51:54.210" v="66" actId="165"/>
+          <ac:grpSpMkLst>
+            <pc:docMk/>
+            <pc:sldMk cId="2388731642" sldId="326"/>
+            <ac:grpSpMk id="6" creationId="{25D13C9D-0478-4162-9A6F-A5F8DBA7907A}"/>
+          </ac:grpSpMkLst>
+        </pc:grpChg>
+        <pc:picChg chg="mod topLvl">
+          <ac:chgData name="Judson Santiago" userId="ebb108da2f256286" providerId="LiveId" clId="{7A38F938-DD6B-47C2-889B-603D3C6F0E97}" dt="2021-10-13T17:52:07.819" v="68" actId="164"/>
+          <ac:picMkLst>
+            <pc:docMk/>
+            <pc:sldMk cId="2388731642" sldId="326"/>
+            <ac:picMk id="50" creationId="{00000000-0000-0000-0000-000000000000}"/>
+          </ac:picMkLst>
+        </pc:picChg>
+        <pc:picChg chg="mod">
+          <ac:chgData name="Judson Santiago" userId="ebb108da2f256286" providerId="LiveId" clId="{7A38F938-DD6B-47C2-889B-603D3C6F0E97}" dt="2021-10-13T17:52:07.819" v="68" actId="164"/>
+          <ac:picMkLst>
+            <pc:docMk/>
+            <pc:sldMk cId="2388731642" sldId="326"/>
+            <ac:picMk id="51" creationId="{00000000-0000-0000-0000-000000000000}"/>
+          </ac:picMkLst>
+        </pc:picChg>
+        <pc:cxnChg chg="mod topLvl">
+          <ac:chgData name="Judson Santiago" userId="ebb108da2f256286" providerId="LiveId" clId="{7A38F938-DD6B-47C2-889B-603D3C6F0E97}" dt="2021-10-13T17:52:07.819" v="68" actId="164"/>
+          <ac:cxnSpMkLst>
+            <pc:docMk/>
+            <pc:sldMk cId="2388731642" sldId="326"/>
+            <ac:cxnSpMk id="9" creationId="{00000000-0000-0000-0000-000000000000}"/>
+          </ac:cxnSpMkLst>
+        </pc:cxnChg>
+        <pc:cxnChg chg="mod topLvl">
+          <ac:chgData name="Judson Santiago" userId="ebb108da2f256286" providerId="LiveId" clId="{7A38F938-DD6B-47C2-889B-603D3C6F0E97}" dt="2021-10-13T17:53:19.159" v="76" actId="12788"/>
+          <ac:cxnSpMkLst>
+            <pc:docMk/>
+            <pc:sldMk cId="2388731642" sldId="326"/>
+            <ac:cxnSpMk id="27" creationId="{00000000-0000-0000-0000-000000000000}"/>
+          </ac:cxnSpMkLst>
+        </pc:cxnChg>
+        <pc:cxnChg chg="mod topLvl">
+          <ac:chgData name="Judson Santiago" userId="ebb108da2f256286" providerId="LiveId" clId="{7A38F938-DD6B-47C2-889B-603D3C6F0E97}" dt="2021-10-13T17:53:28.521" v="77" actId="12789"/>
+          <ac:cxnSpMkLst>
+            <pc:docMk/>
+            <pc:sldMk cId="2388731642" sldId="326"/>
+            <ac:cxnSpMk id="28" creationId="{00000000-0000-0000-0000-000000000000}"/>
+          </ac:cxnSpMkLst>
+        </pc:cxnChg>
+      </pc:sldChg>
+      <pc:sldChg chg="modSp mod modTransition">
+        <pc:chgData name="Judson Santiago" userId="ebb108da2f256286" providerId="LiveId" clId="{7A38F938-DD6B-47C2-889B-603D3C6F0E97}" dt="2021-10-13T18:09:32.013" v="184"/>
+        <pc:sldMkLst>
+          <pc:docMk/>
+          <pc:sldMk cId="3866249998" sldId="327"/>
+        </pc:sldMkLst>
+        <pc:spChg chg="mod">
+          <ac:chgData name="Judson Santiago" userId="ebb108da2f256286" providerId="LiveId" clId="{7A38F938-DD6B-47C2-889B-603D3C6F0E97}" dt="2021-10-13T17:56:31.895" v="93" actId="20577"/>
+          <ac:spMkLst>
+            <pc:docMk/>
+            <pc:sldMk cId="3866249998" sldId="327"/>
+            <ac:spMk id="2" creationId="{00000000-0000-0000-0000-000000000000}"/>
+          </ac:spMkLst>
+        </pc:spChg>
+        <pc:spChg chg="mod">
+          <ac:chgData name="Judson Santiago" userId="ebb108da2f256286" providerId="LiveId" clId="{7A38F938-DD6B-47C2-889B-603D3C6F0E97}" dt="2021-10-13T17:58:21.240" v="99" actId="1076"/>
+          <ac:spMkLst>
+            <pc:docMk/>
+            <pc:sldMk cId="3866249998" sldId="327"/>
+            <ac:spMk id="14" creationId="{00000000-0000-0000-0000-000000000000}"/>
+          </ac:spMkLst>
+        </pc:spChg>
+        <pc:spChg chg="mod">
+          <ac:chgData name="Judson Santiago" userId="ebb108da2f256286" providerId="LiveId" clId="{7A38F938-DD6B-47C2-889B-603D3C6F0E97}" dt="2021-10-13T17:58:24.652" v="100" actId="1076"/>
+          <ac:spMkLst>
+            <pc:docMk/>
+            <pc:sldMk cId="3866249998" sldId="327"/>
+            <ac:spMk id="33" creationId="{00000000-0000-0000-0000-000000000000}"/>
+          </ac:spMkLst>
+        </pc:spChg>
+        <pc:cxnChg chg="mod">
+          <ac:chgData name="Judson Santiago" userId="ebb108da2f256286" providerId="LiveId" clId="{7A38F938-DD6B-47C2-889B-603D3C6F0E97}" dt="2021-10-13T17:58:03.096" v="96"/>
+          <ac:cxnSpMkLst>
+            <pc:docMk/>
+            <pc:sldMk cId="3866249998" sldId="327"/>
+            <ac:cxnSpMk id="11" creationId="{00000000-0000-0000-0000-000000000000}"/>
+          </ac:cxnSpMkLst>
+        </pc:cxnChg>
+        <pc:cxnChg chg="mod">
+          <ac:chgData name="Judson Santiago" userId="ebb108da2f256286" providerId="LiveId" clId="{7A38F938-DD6B-47C2-889B-603D3C6F0E97}" dt="2021-10-13T17:58:03.096" v="96"/>
+          <ac:cxnSpMkLst>
+            <pc:docMk/>
+            <pc:sldMk cId="3866249998" sldId="327"/>
+            <ac:cxnSpMk id="17" creationId="{00000000-0000-0000-0000-000000000000}"/>
+          </ac:cxnSpMkLst>
+        </pc:cxnChg>
+        <pc:cxnChg chg="mod">
+          <ac:chgData name="Judson Santiago" userId="ebb108da2f256286" providerId="LiveId" clId="{7A38F938-DD6B-47C2-889B-603D3C6F0E97}" dt="2021-10-13T17:58:37.061" v="102" actId="1582"/>
+          <ac:cxnSpMkLst>
+            <pc:docMk/>
+            <pc:sldMk cId="3866249998" sldId="327"/>
+            <ac:cxnSpMk id="56" creationId="{00000000-0000-0000-0000-000000000000}"/>
+          </ac:cxnSpMkLst>
+        </pc:cxnChg>
+        <pc:cxnChg chg="mod">
+          <ac:chgData name="Judson Santiago" userId="ebb108da2f256286" providerId="LiveId" clId="{7A38F938-DD6B-47C2-889B-603D3C6F0E97}" dt="2021-10-13T17:58:37.061" v="102" actId="1582"/>
+          <ac:cxnSpMkLst>
+            <pc:docMk/>
+            <pc:sldMk cId="3866249998" sldId="327"/>
+            <ac:cxnSpMk id="57" creationId="{00000000-0000-0000-0000-000000000000}"/>
+          </ac:cxnSpMkLst>
+        </pc:cxnChg>
+        <pc:cxnChg chg="mod">
+          <ac:chgData name="Judson Santiago" userId="ebb108da2f256286" providerId="LiveId" clId="{7A38F938-DD6B-47C2-889B-603D3C6F0E97}" dt="2021-10-13T17:56:40.606" v="94" actId="14100"/>
+          <ac:cxnSpMkLst>
+            <pc:docMk/>
+            <pc:sldMk cId="3866249998" sldId="327"/>
+            <ac:cxnSpMk id="60" creationId="{00000000-0000-0000-0000-000000000000}"/>
+          </ac:cxnSpMkLst>
+        </pc:cxnChg>
+      </pc:sldChg>
+      <pc:sldChg chg="addSp delSp modSp mod modTransition">
+        <pc:chgData name="Judson Santiago" userId="ebb108da2f256286" providerId="LiveId" clId="{7A38F938-DD6B-47C2-889B-603D3C6F0E97}" dt="2021-10-13T18:09:32.013" v="184"/>
+        <pc:sldMkLst>
+          <pc:docMk/>
+          <pc:sldMk cId="696546402" sldId="335"/>
+        </pc:sldMkLst>
+        <pc:spChg chg="mod">
+          <ac:chgData name="Judson Santiago" userId="ebb108da2f256286" providerId="LiveId" clId="{7A38F938-DD6B-47C2-889B-603D3C6F0E97}" dt="2021-10-13T17:54:06.475" v="79" actId="20577"/>
+          <ac:spMkLst>
+            <pc:docMk/>
+            <pc:sldMk cId="696546402" sldId="335"/>
+            <ac:spMk id="2" creationId="{00000000-0000-0000-0000-000000000000}"/>
+          </ac:spMkLst>
+        </pc:spChg>
+        <pc:spChg chg="add mod">
+          <ac:chgData name="Judson Santiago" userId="ebb108da2f256286" providerId="LiveId" clId="{7A38F938-DD6B-47C2-889B-603D3C6F0E97}" dt="2021-10-13T17:55:25.064" v="87" actId="14100"/>
+          <ac:spMkLst>
+            <pc:docMk/>
+            <pc:sldMk cId="696546402" sldId="335"/>
+            <ac:spMk id="4" creationId="{A55DBA17-2EEB-4E49-B8F4-481D8596C678}"/>
+          </ac:spMkLst>
+        </pc:spChg>
+        <pc:spChg chg="mod">
+          <ac:chgData name="Judson Santiago" userId="ebb108da2f256286" providerId="LiveId" clId="{7A38F938-DD6B-47C2-889B-603D3C6F0E97}" dt="2021-10-13T17:55:29.837" v="88" actId="1076"/>
+          <ac:spMkLst>
+            <pc:docMk/>
+            <pc:sldMk cId="696546402" sldId="335"/>
+            <ac:spMk id="87" creationId="{00000000-0000-0000-0000-000000000000}"/>
+          </ac:spMkLst>
+        </pc:spChg>
+        <pc:cxnChg chg="mod">
+          <ac:chgData name="Judson Santiago" userId="ebb108da2f256286" providerId="LiveId" clId="{7A38F938-DD6B-47C2-889B-603D3C6F0E97}" dt="2021-10-13T17:56:13.794" v="90" actId="14100"/>
+          <ac:cxnSpMkLst>
+            <pc:docMk/>
+            <pc:sldMk cId="696546402" sldId="335"/>
+            <ac:cxnSpMk id="47" creationId="{00000000-0000-0000-0000-000000000000}"/>
+          </ac:cxnSpMkLst>
+        </pc:cxnChg>
+        <pc:cxnChg chg="mod">
+          <ac:chgData name="Judson Santiago" userId="ebb108da2f256286" providerId="LiveId" clId="{7A38F938-DD6B-47C2-889B-603D3C6F0E97}" dt="2021-10-13T17:56:03.976" v="89" actId="14100"/>
+          <ac:cxnSpMkLst>
+            <pc:docMk/>
+            <pc:sldMk cId="696546402" sldId="335"/>
+            <ac:cxnSpMk id="54" creationId="{00000000-0000-0000-0000-000000000000}"/>
+          </ac:cxnSpMkLst>
+        </pc:cxnChg>
+        <pc:cxnChg chg="del">
+          <ac:chgData name="Judson Santiago" userId="ebb108da2f256286" providerId="LiveId" clId="{7A38F938-DD6B-47C2-889B-603D3C6F0E97}" dt="2021-10-13T17:55:04.179" v="81" actId="478"/>
+          <ac:cxnSpMkLst>
+            <pc:docMk/>
+            <pc:sldMk cId="696546402" sldId="335"/>
+            <ac:cxnSpMk id="81" creationId="{00000000-0000-0000-0000-000000000000}"/>
+          </ac:cxnSpMkLst>
+        </pc:cxnChg>
+        <pc:cxnChg chg="del">
+          <ac:chgData name="Judson Santiago" userId="ebb108da2f256286" providerId="LiveId" clId="{7A38F938-DD6B-47C2-889B-603D3C6F0E97}" dt="2021-10-13T17:55:02.210" v="80" actId="478"/>
+          <ac:cxnSpMkLst>
+            <pc:docMk/>
+            <pc:sldMk cId="696546402" sldId="335"/>
+            <ac:cxnSpMk id="84" creationId="{00000000-0000-0000-0000-000000000000}"/>
+          </ac:cxnSpMkLst>
+        </pc:cxnChg>
+        <pc:cxnChg chg="del">
+          <ac:chgData name="Judson Santiago" userId="ebb108da2f256286" providerId="LiveId" clId="{7A38F938-DD6B-47C2-889B-603D3C6F0E97}" dt="2021-10-13T17:55:05.274" v="82" actId="478"/>
+          <ac:cxnSpMkLst>
+            <pc:docMk/>
+            <pc:sldMk cId="696546402" sldId="335"/>
+            <ac:cxnSpMk id="93" creationId="{00000000-0000-0000-0000-000000000000}"/>
+          </ac:cxnSpMkLst>
+        </pc:cxnChg>
+      </pc:sldChg>
+      <pc:sldChg chg="modSp mod modTransition">
+        <pc:chgData name="Judson Santiago" userId="ebb108da2f256286" providerId="LiveId" clId="{7A38F938-DD6B-47C2-889B-603D3C6F0E97}" dt="2021-10-13T18:09:32.013" v="184"/>
+        <pc:sldMkLst>
+          <pc:docMk/>
+          <pc:sldMk cId="2539462042" sldId="336"/>
+        </pc:sldMkLst>
+        <pc:spChg chg="mod">
+          <ac:chgData name="Judson Santiago" userId="ebb108da2f256286" providerId="LiveId" clId="{7A38F938-DD6B-47C2-889B-603D3C6F0E97}" dt="2021-10-13T17:59:10.947" v="103" actId="20577"/>
+          <ac:spMkLst>
+            <pc:docMk/>
+            <pc:sldMk cId="2539462042" sldId="336"/>
+            <ac:spMk id="2" creationId="{00000000-0000-0000-0000-000000000000}"/>
+          </ac:spMkLst>
+        </pc:spChg>
+        <pc:spChg chg="mod">
+          <ac:chgData name="Judson Santiago" userId="ebb108da2f256286" providerId="LiveId" clId="{7A38F938-DD6B-47C2-889B-603D3C6F0E97}" dt="2021-10-13T18:01:02.359" v="117" actId="207"/>
+          <ac:spMkLst>
+            <pc:docMk/>
+            <pc:sldMk cId="2539462042" sldId="336"/>
+            <ac:spMk id="23" creationId="{00000000-0000-0000-0000-000000000000}"/>
+          </ac:spMkLst>
+        </pc:spChg>
+        <pc:spChg chg="mod">
+          <ac:chgData name="Judson Santiago" userId="ebb108da2f256286" providerId="LiveId" clId="{7A38F938-DD6B-47C2-889B-603D3C6F0E97}" dt="2021-10-13T18:00:12.258" v="110" actId="1076"/>
+          <ac:spMkLst>
+            <pc:docMk/>
+            <pc:sldMk cId="2539462042" sldId="336"/>
+            <ac:spMk id="44" creationId="{00000000-0000-0000-0000-000000000000}"/>
+          </ac:spMkLst>
+        </pc:spChg>
+        <pc:spChg chg="mod">
+          <ac:chgData name="Judson Santiago" userId="ebb108da2f256286" providerId="LiveId" clId="{7A38F938-DD6B-47C2-889B-603D3C6F0E97}" dt="2021-10-13T18:00:29" v="112" actId="1582"/>
+          <ac:spMkLst>
+            <pc:docMk/>
+            <pc:sldMk cId="2539462042" sldId="336"/>
+            <ac:spMk id="51" creationId="{00000000-0000-0000-0000-000000000000}"/>
+          </ac:spMkLst>
+        </pc:spChg>
+        <pc:spChg chg="mod">
+          <ac:chgData name="Judson Santiago" userId="ebb108da2f256286" providerId="LiveId" clId="{7A38F938-DD6B-47C2-889B-603D3C6F0E97}" dt="2021-10-13T18:01:51.796" v="118" actId="1076"/>
+          <ac:spMkLst>
+            <pc:docMk/>
+            <pc:sldMk cId="2539462042" sldId="336"/>
+            <ac:spMk id="53" creationId="{00000000-0000-0000-0000-000000000000}"/>
+          </ac:spMkLst>
+        </pc:spChg>
+        <pc:spChg chg="mod">
+          <ac:chgData name="Judson Santiago" userId="ebb108da2f256286" providerId="LiveId" clId="{7A38F938-DD6B-47C2-889B-603D3C6F0E97}" dt="2021-10-13T18:00:15.104" v="111" actId="1076"/>
+          <ac:spMkLst>
+            <pc:docMk/>
+            <pc:sldMk cId="2539462042" sldId="336"/>
+            <ac:spMk id="54" creationId="{00000000-0000-0000-0000-000000000000}"/>
+          </ac:spMkLst>
+        </pc:spChg>
+        <pc:grpChg chg="mod">
+          <ac:chgData name="Judson Santiago" userId="ebb108da2f256286" providerId="LiveId" clId="{7A38F938-DD6B-47C2-889B-603D3C6F0E97}" dt="2021-10-13T17:59:38.920" v="106" actId="1076"/>
+          <ac:grpSpMkLst>
+            <pc:docMk/>
+            <pc:sldMk cId="2539462042" sldId="336"/>
+            <ac:grpSpMk id="20" creationId="{316AEBAC-6A7B-46DD-9DE5-41831E444E53}"/>
+          </ac:grpSpMkLst>
+        </pc:grpChg>
+        <pc:cxnChg chg="mod">
+          <ac:chgData name="Judson Santiago" userId="ebb108da2f256286" providerId="LiveId" clId="{7A38F938-DD6B-47C2-889B-603D3C6F0E97}" dt="2021-10-13T18:00:03.200" v="108"/>
+          <ac:cxnSpMkLst>
+            <pc:docMk/>
+            <pc:sldMk cId="2539462042" sldId="336"/>
+            <ac:cxnSpMk id="43" creationId="{00000000-0000-0000-0000-000000000000}"/>
+          </ac:cxnSpMkLst>
+        </pc:cxnChg>
+        <pc:cxnChg chg="mod">
+          <ac:chgData name="Judson Santiago" userId="ebb108da2f256286" providerId="LiveId" clId="{7A38F938-DD6B-47C2-889B-603D3C6F0E97}" dt="2021-10-13T18:00:03.200" v="108"/>
+          <ac:cxnSpMkLst>
+            <pc:docMk/>
+            <pc:sldMk cId="2539462042" sldId="336"/>
+            <ac:cxnSpMk id="45" creationId="{00000000-0000-0000-0000-000000000000}"/>
+          </ac:cxnSpMkLst>
+        </pc:cxnChg>
+        <pc:cxnChg chg="ord">
+          <ac:chgData name="Judson Santiago" userId="ebb108da2f256286" providerId="LiveId" clId="{7A38F938-DD6B-47C2-889B-603D3C6F0E97}" dt="2021-10-13T18:00:32.174" v="113" actId="166"/>
+          <ac:cxnSpMkLst>
+            <pc:docMk/>
+            <pc:sldMk cId="2539462042" sldId="336"/>
+            <ac:cxnSpMk id="47" creationId="{00000000-0000-0000-0000-000000000000}"/>
+          </ac:cxnSpMkLst>
+        </pc:cxnChg>
+      </pc:sldChg>
+      <pc:sldChg chg="addSp delSp modSp mod modTransition">
+        <pc:chgData name="Judson Santiago" userId="ebb108da2f256286" providerId="LiveId" clId="{7A38F938-DD6B-47C2-889B-603D3C6F0E97}" dt="2021-10-13T18:09:32.013" v="184"/>
+        <pc:sldMkLst>
+          <pc:docMk/>
+          <pc:sldMk cId="2445905829" sldId="337"/>
+        </pc:sldMkLst>
+        <pc:spChg chg="mod">
+          <ac:chgData name="Judson Santiago" userId="ebb108da2f256286" providerId="LiveId" clId="{7A38F938-DD6B-47C2-889B-603D3C6F0E97}" dt="2021-10-13T18:02:05.674" v="119" actId="20577"/>
+          <ac:spMkLst>
+            <pc:docMk/>
+            <pc:sldMk cId="2445905829" sldId="337"/>
+            <ac:spMk id="2" creationId="{00000000-0000-0000-0000-000000000000}"/>
+          </ac:spMkLst>
+        </pc:spChg>
+        <pc:spChg chg="mod topLvl">
+          <ac:chgData name="Judson Santiago" userId="ebb108da2f256286" providerId="LiveId" clId="{7A38F938-DD6B-47C2-889B-603D3C6F0E97}" dt="2021-10-13T18:05:28.178" v="150" actId="164"/>
+          <ac:spMkLst>
+            <pc:docMk/>
+            <pc:sldMk cId="2445905829" sldId="337"/>
+            <ac:spMk id="9" creationId="{00000000-0000-0000-0000-000000000000}"/>
+          </ac:spMkLst>
+        </pc:spChg>
+        <pc:spChg chg="add mod">
+          <ac:chgData name="Judson Santiago" userId="ebb108da2f256286" providerId="LiveId" clId="{7A38F938-DD6B-47C2-889B-603D3C6F0E97}" dt="2021-10-13T18:05:28.178" v="150" actId="164"/>
+          <ac:spMkLst>
+            <pc:docMk/>
+            <pc:sldMk cId="2445905829" sldId="337"/>
+            <ac:spMk id="24" creationId="{3005AE60-3882-4795-A3F7-3AE1058ADCC5}"/>
+          </ac:spMkLst>
+        </pc:spChg>
+        <pc:spChg chg="add mod">
+          <ac:chgData name="Judson Santiago" userId="ebb108da2f256286" providerId="LiveId" clId="{7A38F938-DD6B-47C2-889B-603D3C6F0E97}" dt="2021-10-13T18:05:28.178" v="150" actId="164"/>
+          <ac:spMkLst>
+            <pc:docMk/>
+            <pc:sldMk cId="2445905829" sldId="337"/>
+            <ac:spMk id="25" creationId="{BD29B553-0422-44E3-994D-A378E16C90DB}"/>
+          </ac:spMkLst>
+        </pc:spChg>
+        <pc:spChg chg="mod topLvl">
+          <ac:chgData name="Judson Santiago" userId="ebb108da2f256286" providerId="LiveId" clId="{7A38F938-DD6B-47C2-889B-603D3C6F0E97}" dt="2021-10-13T18:05:28.178" v="150" actId="164"/>
+          <ac:spMkLst>
+            <pc:docMk/>
+            <pc:sldMk cId="2445905829" sldId="337"/>
+            <ac:spMk id="28" creationId="{00000000-0000-0000-0000-000000000000}"/>
+          </ac:spMkLst>
+        </pc:spChg>
+        <pc:spChg chg="mod">
+          <ac:chgData name="Judson Santiago" userId="ebb108da2f256286" providerId="LiveId" clId="{7A38F938-DD6B-47C2-889B-603D3C6F0E97}" dt="2021-10-13T18:05:28.178" v="150" actId="164"/>
+          <ac:spMkLst>
+            <pc:docMk/>
+            <pc:sldMk cId="2445905829" sldId="337"/>
+            <ac:spMk id="30" creationId="{00000000-0000-0000-0000-000000000000}"/>
+          </ac:spMkLst>
+        </pc:spChg>
+        <pc:spChg chg="mod ord topLvl">
+          <ac:chgData name="Judson Santiago" userId="ebb108da2f256286" providerId="LiveId" clId="{7A38F938-DD6B-47C2-889B-603D3C6F0E97}" dt="2021-10-13T18:05:28.178" v="150" actId="164"/>
+          <ac:spMkLst>
+            <pc:docMk/>
+            <pc:sldMk cId="2445905829" sldId="337"/>
+            <ac:spMk id="31" creationId="{00000000-0000-0000-0000-000000000000}"/>
+          </ac:spMkLst>
+        </pc:spChg>
+        <pc:spChg chg="mod topLvl">
+          <ac:chgData name="Judson Santiago" userId="ebb108da2f256286" providerId="LiveId" clId="{7A38F938-DD6B-47C2-889B-603D3C6F0E97}" dt="2021-10-13T18:05:28.178" v="150" actId="164"/>
+          <ac:spMkLst>
+            <pc:docMk/>
+            <pc:sldMk cId="2445905829" sldId="337"/>
+            <ac:spMk id="44" creationId="{00000000-0000-0000-0000-000000000000}"/>
+          </ac:spMkLst>
+        </pc:spChg>
+        <pc:spChg chg="mod topLvl">
+          <ac:chgData name="Judson Santiago" userId="ebb108da2f256286" providerId="LiveId" clId="{7A38F938-DD6B-47C2-889B-603D3C6F0E97}" dt="2021-10-13T18:05:28.178" v="150" actId="164"/>
+          <ac:spMkLst>
+            <pc:docMk/>
+            <pc:sldMk cId="2445905829" sldId="337"/>
+            <ac:spMk id="46" creationId="{00000000-0000-0000-0000-000000000000}"/>
+          </ac:spMkLst>
+        </pc:spChg>
+        <pc:spChg chg="mod topLvl">
+          <ac:chgData name="Judson Santiago" userId="ebb108da2f256286" providerId="LiveId" clId="{7A38F938-DD6B-47C2-889B-603D3C6F0E97}" dt="2021-10-13T18:05:28.178" v="150" actId="164"/>
+          <ac:spMkLst>
+            <pc:docMk/>
+            <pc:sldMk cId="2445905829" sldId="337"/>
+            <ac:spMk id="51" creationId="{00000000-0000-0000-0000-000000000000}"/>
+          </ac:spMkLst>
+        </pc:spChg>
+        <pc:spChg chg="mod topLvl">
+          <ac:chgData name="Judson Santiago" userId="ebb108da2f256286" providerId="LiveId" clId="{7A38F938-DD6B-47C2-889B-603D3C6F0E97}" dt="2021-10-13T18:05:28.178" v="150" actId="164"/>
+          <ac:spMkLst>
+            <pc:docMk/>
+            <pc:sldMk cId="2445905829" sldId="337"/>
+            <ac:spMk id="52" creationId="{00000000-0000-0000-0000-000000000000}"/>
+          </ac:spMkLst>
+        </pc:spChg>
+        <pc:spChg chg="mod topLvl">
+          <ac:chgData name="Judson Santiago" userId="ebb108da2f256286" providerId="LiveId" clId="{7A38F938-DD6B-47C2-889B-603D3C6F0E97}" dt="2021-10-13T18:05:28.178" v="150" actId="164"/>
+          <ac:spMkLst>
+            <pc:docMk/>
+            <pc:sldMk cId="2445905829" sldId="337"/>
+            <ac:spMk id="53" creationId="{00000000-0000-0000-0000-000000000000}"/>
+          </ac:spMkLst>
+        </pc:spChg>
+        <pc:spChg chg="mod topLvl">
+          <ac:chgData name="Judson Santiago" userId="ebb108da2f256286" providerId="LiveId" clId="{7A38F938-DD6B-47C2-889B-603D3C6F0E97}" dt="2021-10-13T18:05:28.178" v="150" actId="164"/>
+          <ac:spMkLst>
+            <pc:docMk/>
+            <pc:sldMk cId="2445905829" sldId="337"/>
+            <ac:spMk id="54" creationId="{00000000-0000-0000-0000-000000000000}"/>
+          </ac:spMkLst>
+        </pc:spChg>
+        <pc:grpChg chg="del">
+          <ac:chgData name="Judson Santiago" userId="ebb108da2f256286" providerId="LiveId" clId="{7A38F938-DD6B-47C2-889B-603D3C6F0E97}" dt="2021-10-13T18:05:21.223" v="149" actId="165"/>
+          <ac:grpSpMkLst>
+            <pc:docMk/>
+            <pc:sldMk cId="2445905829" sldId="337"/>
+            <ac:grpSpMk id="4" creationId="{743C785D-45C2-4176-8BF9-A5DE00B79E4D}"/>
+          </ac:grpSpMkLst>
+        </pc:grpChg>
+        <pc:grpChg chg="add mod">
+          <ac:chgData name="Judson Santiago" userId="ebb108da2f256286" providerId="LiveId" clId="{7A38F938-DD6B-47C2-889B-603D3C6F0E97}" dt="2021-10-13T18:05:33.585" v="151" actId="1076"/>
+          <ac:grpSpMkLst>
+            <pc:docMk/>
+            <pc:sldMk cId="2445905829" sldId="337"/>
+            <ac:grpSpMk id="5" creationId="{4F3E0048-37AC-44AB-8938-0A78DD4AF02C}"/>
+          </ac:grpSpMkLst>
+        </pc:grpChg>
+        <pc:picChg chg="mod">
+          <ac:chgData name="Judson Santiago" userId="ebb108da2f256286" providerId="LiveId" clId="{7A38F938-DD6B-47C2-889B-603D3C6F0E97}" dt="2021-10-13T18:05:28.178" v="150" actId="164"/>
+          <ac:picMkLst>
+            <pc:docMk/>
+            <pc:sldMk cId="2445905829" sldId="337"/>
+            <ac:picMk id="32" creationId="{00000000-0000-0000-0000-000000000000}"/>
+          </ac:picMkLst>
+        </pc:picChg>
+        <pc:cxnChg chg="mod topLvl">
+          <ac:chgData name="Judson Santiago" userId="ebb108da2f256286" providerId="LiveId" clId="{7A38F938-DD6B-47C2-889B-603D3C6F0E97}" dt="2021-10-13T18:05:28.178" v="150" actId="164"/>
+          <ac:cxnSpMkLst>
+            <pc:docMk/>
+            <pc:sldMk cId="2445905829" sldId="337"/>
+            <ac:cxnSpMk id="6" creationId="{00000000-0000-0000-0000-000000000000}"/>
+          </ac:cxnSpMkLst>
+        </pc:cxnChg>
+        <pc:cxnChg chg="mod topLvl">
+          <ac:chgData name="Judson Santiago" userId="ebb108da2f256286" providerId="LiveId" clId="{7A38F938-DD6B-47C2-889B-603D3C6F0E97}" dt="2021-10-13T18:05:28.178" v="150" actId="164"/>
+          <ac:cxnSpMkLst>
+            <pc:docMk/>
+            <pc:sldMk cId="2445905829" sldId="337"/>
+            <ac:cxnSpMk id="22" creationId="{00000000-0000-0000-0000-000000000000}"/>
+          </ac:cxnSpMkLst>
+        </pc:cxnChg>
+        <pc:cxnChg chg="mod topLvl">
+          <ac:chgData name="Judson Santiago" userId="ebb108da2f256286" providerId="LiveId" clId="{7A38F938-DD6B-47C2-889B-603D3C6F0E97}" dt="2021-10-13T18:05:28.178" v="150" actId="164"/>
+          <ac:cxnSpMkLst>
+            <pc:docMk/>
+            <pc:sldMk cId="2445905829" sldId="337"/>
+            <ac:cxnSpMk id="43" creationId="{00000000-0000-0000-0000-000000000000}"/>
+          </ac:cxnSpMkLst>
+        </pc:cxnChg>
+        <pc:cxnChg chg="mod topLvl">
+          <ac:chgData name="Judson Santiago" userId="ebb108da2f256286" providerId="LiveId" clId="{7A38F938-DD6B-47C2-889B-603D3C6F0E97}" dt="2021-10-13T18:05:28.178" v="150" actId="164"/>
+          <ac:cxnSpMkLst>
+            <pc:docMk/>
+            <pc:sldMk cId="2445905829" sldId="337"/>
+            <ac:cxnSpMk id="45" creationId="{00000000-0000-0000-0000-000000000000}"/>
+          </ac:cxnSpMkLst>
+        </pc:cxnChg>
+        <pc:cxnChg chg="mod ord topLvl">
+          <ac:chgData name="Judson Santiago" userId="ebb108da2f256286" providerId="LiveId" clId="{7A38F938-DD6B-47C2-889B-603D3C6F0E97}" dt="2021-10-13T18:05:28.178" v="150" actId="164"/>
+          <ac:cxnSpMkLst>
+            <pc:docMk/>
+            <pc:sldMk cId="2445905829" sldId="337"/>
+            <ac:cxnSpMk id="47" creationId="{00000000-0000-0000-0000-000000000000}"/>
+          </ac:cxnSpMkLst>
+        </pc:cxnChg>
+      </pc:sldChg>
+      <pc:sldChg chg="addSp delSp modSp mod modTransition">
+        <pc:chgData name="Judson Santiago" userId="ebb108da2f256286" providerId="LiveId" clId="{7A38F938-DD6B-47C2-889B-603D3C6F0E97}" dt="2021-10-13T18:09:32.013" v="184"/>
+        <pc:sldMkLst>
+          <pc:docMk/>
+          <pc:sldMk cId="4095210744" sldId="338"/>
+        </pc:sldMkLst>
+        <pc:spChg chg="mod">
+          <ac:chgData name="Judson Santiago" userId="ebb108da2f256286" providerId="LiveId" clId="{7A38F938-DD6B-47C2-889B-603D3C6F0E97}" dt="2021-10-13T18:08:44.487" v="182" actId="207"/>
+          <ac:spMkLst>
+            <pc:docMk/>
+            <pc:sldMk cId="4095210744" sldId="338"/>
+            <ac:spMk id="2" creationId="{00000000-0000-0000-0000-000000000000}"/>
+          </ac:spMkLst>
+        </pc:spChg>
+        <pc:spChg chg="del mod">
+          <ac:chgData name="Judson Santiago" userId="ebb108da2f256286" providerId="LiveId" clId="{7A38F938-DD6B-47C2-889B-603D3C6F0E97}" dt="2021-10-13T18:07:37.006" v="169" actId="478"/>
+          <ac:spMkLst>
+            <pc:docMk/>
+            <pc:sldMk cId="4095210744" sldId="338"/>
+            <ac:spMk id="6" creationId="{FF193F5A-7749-4180-9AAE-C1CF950BE9F1}"/>
+          </ac:spMkLst>
+        </pc:spChg>
+        <pc:spChg chg="mod">
+          <ac:chgData name="Judson Santiago" userId="ebb108da2f256286" providerId="LiveId" clId="{7A38F938-DD6B-47C2-889B-603D3C6F0E97}" dt="2021-10-13T18:07:59.881" v="175" actId="1076"/>
+          <ac:spMkLst>
+            <pc:docMk/>
+            <pc:sldMk cId="4095210744" sldId="338"/>
+            <ac:spMk id="8" creationId="{D3318AE3-B0B1-4503-9DEF-556922E768B9}"/>
+          </ac:spMkLst>
+        </pc:spChg>
+        <pc:spChg chg="mod">
+          <ac:chgData name="Judson Santiago" userId="ebb108da2f256286" providerId="LiveId" clId="{7A38F938-DD6B-47C2-889B-603D3C6F0E97}" dt="2021-10-13T18:07:32.161" v="167"/>
+          <ac:spMkLst>
+            <pc:docMk/>
+            <pc:sldMk cId="4095210744" sldId="338"/>
+            <ac:spMk id="10" creationId="{4827EB7E-151D-42AC-9824-AFE09D5F131E}"/>
+          </ac:spMkLst>
+        </pc:spChg>
+        <pc:spChg chg="mod">
+          <ac:chgData name="Judson Santiago" userId="ebb108da2f256286" providerId="LiveId" clId="{7A38F938-DD6B-47C2-889B-603D3C6F0E97}" dt="2021-10-13T18:07:32.161" v="167"/>
+          <ac:spMkLst>
+            <pc:docMk/>
+            <pc:sldMk cId="4095210744" sldId="338"/>
+            <ac:spMk id="11" creationId="{D406BB9D-A1EF-48BE-BECC-A718E8D7D925}"/>
+          </ac:spMkLst>
+        </pc:spChg>
+        <pc:spChg chg="mod">
+          <ac:chgData name="Judson Santiago" userId="ebb108da2f256286" providerId="LiveId" clId="{7A38F938-DD6B-47C2-889B-603D3C6F0E97}" dt="2021-10-13T18:07:32.161" v="167"/>
+          <ac:spMkLst>
+            <pc:docMk/>
+            <pc:sldMk cId="4095210744" sldId="338"/>
+            <ac:spMk id="12" creationId="{9FE946C1-C808-4C51-97B5-7DDC524D5D32}"/>
+          </ac:spMkLst>
+        </pc:spChg>
+        <pc:spChg chg="mod">
+          <ac:chgData name="Judson Santiago" userId="ebb108da2f256286" providerId="LiveId" clId="{7A38F938-DD6B-47C2-889B-603D3C6F0E97}" dt="2021-10-13T18:07:32.161" v="167"/>
+          <ac:spMkLst>
+            <pc:docMk/>
+            <pc:sldMk cId="4095210744" sldId="338"/>
+            <ac:spMk id="13" creationId="{21100A05-6D39-4786-9FCB-7F496B66E389}"/>
+          </ac:spMkLst>
+        </pc:spChg>
+        <pc:spChg chg="mod">
+          <ac:chgData name="Judson Santiago" userId="ebb108da2f256286" providerId="LiveId" clId="{7A38F938-DD6B-47C2-889B-603D3C6F0E97}" dt="2021-10-13T18:07:56.927" v="174" actId="1076"/>
+          <ac:spMkLst>
+            <pc:docMk/>
+            <pc:sldMk cId="4095210744" sldId="338"/>
+            <ac:spMk id="14" creationId="{381DFC16-D395-44C6-97AD-56A007AD5E59}"/>
+          </ac:spMkLst>
+        </pc:spChg>
+        <pc:spChg chg="mod">
+          <ac:chgData name="Judson Santiago" userId="ebb108da2f256286" providerId="LiveId" clId="{7A38F938-DD6B-47C2-889B-603D3C6F0E97}" dt="2021-10-13T18:07:32.161" v="167"/>
+          <ac:spMkLst>
+            <pc:docMk/>
+            <pc:sldMk cId="4095210744" sldId="338"/>
+            <ac:spMk id="17" creationId="{CEC9A43D-6EB7-43EE-B9D8-D3921DD3D67C}"/>
+          </ac:spMkLst>
+        </pc:spChg>
+        <pc:spChg chg="mod">
+          <ac:chgData name="Judson Santiago" userId="ebb108da2f256286" providerId="LiveId" clId="{7A38F938-DD6B-47C2-889B-603D3C6F0E97}" dt="2021-10-13T18:07:32.161" v="167"/>
+          <ac:spMkLst>
+            <pc:docMk/>
+            <pc:sldMk cId="4095210744" sldId="338"/>
+            <ac:spMk id="18" creationId="{C2F3708F-423E-4649-B5DA-05031311EF20}"/>
+          </ac:spMkLst>
+        </pc:spChg>
+        <pc:spChg chg="mod">
+          <ac:chgData name="Judson Santiago" userId="ebb108da2f256286" providerId="LiveId" clId="{7A38F938-DD6B-47C2-889B-603D3C6F0E97}" dt="2021-10-13T18:07:32.161" v="167"/>
+          <ac:spMkLst>
+            <pc:docMk/>
+            <pc:sldMk cId="4095210744" sldId="338"/>
+            <ac:spMk id="20" creationId="{D17F48E0-5C41-4C55-88DC-D7B2678A9783}"/>
+          </ac:spMkLst>
+        </pc:spChg>
+        <pc:spChg chg="mod">
+          <ac:chgData name="Judson Santiago" userId="ebb108da2f256286" providerId="LiveId" clId="{7A38F938-DD6B-47C2-889B-603D3C6F0E97}" dt="2021-10-13T18:07:32.161" v="167"/>
+          <ac:spMkLst>
+            <pc:docMk/>
+            <pc:sldMk cId="4095210744" sldId="338"/>
+            <ac:spMk id="21" creationId="{B2F1AC6D-2A37-48FE-BBC6-EB7E6017A318}"/>
+          </ac:spMkLst>
+        </pc:spChg>
+        <pc:spChg chg="mod">
+          <ac:chgData name="Judson Santiago" userId="ebb108da2f256286" providerId="LiveId" clId="{7A38F938-DD6B-47C2-889B-603D3C6F0E97}" dt="2021-10-13T18:07:32.161" v="167"/>
+          <ac:spMkLst>
+            <pc:docMk/>
+            <pc:sldMk cId="4095210744" sldId="338"/>
+            <ac:spMk id="22" creationId="{9CC956AF-DA7A-4196-AB26-A98FF9520F67}"/>
+          </ac:spMkLst>
+        </pc:spChg>
+        <pc:grpChg chg="add mod">
+          <ac:chgData name="Judson Santiago" userId="ebb108da2f256286" providerId="LiveId" clId="{7A38F938-DD6B-47C2-889B-603D3C6F0E97}" dt="2021-10-13T18:08:26.227" v="180" actId="1076"/>
+          <ac:grpSpMkLst>
+            <pc:docMk/>
+            <pc:sldMk cId="4095210744" sldId="338"/>
+            <ac:grpSpMk id="4" creationId="{FAFAF34D-E16C-4371-ACBD-B65122A8969C}"/>
+          </ac:grpSpMkLst>
+        </pc:grpChg>
+        <pc:picChg chg="mod">
+          <ac:chgData name="Judson Santiago" userId="ebb108da2f256286" providerId="LiveId" clId="{7A38F938-DD6B-47C2-889B-603D3C6F0E97}" dt="2021-10-13T18:07:32.161" v="167"/>
+          <ac:picMkLst>
+            <pc:docMk/>
+            <pc:sldMk cId="4095210744" sldId="338"/>
+            <ac:picMk id="5" creationId="{F9999236-FE35-4024-9D31-D12A23F9B138}"/>
+          </ac:picMkLst>
+        </pc:picChg>
+        <pc:cxnChg chg="mod">
+          <ac:chgData name="Judson Santiago" userId="ebb108da2f256286" providerId="LiveId" clId="{7A38F938-DD6B-47C2-889B-603D3C6F0E97}" dt="2021-10-13T18:07:49.609" v="172" actId="14100"/>
+          <ac:cxnSpMkLst>
+            <pc:docMk/>
+            <pc:sldMk cId="4095210744" sldId="338"/>
+            <ac:cxnSpMk id="7" creationId="{2C1CF027-C6CD-4D79-918F-F0DDF6EDBE77}"/>
+          </ac:cxnSpMkLst>
+        </pc:cxnChg>
+        <pc:cxnChg chg="mod">
+          <ac:chgData name="Judson Santiago" userId="ebb108da2f256286" providerId="LiveId" clId="{7A38F938-DD6B-47C2-889B-603D3C6F0E97}" dt="2021-10-13T18:07:52.650" v="173" actId="14100"/>
+          <ac:cxnSpMkLst>
+            <pc:docMk/>
+            <pc:sldMk cId="4095210744" sldId="338"/>
+            <ac:cxnSpMk id="9" creationId="{75C7ACE5-BD04-4D73-A03E-07B39642292A}"/>
+          </ac:cxnSpMkLst>
+        </pc:cxnChg>
+        <pc:cxnChg chg="mod">
+          <ac:chgData name="Judson Santiago" userId="ebb108da2f256286" providerId="LiveId" clId="{7A38F938-DD6B-47C2-889B-603D3C6F0E97}" dt="2021-10-13T18:07:32.161" v="167"/>
+          <ac:cxnSpMkLst>
+            <pc:docMk/>
+            <pc:sldMk cId="4095210744" sldId="338"/>
+            <ac:cxnSpMk id="15" creationId="{89CFCB32-2802-4AD2-84A7-52D5032D01AE}"/>
+          </ac:cxnSpMkLst>
+        </pc:cxnChg>
+        <pc:cxnChg chg="mod">
+          <ac:chgData name="Judson Santiago" userId="ebb108da2f256286" providerId="LiveId" clId="{7A38F938-DD6B-47C2-889B-603D3C6F0E97}" dt="2021-10-13T18:07:32.161" v="167"/>
+          <ac:cxnSpMkLst>
+            <pc:docMk/>
+            <pc:sldMk cId="4095210744" sldId="338"/>
+            <ac:cxnSpMk id="16" creationId="{714984CE-2E7F-4A95-A2A6-1AF5D480133D}"/>
+          </ac:cxnSpMkLst>
+        </pc:cxnChg>
+        <pc:cxnChg chg="mod">
+          <ac:chgData name="Judson Santiago" userId="ebb108da2f256286" providerId="LiveId" clId="{7A38F938-DD6B-47C2-889B-603D3C6F0E97}" dt="2021-10-13T18:08:02.621" v="177" actId="1076"/>
+          <ac:cxnSpMkLst>
+            <pc:docMk/>
+            <pc:sldMk cId="4095210744" sldId="338"/>
+            <ac:cxnSpMk id="19" creationId="{5D697B17-A31E-4B42-9558-5702C8210A99}"/>
+          </ac:cxnSpMkLst>
+        </pc:cxnChg>
+      </pc:sldChg>
+      <pc:sldChg chg="modSp mod modNotesTx">
+        <pc:chgData name="Judson Santiago" userId="ebb108da2f256286" providerId="LiveId" clId="{7A38F938-DD6B-47C2-889B-603D3C6F0E97}" dt="2021-10-13T18:12:33.141" v="189" actId="5793"/>
+        <pc:sldMkLst>
+          <pc:docMk/>
+          <pc:sldMk cId="3092038382" sldId="339"/>
+        </pc:sldMkLst>
+        <pc:spChg chg="mod">
+          <ac:chgData name="Judson Santiago" userId="ebb108da2f256286" providerId="LiveId" clId="{7A38F938-DD6B-47C2-889B-603D3C6F0E97}" dt="2021-10-13T17:50:48.653" v="14" actId="403"/>
+          <ac:spMkLst>
+            <pc:docMk/>
+            <pc:sldMk cId="3092038382" sldId="339"/>
+            <ac:spMk id="2" creationId="{34F6DD4D-7265-40D2-8494-1182A89A4AF9}"/>
+          </ac:spMkLst>
+        </pc:spChg>
+        <pc:spChg chg="mod">
+          <ac:chgData name="Judson Santiago" userId="ebb108da2f256286" providerId="LiveId" clId="{7A38F938-DD6B-47C2-889B-603D3C6F0E97}" dt="2021-10-13T17:50:56.796" v="28" actId="403"/>
+          <ac:spMkLst>
+            <pc:docMk/>
+            <pc:sldMk cId="3092038382" sldId="339"/>
+            <ac:spMk id="3" creationId="{B90AB318-8DDE-44E3-B697-87286694BF43}"/>
+          </ac:spMkLst>
+        </pc:spChg>
+      </pc:sldChg>
+      <pc:sldMasterChg chg="addSp delSp modSp mod modSldLayout">
+        <pc:chgData name="Judson Santiago" userId="ebb108da2f256286" providerId="LiveId" clId="{7A38F938-DD6B-47C2-889B-603D3C6F0E97}" dt="2021-10-13T18:09:22.115" v="183" actId="21"/>
+        <pc:sldMasterMkLst>
+          <pc:docMk/>
+          <pc:sldMasterMk cId="0" sldId="2147483780"/>
+        </pc:sldMasterMkLst>
+        <pc:spChg chg="del">
+          <ac:chgData name="Judson Santiago" userId="ebb108da2f256286" providerId="LiveId" clId="{7A38F938-DD6B-47C2-889B-603D3C6F0E97}" dt="2021-10-13T17:50:00.390" v="3" actId="478"/>
+          <ac:spMkLst>
+            <pc:docMk/>
+            <pc:sldMasterMk cId="0" sldId="2147483780"/>
+            <ac:spMk id="12" creationId="{00000000-0000-0000-0000-000000000000}"/>
+          </ac:spMkLst>
+        </pc:spChg>
+        <pc:spChg chg="del">
+          <ac:chgData name="Judson Santiago" userId="ebb108da2f256286" providerId="LiveId" clId="{7A38F938-DD6B-47C2-889B-603D3C6F0E97}" dt="2021-10-13T17:49:57.263" v="1" actId="478"/>
+          <ac:spMkLst>
+            <pc:docMk/>
+            <pc:sldMasterMk cId="0" sldId="2147483780"/>
+            <ac:spMk id="13" creationId="{00000000-0000-0000-0000-000000000000}"/>
+          </ac:spMkLst>
+        </pc:spChg>
+        <pc:spChg chg="del">
+          <ac:chgData name="Judson Santiago" userId="ebb108da2f256286" providerId="LiveId" clId="{7A38F938-DD6B-47C2-889B-603D3C6F0E97}" dt="2021-10-13T17:49:58.702" v="2" actId="478"/>
+          <ac:spMkLst>
+            <pc:docMk/>
+            <pc:sldMasterMk cId="0" sldId="2147483780"/>
+            <ac:spMk id="14" creationId="{00000000-0000-0000-0000-000000000000}"/>
+          </ac:spMkLst>
+        </pc:spChg>
+        <pc:spChg chg="mod">
+          <ac:chgData name="Judson Santiago" userId="ebb108da2f256286" providerId="LiveId" clId="{7A38F938-DD6B-47C2-889B-603D3C6F0E97}" dt="2021-10-06T22:03:15.569" v="0"/>
+          <ac:spMkLst>
+            <pc:docMk/>
+            <pc:sldMasterMk cId="0" sldId="2147483780"/>
+            <ac:spMk id="16" creationId="{3315DAEB-6488-4D6F-92BD-72C3D429BE25}"/>
+          </ac:spMkLst>
+        </pc:spChg>
+        <pc:spChg chg="add mod ord">
+          <ac:chgData name="Judson Santiago" userId="ebb108da2f256286" providerId="LiveId" clId="{7A38F938-DD6B-47C2-889B-603D3C6F0E97}" dt="2021-10-13T17:50:05.861" v="5" actId="167"/>
+          <ac:spMkLst>
+            <pc:docMk/>
+            <pc:sldMasterMk cId="0" sldId="2147483780"/>
+            <ac:spMk id="17" creationId="{140E4403-9603-483F-A23A-2E011FDEAE6C}"/>
+          </ac:spMkLst>
+        </pc:spChg>
+        <pc:spChg chg="mod">
+          <ac:chgData name="Judson Santiago" userId="ebb108da2f256286" providerId="LiveId" clId="{7A38F938-DD6B-47C2-889B-603D3C6F0E97}" dt="2021-10-13T17:50:03.126" v="4"/>
+          <ac:spMkLst>
+            <pc:docMk/>
+            <pc:sldMasterMk cId="0" sldId="2147483780"/>
+            <ac:spMk id="20" creationId="{CAAB44CA-529E-4066-8809-0E509FBE5BC0}"/>
+          </ac:spMkLst>
+        </pc:spChg>
+        <pc:spChg chg="mod">
+          <ac:chgData name="Judson Santiago" userId="ebb108da2f256286" providerId="LiveId" clId="{7A38F938-DD6B-47C2-889B-603D3C6F0E97}" dt="2021-10-13T17:50:03.126" v="4"/>
+          <ac:spMkLst>
+            <pc:docMk/>
+            <pc:sldMasterMk cId="0" sldId="2147483780"/>
+            <ac:spMk id="21" creationId="{4B3F1D7F-3763-43BC-B643-006492C691A0}"/>
+          </ac:spMkLst>
+        </pc:spChg>
+        <pc:spChg chg="mod">
+          <ac:chgData name="Judson Santiago" userId="ebb108da2f256286" providerId="LiveId" clId="{7A38F938-DD6B-47C2-889B-603D3C6F0E97}" dt="2021-10-13T17:50:03.126" v="4"/>
+          <ac:spMkLst>
+            <pc:docMk/>
+            <pc:sldMasterMk cId="0" sldId="2147483780"/>
+            <ac:spMk id="23" creationId="{B9E7B4D2-ABA3-4956-B80C-846EC70A3BC1}"/>
+          </ac:spMkLst>
+        </pc:spChg>
+        <pc:grpChg chg="add del mod">
+          <ac:chgData name="Judson Santiago" userId="ebb108da2f256286" providerId="LiveId" clId="{7A38F938-DD6B-47C2-889B-603D3C6F0E97}" dt="2021-10-13T18:09:22.115" v="183" actId="21"/>
+          <ac:grpSpMkLst>
+            <pc:docMk/>
+            <pc:sldMasterMk cId="0" sldId="2147483780"/>
+            <ac:grpSpMk id="11" creationId="{13965706-5F6F-4F36-9504-D1BC69928AC3}"/>
+          </ac:grpSpMkLst>
+        </pc:grpChg>
+        <pc:grpChg chg="add mod ord">
+          <ac:chgData name="Judson Santiago" userId="ebb108da2f256286" providerId="LiveId" clId="{7A38F938-DD6B-47C2-889B-603D3C6F0E97}" dt="2021-10-13T17:50:05.861" v="5" actId="167"/>
+          <ac:grpSpMkLst>
+            <pc:docMk/>
+            <pc:sldMasterMk cId="0" sldId="2147483780"/>
+            <ac:grpSpMk id="19" creationId="{A36CFF8F-ECE0-4DCB-8BC9-AF3F5981A3EF}"/>
+          </ac:grpSpMkLst>
+        </pc:grpChg>
+        <pc:picChg chg="mod">
+          <ac:chgData name="Judson Santiago" userId="ebb108da2f256286" providerId="LiveId" clId="{7A38F938-DD6B-47C2-889B-603D3C6F0E97}" dt="2021-10-06T22:03:15.569" v="0"/>
+          <ac:picMkLst>
+            <pc:docMk/>
+            <pc:sldMasterMk cId="0" sldId="2147483780"/>
+            <ac:picMk id="15" creationId="{5485174B-2778-40F2-8184-E2ED9CD2A38C}"/>
+          </ac:picMkLst>
+        </pc:picChg>
+        <pc:sldLayoutChg chg="addSp delSp modSp mod">
+          <pc:chgData name="Judson Santiago" userId="ebb108da2f256286" providerId="LiveId" clId="{7A38F938-DD6B-47C2-889B-603D3C6F0E97}" dt="2021-10-13T17:50:28.083" v="11" actId="167"/>
+          <pc:sldLayoutMkLst>
+            <pc:docMk/>
+            <pc:sldMasterMk cId="0" sldId="2147483780"/>
+            <pc:sldLayoutMk cId="0" sldId="2147483781"/>
+          </pc:sldLayoutMkLst>
+          <pc:spChg chg="mod">
+            <ac:chgData name="Judson Santiago" userId="ebb108da2f256286" providerId="LiveId" clId="{7A38F938-DD6B-47C2-889B-603D3C6F0E97}" dt="2021-10-13T17:50:23.523" v="10"/>
+            <ac:spMkLst>
+              <pc:docMk/>
+              <pc:sldMasterMk cId="0" sldId="2147483780"/>
+              <pc:sldLayoutMk cId="0" sldId="2147483781"/>
+              <ac:spMk id="10" creationId="{D38D8A28-4FB1-4390-A979-16D3C0443240}"/>
+            </ac:spMkLst>
+          </pc:spChg>
+          <pc:spChg chg="del">
+            <ac:chgData name="Judson Santiago" userId="ebb108da2f256286" providerId="LiveId" clId="{7A38F938-DD6B-47C2-889B-603D3C6F0E97}" dt="2021-10-13T17:50:20.991" v="8" actId="478"/>
+            <ac:spMkLst>
+              <pc:docMk/>
+              <pc:sldMasterMk cId="0" sldId="2147483780"/>
+              <pc:sldLayoutMk cId="0" sldId="2147483781"/>
+              <ac:spMk id="12" creationId="{19685EB2-5413-46B1-B33E-E3DCBFF0FA78}"/>
+            </ac:spMkLst>
+          </pc:spChg>
+          <pc:spChg chg="mod">
+            <ac:chgData name="Judson Santiago" userId="ebb108da2f256286" providerId="LiveId" clId="{7A38F938-DD6B-47C2-889B-603D3C6F0E97}" dt="2021-10-13T17:50:23.523" v="10"/>
+            <ac:spMkLst>
+              <pc:docMk/>
+              <pc:sldMasterMk cId="0" sldId="2147483780"/>
+              <pc:sldLayoutMk cId="0" sldId="2147483781"/>
+              <ac:spMk id="13" creationId="{7E2310BA-163F-4B2A-9107-BFEAB302436E}"/>
+            </ac:spMkLst>
+          </pc:spChg>
+          <pc:spChg chg="mod">
+            <ac:chgData name="Judson Santiago" userId="ebb108da2f256286" providerId="LiveId" clId="{7A38F938-DD6B-47C2-889B-603D3C6F0E97}" dt="2021-10-13T17:50:23.523" v="10"/>
+            <ac:spMkLst>
+              <pc:docMk/>
+              <pc:sldMasterMk cId="0" sldId="2147483780"/>
+              <pc:sldLayoutMk cId="0" sldId="2147483781"/>
+              <ac:spMk id="14" creationId="{3511BF7F-25CE-48C4-984D-1A5EDDC0EAEC}"/>
+            </ac:spMkLst>
+          </pc:spChg>
+          <pc:spChg chg="mod">
+            <ac:chgData name="Judson Santiago" userId="ebb108da2f256286" providerId="LiveId" clId="{7A38F938-DD6B-47C2-889B-603D3C6F0E97}" dt="2021-10-13T17:50:23.523" v="10"/>
+            <ac:spMkLst>
+              <pc:docMk/>
+              <pc:sldMasterMk cId="0" sldId="2147483780"/>
+              <pc:sldLayoutMk cId="0" sldId="2147483781"/>
+              <ac:spMk id="15" creationId="{DE92FB9F-8A39-4D67-AAC0-80E2D6020897}"/>
+            </ac:spMkLst>
+          </pc:spChg>
+          <pc:spChg chg="mod">
+            <ac:chgData name="Judson Santiago" userId="ebb108da2f256286" providerId="LiveId" clId="{7A38F938-DD6B-47C2-889B-603D3C6F0E97}" dt="2021-10-13T17:50:23.523" v="10"/>
+            <ac:spMkLst>
+              <pc:docMk/>
+              <pc:sldMasterMk cId="0" sldId="2147483780"/>
+              <pc:sldLayoutMk cId="0" sldId="2147483781"/>
+              <ac:spMk id="17" creationId="{B24DA8C8-0F6D-4EF0-B815-2C590BAD0627}"/>
+            </ac:spMkLst>
+          </pc:spChg>
+          <pc:spChg chg="del">
+            <ac:chgData name="Judson Santiago" userId="ebb108da2f256286" providerId="LiveId" clId="{7A38F938-DD6B-47C2-889B-603D3C6F0E97}" dt="2021-10-13T17:50:19.912" v="7" actId="478"/>
+            <ac:spMkLst>
+              <pc:docMk/>
+              <pc:sldMasterMk cId="0" sldId="2147483780"/>
+              <pc:sldLayoutMk cId="0" sldId="2147483781"/>
+              <ac:spMk id="18" creationId="{5EC70D1B-69F1-48D8-AC1B-18AE2D1638DB}"/>
+            </ac:spMkLst>
+          </pc:spChg>
+          <pc:spChg chg="mod">
+            <ac:chgData name="Judson Santiago" userId="ebb108da2f256286" providerId="LiveId" clId="{7A38F938-DD6B-47C2-889B-603D3C6F0E97}" dt="2021-10-13T17:50:23.523" v="10"/>
+            <ac:spMkLst>
+              <pc:docMk/>
+              <pc:sldMasterMk cId="0" sldId="2147483780"/>
+              <pc:sldLayoutMk cId="0" sldId="2147483781"/>
+              <ac:spMk id="19" creationId="{570E93E3-80E8-4368-9C71-502E0F1E3D9F}"/>
+            </ac:spMkLst>
+          </pc:spChg>
+          <pc:spChg chg="del">
+            <ac:chgData name="Judson Santiago" userId="ebb108da2f256286" providerId="LiveId" clId="{7A38F938-DD6B-47C2-889B-603D3C6F0E97}" dt="2021-10-13T17:50:19.209" v="6" actId="478"/>
+            <ac:spMkLst>
+              <pc:docMk/>
+              <pc:sldMasterMk cId="0" sldId="2147483780"/>
+              <pc:sldLayoutMk cId="0" sldId="2147483781"/>
+              <ac:spMk id="21" creationId="{F56701A8-D3A7-41BF-A247-B8174136FA0B}"/>
+            </ac:spMkLst>
+          </pc:spChg>
+          <pc:spChg chg="del">
+            <ac:chgData name="Judson Santiago" userId="ebb108da2f256286" providerId="LiveId" clId="{7A38F938-DD6B-47C2-889B-603D3C6F0E97}" dt="2021-10-13T17:50:22.148" v="9" actId="478"/>
+            <ac:spMkLst>
+              <pc:docMk/>
+              <pc:sldMasterMk cId="0" sldId="2147483780"/>
+              <pc:sldLayoutMk cId="0" sldId="2147483781"/>
+              <ac:spMk id="22" creationId="{818D5CE4-8FCC-4AAE-A343-D35903CE6874}"/>
+            </ac:spMkLst>
+          </pc:spChg>
+          <pc:grpChg chg="add mod ord">
+            <ac:chgData name="Judson Santiago" userId="ebb108da2f256286" providerId="LiveId" clId="{7A38F938-DD6B-47C2-889B-603D3C6F0E97}" dt="2021-10-13T17:50:28.083" v="11" actId="167"/>
+            <ac:grpSpMkLst>
+              <pc:docMk/>
+              <pc:sldMasterMk cId="0" sldId="2147483780"/>
+              <pc:sldLayoutMk cId="0" sldId="2147483781"/>
+              <ac:grpSpMk id="9" creationId="{07E0FA45-11E7-414A-B7D7-5DF1886C34FD}"/>
+            </ac:grpSpMkLst>
+          </pc:grpChg>
+          <pc:grpChg chg="add mod ord">
+            <ac:chgData name="Judson Santiago" userId="ebb108da2f256286" providerId="LiveId" clId="{7A38F938-DD6B-47C2-889B-603D3C6F0E97}" dt="2021-10-13T17:50:28.083" v="11" actId="167"/>
+            <ac:grpSpMkLst>
+              <pc:docMk/>
+              <pc:sldMasterMk cId="0" sldId="2147483780"/>
+              <pc:sldLayoutMk cId="0" sldId="2147483781"/>
+              <ac:grpSpMk id="16" creationId="{4657A39A-AECC-4E8C-A183-6393BDF67A6F}"/>
+            </ac:grpSpMkLst>
+          </pc:grpChg>
+        </pc:sldLayoutChg>
+      </pc:sldMasterChg>
+    </pc:docChg>
+  </pc:docChgLst>
 </pc:chgInfo>
 </file>
 
@@ -1486,7 +2435,7 @@
             <a:fld id="{4C457FC9-8E1D-4A40-BFF1-0E630693B1AB}" type="datetimeFigureOut">
               <a:rPr lang="pt-BR" smtClean="0"/>
               <a:pPr/>
-              <a:t>05/11/2019</a:t>
+              <a:t>13/10/2021</a:t>
             </a:fld>
             <a:endParaRPr lang="pt-BR"/>
           </a:p>
@@ -1800,9 +2749,27 @@
           <a:bodyPr/>
           <a:lstStyle/>
           <a:p>
+            <a:pPr marL="171450" indent="-171450">
+              <a:buFontTx/>
+              <a:buChar char="-"/>
+            </a:pPr>
             <a:r>
               <a:rPr lang="pt-BR" dirty="0"/>
-              <a:t>Coordenada Retangular ou Cartesiana</a:t>
+              <a:t>Construção de uma classe Vetor para realizar deslocamento vetorial. </a:t>
+            </a:r>
+          </a:p>
+          <a:p>
+            <a:pPr marL="171450" indent="-171450">
+              <a:buFontTx/>
+              <a:buChar char="-"/>
+            </a:pPr>
+            <a:r>
+              <a:rPr lang="pt-BR"/>
+              <a:t>Controlando </a:t>
+            </a:r>
+            <a:r>
+              <a:rPr lang="pt-BR" dirty="0"/>
+              <a:t>a direção e velocidade de projéteis através de vetores (Ex.: Vector2D)</a:t>
             </a:r>
           </a:p>
         </p:txBody>
@@ -1814,7 +2781,7 @@
             <a:spLocks noGrp="1"/>
           </p:cNvSpPr>
           <p:nvPr>
-            <p:ph type="sldNum" sz="quarter" idx="10"/>
+            <p:ph type="sldNum" sz="quarter" idx="5"/>
           </p:nvPr>
         </p:nvSpPr>
         <p:spPr/>
@@ -1825,7 +2792,7 @@
             <a:fld id="{EF334A8D-C5BE-432D-90D0-92D67DD437AB}" type="slidenum">
               <a:rPr lang="pt-BR" smtClean="0"/>
               <a:pPr/>
-              <a:t>4</a:t>
+              <a:t>1</a:t>
             </a:fld>
             <a:endParaRPr lang="pt-BR"/>
           </a:p>
@@ -1834,7 +2801,7 @@
     </p:spTree>
     <p:extLst>
       <p:ext uri="{BB962C8B-B14F-4D97-AF65-F5344CB8AC3E}">
-        <p14:creationId xmlns:p14="http://schemas.microsoft.com/office/powerpoint/2010/main" val="352750758"/>
+        <p14:creationId xmlns:p14="http://schemas.microsoft.com/office/powerpoint/2010/main" val="1872527802"/>
       </p:ext>
     </p:extLst>
   </p:cSld>
@@ -1890,7 +2857,7 @@
           <a:p>
             <a:r>
               <a:rPr lang="pt-BR" dirty="0"/>
-              <a:t>Coordenada Polar</a:t>
+              <a:t>Coordenada Retangular ou Cartesiana</a:t>
             </a:r>
           </a:p>
         </p:txBody>
@@ -1913,7 +2880,7 @@
             <a:fld id="{EF334A8D-C5BE-432D-90D0-92D67DD437AB}" type="slidenum">
               <a:rPr lang="pt-BR" smtClean="0"/>
               <a:pPr/>
-              <a:t>5</a:t>
+              <a:t>4</a:t>
             </a:fld>
             <a:endParaRPr lang="pt-BR"/>
           </a:p>
@@ -1922,7 +2889,7 @@
     </p:spTree>
     <p:extLst>
       <p:ext uri="{BB962C8B-B14F-4D97-AF65-F5344CB8AC3E}">
-        <p14:creationId xmlns:p14="http://schemas.microsoft.com/office/powerpoint/2010/main" val="735497919"/>
+        <p14:creationId xmlns:p14="http://schemas.microsoft.com/office/powerpoint/2010/main" val="352750758"/>
       </p:ext>
     </p:extLst>
   </p:cSld>
@@ -1976,6 +2943,94 @@
           <a:bodyPr/>
           <a:lstStyle/>
           <a:p>
+            <a:r>
+              <a:rPr lang="pt-BR" dirty="0"/>
+              <a:t>Coordenada Polar</a:t>
+            </a:r>
+          </a:p>
+        </p:txBody>
+      </p:sp>
+      <p:sp>
+        <p:nvSpPr>
+          <p:cNvPr id="4" name="Espaço Reservado para Número de Slide 3"/>
+          <p:cNvSpPr>
+            <a:spLocks noGrp="1"/>
+          </p:cNvSpPr>
+          <p:nvPr>
+            <p:ph type="sldNum" sz="quarter" idx="10"/>
+          </p:nvPr>
+        </p:nvSpPr>
+        <p:spPr/>
+        <p:txBody>
+          <a:bodyPr/>
+          <a:lstStyle/>
+          <a:p>
+            <a:fld id="{EF334A8D-C5BE-432D-90D0-92D67DD437AB}" type="slidenum">
+              <a:rPr lang="pt-BR" smtClean="0"/>
+              <a:pPr/>
+              <a:t>5</a:t>
+            </a:fld>
+            <a:endParaRPr lang="pt-BR"/>
+          </a:p>
+        </p:txBody>
+      </p:sp>
+    </p:spTree>
+    <p:extLst>
+      <p:ext uri="{BB962C8B-B14F-4D97-AF65-F5344CB8AC3E}">
+        <p14:creationId xmlns:p14="http://schemas.microsoft.com/office/powerpoint/2010/main" val="735497919"/>
+      </p:ext>
+    </p:extLst>
+  </p:cSld>
+  <p:clrMapOvr>
+    <a:masterClrMapping/>
+  </p:clrMapOvr>
+</p:notes>
+</file>
+
+<file path=ppt/notesSlides/notesSlide4.xml><?xml version="1.0" encoding="utf-8"?>
+<p:notes xmlns:a="http://schemas.openxmlformats.org/drawingml/2006/main" xmlns:r="http://schemas.openxmlformats.org/officeDocument/2006/relationships" xmlns:p="http://schemas.openxmlformats.org/presentationml/2006/main">
+  <p:cSld>
+    <p:spTree>
+      <p:nvGrpSpPr>
+        <p:cNvPr id="1" name=""/>
+        <p:cNvGrpSpPr/>
+        <p:nvPr/>
+      </p:nvGrpSpPr>
+      <p:grpSpPr>
+        <a:xfrm>
+          <a:off x="0" y="0"/>
+          <a:ext cx="0" cy="0"/>
+          <a:chOff x="0" y="0"/>
+          <a:chExt cx="0" cy="0"/>
+        </a:xfrm>
+      </p:grpSpPr>
+      <p:sp>
+        <p:nvSpPr>
+          <p:cNvPr id="2" name="Espaço Reservado para Imagem de Slide 1"/>
+          <p:cNvSpPr>
+            <a:spLocks noGrp="1" noRot="1" noChangeAspect="1"/>
+          </p:cNvSpPr>
+          <p:nvPr>
+            <p:ph type="sldImg"/>
+          </p:nvPr>
+        </p:nvSpPr>
+        <p:spPr/>
+      </p:sp>
+      <p:sp>
+        <p:nvSpPr>
+          <p:cNvPr id="3" name="Espaço Reservado para Anotações 2"/>
+          <p:cNvSpPr>
+            <a:spLocks noGrp="1"/>
+          </p:cNvSpPr>
+          <p:nvPr>
+            <p:ph type="body" idx="1"/>
+          </p:nvPr>
+        </p:nvSpPr>
+        <p:spPr/>
+        <p:txBody>
+          <a:bodyPr/>
+          <a:lstStyle/>
+          <a:p>
             <a:pPr marL="0" marR="0" lvl="0" indent="0" algn="l" defTabSz="914400" rtl="0" eaLnBrk="1" fontAlgn="auto" latinLnBrk="0" hangingPunct="1">
               <a:lnSpc>
                 <a:spcPct val="100000"/>
@@ -2074,6 +3129,593 @@
           <a:chExt cx="0" cy="0"/>
         </a:xfrm>
       </p:grpSpPr>
+      <p:grpSp>
+        <p:nvGrpSpPr>
+          <p:cNvPr id="9" name="Agrupar 8">
+            <a:extLst>
+              <a:ext uri="{FF2B5EF4-FFF2-40B4-BE49-F238E27FC236}">
+                <a16:creationId xmlns:a16="http://schemas.microsoft.com/office/drawing/2014/main" id="{07E0FA45-11E7-414A-B7D7-5DF1886C34FD}"/>
+              </a:ext>
+            </a:extLst>
+          </p:cNvPr>
+          <p:cNvGrpSpPr/>
+          <p:nvPr userDrawn="1"/>
+        </p:nvGrpSpPr>
+        <p:grpSpPr>
+          <a:xfrm>
+            <a:off x="-2" y="5142592"/>
+            <a:ext cx="12192002" cy="1728726"/>
+            <a:chOff x="-2" y="5142592"/>
+            <a:chExt cx="12192002" cy="1728726"/>
+          </a:xfrm>
+        </p:grpSpPr>
+        <p:sp>
+          <p:nvSpPr>
+            <p:cNvPr id="10" name="Triângulo retângulo 13">
+              <a:extLst>
+                <a:ext uri="{FF2B5EF4-FFF2-40B4-BE49-F238E27FC236}">
+                  <a16:creationId xmlns:a16="http://schemas.microsoft.com/office/drawing/2014/main" id="{D38D8A28-4FB1-4390-A979-16D3C0443240}"/>
+                </a:ext>
+              </a:extLst>
+            </p:cNvPr>
+            <p:cNvSpPr>
+              <a:spLocks/>
+            </p:cNvSpPr>
+            <p:nvPr userDrawn="1"/>
+          </p:nvSpPr>
+          <p:spPr bwMode="auto">
+            <a:xfrm>
+              <a:off x="-2" y="5142592"/>
+              <a:ext cx="9192346" cy="1715408"/>
+            </a:xfrm>
+            <a:prstGeom prst="rtTriangle">
+              <a:avLst/>
+            </a:prstGeom>
+            <a:blipFill>
+              <a:blip r:embed="rId2">
+                <a:alphaModFix amt="50000"/>
+              </a:blip>
+              <a:tile tx="0" ty="0" sx="50000" sy="50000" flip="none" algn="t"/>
+            </a:blipFill>
+            <a:ln w="12700" cap="rnd" cmpd="thickThin" algn="ctr">
+              <a:noFill/>
+              <a:prstDash val="solid"/>
+            </a:ln>
+            <a:effectLst>
+              <a:fillOverlay blend="mult">
+                <a:gradFill flip="none" rotWithShape="1">
+                  <a:gsLst>
+                    <a:gs pos="0">
+                      <a:schemeClr val="accent1">
+                        <a:shade val="20000"/>
+                        <a:satMod val="176000"/>
+                        <a:alpha val="100000"/>
+                      </a:schemeClr>
+                    </a:gs>
+                    <a:gs pos="18000">
+                      <a:schemeClr val="accent1">
+                        <a:shade val="48000"/>
+                        <a:satMod val="153000"/>
+                        <a:alpha val="100000"/>
+                      </a:schemeClr>
+                    </a:gs>
+                    <a:gs pos="43000">
+                      <a:schemeClr val="accent1">
+                        <a:tint val="86000"/>
+                        <a:satMod val="149000"/>
+                        <a:alpha val="100000"/>
+                      </a:schemeClr>
+                    </a:gs>
+                    <a:gs pos="45000">
+                      <a:schemeClr val="accent1">
+                        <a:tint val="85000"/>
+                        <a:satMod val="150000"/>
+                        <a:alpha val="100000"/>
+                      </a:schemeClr>
+                    </a:gs>
+                    <a:gs pos="50000">
+                      <a:schemeClr val="accent1">
+                        <a:tint val="86000"/>
+                        <a:satMod val="149000"/>
+                        <a:alpha val="100000"/>
+                      </a:schemeClr>
+                    </a:gs>
+                    <a:gs pos="79000">
+                      <a:schemeClr val="accent1">
+                        <a:shade val="53000"/>
+                        <a:satMod val="150000"/>
+                        <a:alpha val="100000"/>
+                      </a:schemeClr>
+                    </a:gs>
+                    <a:gs pos="100000">
+                      <a:schemeClr val="accent1">
+                        <a:shade val="25000"/>
+                        <a:satMod val="170000"/>
+                        <a:alpha val="100000"/>
+                      </a:schemeClr>
+                    </a:gs>
+                  </a:gsLst>
+                  <a:lin ang="450000" scaled="1"/>
+                  <a:tileRect/>
+                </a:gradFill>
+              </a:fillOverlay>
+            </a:effectLst>
+          </p:spPr>
+          <p:style>
+            <a:lnRef idx="3">
+              <a:schemeClr val="lt1"/>
+            </a:lnRef>
+            <a:fillRef idx="1">
+              <a:schemeClr val="accent1"/>
+            </a:fillRef>
+            <a:effectRef idx="1">
+              <a:schemeClr val="accent1"/>
+            </a:effectRef>
+            <a:fontRef idx="minor">
+              <a:schemeClr val="lt1"/>
+            </a:fontRef>
+          </p:style>
+          <p:txBody>
+            <a:bodyPr vert="horz" wrap="square" lIns="91440" tIns="45720" rIns="91440" bIns="45720" anchor="ctr" compatLnSpc="1"/>
+            <a:lstStyle/>
+            <a:p>
+              <a:pPr algn="ctr" eaLnBrk="1" latinLnBrk="0" hangingPunct="1"/>
+              <a:endParaRPr kumimoji="0" lang="en-US" sz="1800" dirty="0"/>
+            </a:p>
+          </p:txBody>
+        </p:sp>
+        <p:sp>
+          <p:nvSpPr>
+            <p:cNvPr id="13" name="Forma livre 12">
+              <a:extLst>
+                <a:ext uri="{FF2B5EF4-FFF2-40B4-BE49-F238E27FC236}">
+                  <a16:creationId xmlns:a16="http://schemas.microsoft.com/office/drawing/2014/main" id="{7E2310BA-163F-4B2A-9107-BFEAB302436E}"/>
+                </a:ext>
+              </a:extLst>
+            </p:cNvPr>
+            <p:cNvSpPr>
+              <a:spLocks/>
+            </p:cNvSpPr>
+            <p:nvPr userDrawn="1"/>
+          </p:nvSpPr>
+          <p:spPr bwMode="auto">
+            <a:xfrm>
+              <a:off x="-2" y="5186981"/>
+              <a:ext cx="12192002" cy="1671020"/>
+            </a:xfrm>
+            <a:custGeom>
+              <a:avLst>
+                <a:gd name="A1" fmla="val 0"/>
+                <a:gd name="A2" fmla="val 0"/>
+                <a:gd name="A3" fmla="val 0"/>
+                <a:gd name="A4" fmla="val 0"/>
+                <a:gd name="A5" fmla="val 0"/>
+                <a:gd name="A6" fmla="val 0"/>
+                <a:gd name="A7" fmla="val 0"/>
+                <a:gd name="A8" fmla="val 0"/>
+              </a:avLst>
+              <a:gdLst/>
+              <a:ahLst/>
+              <a:cxnLst>
+                <a:cxn ang="0">
+                  <a:pos x="0" y="0"/>
+                </a:cxn>
+                <a:cxn ang="0">
+                  <a:pos x="5760" y="0"/>
+                </a:cxn>
+                <a:cxn ang="0">
+                  <a:pos x="5760" y="528"/>
+                </a:cxn>
+                <a:cxn ang="0">
+                  <a:pos x="48" y="0"/>
+                </a:cxn>
+              </a:cxnLst>
+              <a:rect l="0" t="0" r="0" b="0"/>
+              <a:pathLst>
+                <a:path w="7485" h="337">
+                  <a:moveTo>
+                    <a:pt x="0" y="2"/>
+                  </a:moveTo>
+                  <a:lnTo>
+                    <a:pt x="7485" y="337"/>
+                  </a:lnTo>
+                  <a:lnTo>
+                    <a:pt x="5558" y="337"/>
+                  </a:lnTo>
+                  <a:lnTo>
+                    <a:pt x="1" y="0"/>
+                  </a:lnTo>
+                </a:path>
+              </a:pathLst>
+            </a:custGeom>
+            <a:solidFill>
+              <a:schemeClr val="accent1">
+                <a:tint val="65000"/>
+                <a:satMod val="115000"/>
+                <a:alpha val="40000"/>
+              </a:schemeClr>
+            </a:solidFill>
+            <a:ln w="9525" cap="flat" cmpd="sng" algn="ctr">
+              <a:noFill/>
+              <a:prstDash val="solid"/>
+              <a:round/>
+              <a:headEnd type="none" w="med" len="med"/>
+              <a:tailEnd type="none" w="med" len="med"/>
+            </a:ln>
+            <a:effectLst/>
+          </p:spPr>
+          <p:txBody>
+            <a:bodyPr vert="horz" wrap="square" lIns="91440" tIns="45720" rIns="91440" bIns="45720" anchor="t" compatLnSpc="1"/>
+            <a:lstStyle/>
+            <a:p>
+              <a:endParaRPr kumimoji="0" lang="en-US" sz="1800"/>
+            </a:p>
+          </p:txBody>
+        </p:sp>
+        <p:sp>
+          <p:nvSpPr>
+            <p:cNvPr id="14" name="TextBox 20">
+              <a:extLst>
+                <a:ext uri="{FF2B5EF4-FFF2-40B4-BE49-F238E27FC236}">
+                  <a16:creationId xmlns:a16="http://schemas.microsoft.com/office/drawing/2014/main" id="{3511BF7F-25CE-48C4-984D-1A5EDDC0EAEC}"/>
+                </a:ext>
+              </a:extLst>
+            </p:cNvPr>
+            <p:cNvSpPr txBox="1"/>
+            <p:nvPr userDrawn="1"/>
+          </p:nvSpPr>
+          <p:spPr>
+            <a:xfrm>
+              <a:off x="983432" y="6274667"/>
+              <a:ext cx="2877344" cy="369332"/>
+            </a:xfrm>
+            <a:prstGeom prst="rect">
+              <a:avLst/>
+            </a:prstGeom>
+            <a:noFill/>
+          </p:spPr>
+          <p:txBody>
+            <a:bodyPr wrap="square" rtlCol="0">
+              <a:spAutoFit/>
+            </a:bodyPr>
+            <a:lstStyle/>
+            <a:p>
+              <a:pPr algn="r"/>
+              <a:r>
+                <a:rPr lang="pt-BR" sz="1800" b="1" dirty="0">
+                  <a:solidFill>
+                    <a:schemeClr val="tx1"/>
+                  </a:solidFill>
+                </a:rPr>
+                <a:t>Judson</a:t>
+              </a:r>
+              <a:r>
+                <a:rPr lang="pt-BR" sz="1800" b="1" baseline="0" dirty="0">
+                  <a:solidFill>
+                    <a:schemeClr val="tx1"/>
+                  </a:solidFill>
+                </a:rPr>
+                <a:t> Santos Santiago</a:t>
+              </a:r>
+              <a:endParaRPr lang="pt-BR" sz="1800" b="1" dirty="0">
+                <a:solidFill>
+                  <a:schemeClr val="tx1"/>
+                </a:solidFill>
+              </a:endParaRPr>
+            </a:p>
+          </p:txBody>
+        </p:sp>
+        <p:sp>
+          <p:nvSpPr>
+            <p:cNvPr id="15" name="Forma livre 11">
+              <a:extLst>
+                <a:ext uri="{FF2B5EF4-FFF2-40B4-BE49-F238E27FC236}">
+                  <a16:creationId xmlns:a16="http://schemas.microsoft.com/office/drawing/2014/main" id="{DE92FB9F-8A39-4D67-AAC0-80E2D6020897}"/>
+                </a:ext>
+              </a:extLst>
+            </p:cNvPr>
+            <p:cNvSpPr>
+              <a:spLocks/>
+            </p:cNvSpPr>
+            <p:nvPr userDrawn="1"/>
+          </p:nvSpPr>
+          <p:spPr bwMode="auto">
+            <a:xfrm>
+              <a:off x="-2" y="5142592"/>
+              <a:ext cx="9408370" cy="1728726"/>
+            </a:xfrm>
+            <a:custGeom>
+              <a:avLst>
+                <a:gd name="A1" fmla="val 0"/>
+                <a:gd name="A2" fmla="val 0"/>
+                <a:gd name="A3" fmla="val 0"/>
+                <a:gd name="A4" fmla="val 0"/>
+                <a:gd name="A5" fmla="val 0"/>
+                <a:gd name="A6" fmla="val 0"/>
+                <a:gd name="A7" fmla="val 0"/>
+                <a:gd name="A8" fmla="val 0"/>
+              </a:avLst>
+              <a:gdLst/>
+              <a:ahLst/>
+              <a:cxnLst>
+                <a:cxn ang="0">
+                  <a:pos x="0" y="0"/>
+                </a:cxn>
+                <a:cxn ang="0">
+                  <a:pos x="5760" y="0"/>
+                </a:cxn>
+                <a:cxn ang="0">
+                  <a:pos x="5760" y="528"/>
+                </a:cxn>
+                <a:cxn ang="0">
+                  <a:pos x="48" y="0"/>
+                </a:cxn>
+              </a:cxnLst>
+              <a:rect l="0" t="0" r="0" b="0"/>
+              <a:pathLst>
+                <a:path w="5591" h="588">
+                  <a:moveTo>
+                    <a:pt x="0" y="0"/>
+                  </a:moveTo>
+                  <a:lnTo>
+                    <a:pt x="5591" y="585"/>
+                  </a:lnTo>
+                  <a:lnTo>
+                    <a:pt x="4415" y="588"/>
+                  </a:lnTo>
+                  <a:lnTo>
+                    <a:pt x="12" y="4"/>
+                  </a:lnTo>
+                </a:path>
+              </a:pathLst>
+            </a:custGeom>
+            <a:solidFill>
+              <a:srgbClr val="000000">
+                <a:alpha val="100000"/>
+              </a:srgbClr>
+            </a:solidFill>
+            <a:ln w="9525" cap="flat" cmpd="sng" algn="ctr">
+              <a:noFill/>
+              <a:prstDash val="solid"/>
+              <a:round/>
+              <a:headEnd type="none" w="med" len="med"/>
+              <a:tailEnd type="none" w="med" len="med"/>
+            </a:ln>
+            <a:effectLst/>
+          </p:spPr>
+          <p:txBody>
+            <a:bodyPr vert="horz" wrap="square" lIns="91440" tIns="45720" rIns="91440" bIns="45720" anchor="t" compatLnSpc="1"/>
+            <a:lstStyle/>
+            <a:p>
+              <a:endParaRPr kumimoji="0" lang="en-US" sz="1800"/>
+            </a:p>
+          </p:txBody>
+        </p:sp>
+      </p:grpSp>
+      <p:grpSp>
+        <p:nvGrpSpPr>
+          <p:cNvPr id="16" name="Agrupar 15">
+            <a:extLst>
+              <a:ext uri="{FF2B5EF4-FFF2-40B4-BE49-F238E27FC236}">
+                <a16:creationId xmlns:a16="http://schemas.microsoft.com/office/drawing/2014/main" id="{4657A39A-AECC-4E8C-A183-6393BDF67A6F}"/>
+              </a:ext>
+            </a:extLst>
+          </p:cNvPr>
+          <p:cNvGrpSpPr/>
+          <p:nvPr userDrawn="1"/>
+        </p:nvGrpSpPr>
+        <p:grpSpPr>
+          <a:xfrm>
+            <a:off x="-2" y="-5"/>
+            <a:ext cx="12192002" cy="892457"/>
+            <a:chOff x="-2" y="-5"/>
+            <a:chExt cx="12192002" cy="892457"/>
+          </a:xfrm>
+        </p:grpSpPr>
+        <p:sp>
+          <p:nvSpPr>
+            <p:cNvPr id="17" name="Triângulo retângulo 13">
+              <a:extLst>
+                <a:ext uri="{FF2B5EF4-FFF2-40B4-BE49-F238E27FC236}">
+                  <a16:creationId xmlns:a16="http://schemas.microsoft.com/office/drawing/2014/main" id="{B24DA8C8-0F6D-4EF0-B815-2C590BAD0627}"/>
+                </a:ext>
+              </a:extLst>
+            </p:cNvPr>
+            <p:cNvSpPr>
+              <a:spLocks/>
+            </p:cNvSpPr>
+            <p:nvPr userDrawn="1"/>
+          </p:nvSpPr>
+          <p:spPr bwMode="auto">
+            <a:xfrm rot="10800000" flipH="1">
+              <a:off x="0" y="-5"/>
+              <a:ext cx="6600056" cy="836713"/>
+            </a:xfrm>
+            <a:prstGeom prst="rtTriangle">
+              <a:avLst/>
+            </a:prstGeom>
+            <a:blipFill>
+              <a:blip r:embed="rId2">
+                <a:alphaModFix amt="50000"/>
+              </a:blip>
+              <a:tile tx="0" ty="0" sx="50000" sy="50000" flip="none" algn="t"/>
+            </a:blipFill>
+            <a:ln w="12700" cap="rnd" cmpd="thickThin" algn="ctr">
+              <a:noFill/>
+              <a:prstDash val="solid"/>
+            </a:ln>
+            <a:effectLst>
+              <a:fillOverlay blend="mult">
+                <a:gradFill flip="none" rotWithShape="1">
+                  <a:gsLst>
+                    <a:gs pos="0">
+                      <a:schemeClr val="accent1">
+                        <a:shade val="20000"/>
+                        <a:satMod val="176000"/>
+                        <a:alpha val="100000"/>
+                      </a:schemeClr>
+                    </a:gs>
+                    <a:gs pos="18000">
+                      <a:schemeClr val="accent1">
+                        <a:shade val="48000"/>
+                        <a:satMod val="153000"/>
+                        <a:alpha val="100000"/>
+                      </a:schemeClr>
+                    </a:gs>
+                    <a:gs pos="43000">
+                      <a:schemeClr val="accent1">
+                        <a:tint val="86000"/>
+                        <a:satMod val="149000"/>
+                        <a:alpha val="100000"/>
+                      </a:schemeClr>
+                    </a:gs>
+                    <a:gs pos="45000">
+                      <a:schemeClr val="accent1">
+                        <a:tint val="85000"/>
+                        <a:satMod val="150000"/>
+                        <a:alpha val="100000"/>
+                      </a:schemeClr>
+                    </a:gs>
+                    <a:gs pos="50000">
+                      <a:schemeClr val="accent1">
+                        <a:tint val="86000"/>
+                        <a:satMod val="149000"/>
+                        <a:alpha val="100000"/>
+                      </a:schemeClr>
+                    </a:gs>
+                    <a:gs pos="79000">
+                      <a:schemeClr val="accent1">
+                        <a:shade val="53000"/>
+                        <a:satMod val="150000"/>
+                        <a:alpha val="100000"/>
+                      </a:schemeClr>
+                    </a:gs>
+                    <a:gs pos="100000">
+                      <a:schemeClr val="accent1">
+                        <a:shade val="25000"/>
+                        <a:satMod val="170000"/>
+                        <a:alpha val="100000"/>
+                      </a:schemeClr>
+                    </a:gs>
+                  </a:gsLst>
+                  <a:lin ang="450000" scaled="1"/>
+                  <a:tileRect/>
+                </a:gradFill>
+              </a:fillOverlay>
+            </a:effectLst>
+          </p:spPr>
+          <p:style>
+            <a:lnRef idx="3">
+              <a:schemeClr val="lt1"/>
+            </a:lnRef>
+            <a:fillRef idx="1">
+              <a:schemeClr val="accent1"/>
+            </a:fillRef>
+            <a:effectRef idx="1">
+              <a:schemeClr val="accent1"/>
+            </a:effectRef>
+            <a:fontRef idx="minor">
+              <a:schemeClr val="lt1"/>
+            </a:fontRef>
+          </p:style>
+          <p:txBody>
+            <a:bodyPr vert="horz" wrap="square" lIns="91440" tIns="45720" rIns="91440" bIns="45720" anchor="ctr" compatLnSpc="1"/>
+            <a:lstStyle/>
+            <a:p>
+              <a:pPr algn="ctr" eaLnBrk="1" latinLnBrk="0" hangingPunct="1"/>
+              <a:endParaRPr kumimoji="0" lang="en-US" sz="1800"/>
+            </a:p>
+          </p:txBody>
+        </p:sp>
+        <p:sp>
+          <p:nvSpPr>
+            <p:cNvPr id="19" name="Forma livre 12">
+              <a:extLst>
+                <a:ext uri="{FF2B5EF4-FFF2-40B4-BE49-F238E27FC236}">
+                  <a16:creationId xmlns:a16="http://schemas.microsoft.com/office/drawing/2014/main" id="{570E93E3-80E8-4368-9C71-502E0F1E3D9F}"/>
+                </a:ext>
+              </a:extLst>
+            </p:cNvPr>
+            <p:cNvSpPr>
+              <a:spLocks/>
+            </p:cNvSpPr>
+            <p:nvPr userDrawn="1"/>
+          </p:nvSpPr>
+          <p:spPr bwMode="auto">
+            <a:xfrm flipV="1">
+              <a:off x="-2" y="0"/>
+              <a:ext cx="12192002" cy="892452"/>
+            </a:xfrm>
+            <a:custGeom>
+              <a:avLst>
+                <a:gd name="A1" fmla="val 0"/>
+                <a:gd name="A2" fmla="val 0"/>
+                <a:gd name="A3" fmla="val 0"/>
+                <a:gd name="A4" fmla="val 0"/>
+                <a:gd name="A5" fmla="val 0"/>
+                <a:gd name="A6" fmla="val 0"/>
+                <a:gd name="A7" fmla="val 0"/>
+                <a:gd name="A8" fmla="val 0"/>
+              </a:avLst>
+              <a:gdLst/>
+              <a:ahLst/>
+              <a:cxnLst>
+                <a:cxn ang="0">
+                  <a:pos x="0" y="0"/>
+                </a:cxn>
+                <a:cxn ang="0">
+                  <a:pos x="5760" y="0"/>
+                </a:cxn>
+                <a:cxn ang="0">
+                  <a:pos x="5760" y="528"/>
+                </a:cxn>
+                <a:cxn ang="0">
+                  <a:pos x="48" y="0"/>
+                </a:cxn>
+              </a:cxnLst>
+              <a:rect l="0" t="0" r="0" b="0"/>
+              <a:pathLst>
+                <a:path w="7485" h="337">
+                  <a:moveTo>
+                    <a:pt x="0" y="2"/>
+                  </a:moveTo>
+                  <a:lnTo>
+                    <a:pt x="7485" y="337"/>
+                  </a:lnTo>
+                  <a:lnTo>
+                    <a:pt x="5558" y="337"/>
+                  </a:lnTo>
+                  <a:lnTo>
+                    <a:pt x="1" y="0"/>
+                  </a:lnTo>
+                </a:path>
+              </a:pathLst>
+            </a:custGeom>
+            <a:solidFill>
+              <a:schemeClr val="accent1">
+                <a:tint val="65000"/>
+                <a:satMod val="115000"/>
+                <a:alpha val="40000"/>
+              </a:schemeClr>
+            </a:solidFill>
+            <a:ln w="9525" cap="flat" cmpd="sng" algn="ctr">
+              <a:noFill/>
+              <a:prstDash val="solid"/>
+              <a:round/>
+              <a:headEnd type="none" w="med" len="med"/>
+              <a:tailEnd type="none" w="med" len="med"/>
+            </a:ln>
+            <a:effectLst/>
+          </p:spPr>
+          <p:txBody>
+            <a:bodyPr vert="horz" wrap="square" lIns="91440" tIns="45720" rIns="91440" bIns="45720" anchor="t" compatLnSpc="1"/>
+            <a:lstStyle/>
+            <a:p>
+              <a:endParaRPr kumimoji="0" lang="en-US" sz="1800"/>
+            </a:p>
+          </p:txBody>
+        </p:sp>
+      </p:grpSp>
       <p:sp>
         <p:nvSpPr>
           <p:cNvPr id="11" name="Triângulo retângulo 9">
@@ -2152,348 +3794,6 @@
       </p:sp>
       <p:sp>
         <p:nvSpPr>
-          <p:cNvPr id="12" name="Forma livre 12">
-            <a:extLst>
-              <a:ext uri="{FF2B5EF4-FFF2-40B4-BE49-F238E27FC236}">
-                <a16:creationId xmlns:a16="http://schemas.microsoft.com/office/drawing/2014/main" id="{19685EB2-5413-46B1-B33E-E3DCBFF0FA78}"/>
-              </a:ext>
-            </a:extLst>
-          </p:cNvPr>
-          <p:cNvSpPr>
-            <a:spLocks/>
-          </p:cNvSpPr>
-          <p:nvPr userDrawn="1"/>
-        </p:nvSpPr>
-        <p:spPr bwMode="auto">
-          <a:xfrm>
-            <a:off x="-2" y="5186981"/>
-            <a:ext cx="12192002" cy="1671020"/>
-          </a:xfrm>
-          <a:custGeom>
-            <a:avLst>
-              <a:gd name="A1" fmla="val 0"/>
-              <a:gd name="A2" fmla="val 0"/>
-              <a:gd name="A3" fmla="val 0"/>
-              <a:gd name="A4" fmla="val 0"/>
-              <a:gd name="A5" fmla="val 0"/>
-              <a:gd name="A6" fmla="val 0"/>
-              <a:gd name="A7" fmla="val 0"/>
-              <a:gd name="A8" fmla="val 0"/>
-            </a:avLst>
-            <a:gdLst/>
-            <a:ahLst/>
-            <a:cxnLst>
-              <a:cxn ang="0">
-                <a:pos x="0" y="0"/>
-              </a:cxn>
-              <a:cxn ang="0">
-                <a:pos x="5760" y="0"/>
-              </a:cxn>
-              <a:cxn ang="0">
-                <a:pos x="5760" y="528"/>
-              </a:cxn>
-              <a:cxn ang="0">
-                <a:pos x="48" y="0"/>
-              </a:cxn>
-            </a:cxnLst>
-            <a:rect l="0" t="0" r="0" b="0"/>
-            <a:pathLst>
-              <a:path w="7485" h="337">
-                <a:moveTo>
-                  <a:pt x="0" y="2"/>
-                </a:moveTo>
-                <a:lnTo>
-                  <a:pt x="7485" y="337"/>
-                </a:lnTo>
-                <a:lnTo>
-                  <a:pt x="5558" y="337"/>
-                </a:lnTo>
-                <a:lnTo>
-                  <a:pt x="1" y="0"/>
-                </a:lnTo>
-              </a:path>
-            </a:pathLst>
-          </a:custGeom>
-          <a:solidFill>
-            <a:schemeClr val="accent1">
-              <a:tint val="65000"/>
-              <a:satMod val="115000"/>
-              <a:alpha val="40000"/>
-            </a:schemeClr>
-          </a:solidFill>
-          <a:ln w="9525" cap="flat" cmpd="sng" algn="ctr">
-            <a:noFill/>
-            <a:prstDash val="solid"/>
-            <a:round/>
-            <a:headEnd type="none" w="med" len="med"/>
-            <a:tailEnd type="none" w="med" len="med"/>
-          </a:ln>
-          <a:effectLst/>
-        </p:spPr>
-        <p:txBody>
-          <a:bodyPr vert="horz" wrap="square" lIns="91440" tIns="45720" rIns="91440" bIns="45720" anchor="t" compatLnSpc="1"/>
-          <a:lstStyle/>
-          <a:p>
-            <a:endParaRPr kumimoji="0" lang="en-US" sz="1800"/>
-          </a:p>
-        </p:txBody>
-      </p:sp>
-      <p:sp>
-        <p:nvSpPr>
-          <p:cNvPr id="18" name="Triângulo retângulo 13">
-            <a:extLst>
-              <a:ext uri="{FF2B5EF4-FFF2-40B4-BE49-F238E27FC236}">
-                <a16:creationId xmlns:a16="http://schemas.microsoft.com/office/drawing/2014/main" id="{5EC70D1B-69F1-48D8-AC1B-18AE2D1638DB}"/>
-              </a:ext>
-            </a:extLst>
-          </p:cNvPr>
-          <p:cNvSpPr>
-            <a:spLocks/>
-          </p:cNvSpPr>
-          <p:nvPr userDrawn="1"/>
-        </p:nvSpPr>
-        <p:spPr bwMode="auto">
-          <a:xfrm>
-            <a:off x="-2" y="5142592"/>
-            <a:ext cx="9192346" cy="1715408"/>
-          </a:xfrm>
-          <a:prstGeom prst="rtTriangle">
-            <a:avLst/>
-          </a:prstGeom>
-          <a:blipFill>
-            <a:blip r:embed="rId2">
-              <a:alphaModFix amt="50000"/>
-            </a:blip>
-            <a:tile tx="0" ty="0" sx="50000" sy="50000" flip="none" algn="t"/>
-          </a:blipFill>
-          <a:ln w="12700" cap="rnd" cmpd="thickThin" algn="ctr">
-            <a:noFill/>
-            <a:prstDash val="solid"/>
-          </a:ln>
-          <a:effectLst>
-            <a:fillOverlay blend="mult">
-              <a:gradFill flip="none" rotWithShape="1">
-                <a:gsLst>
-                  <a:gs pos="0">
-                    <a:schemeClr val="accent1">
-                      <a:shade val="20000"/>
-                      <a:satMod val="176000"/>
-                      <a:alpha val="100000"/>
-                    </a:schemeClr>
-                  </a:gs>
-                  <a:gs pos="18000">
-                    <a:schemeClr val="accent1">
-                      <a:shade val="48000"/>
-                      <a:satMod val="153000"/>
-                      <a:alpha val="100000"/>
-                    </a:schemeClr>
-                  </a:gs>
-                  <a:gs pos="43000">
-                    <a:schemeClr val="accent1">
-                      <a:tint val="86000"/>
-                      <a:satMod val="149000"/>
-                      <a:alpha val="100000"/>
-                    </a:schemeClr>
-                  </a:gs>
-                  <a:gs pos="45000">
-                    <a:schemeClr val="accent1">
-                      <a:tint val="85000"/>
-                      <a:satMod val="150000"/>
-                      <a:alpha val="100000"/>
-                    </a:schemeClr>
-                  </a:gs>
-                  <a:gs pos="50000">
-                    <a:schemeClr val="accent1">
-                      <a:tint val="86000"/>
-                      <a:satMod val="149000"/>
-                      <a:alpha val="100000"/>
-                    </a:schemeClr>
-                  </a:gs>
-                  <a:gs pos="79000">
-                    <a:schemeClr val="accent1">
-                      <a:shade val="53000"/>
-                      <a:satMod val="150000"/>
-                      <a:alpha val="100000"/>
-                    </a:schemeClr>
-                  </a:gs>
-                  <a:gs pos="100000">
-                    <a:schemeClr val="accent1">
-                      <a:shade val="25000"/>
-                      <a:satMod val="170000"/>
-                      <a:alpha val="100000"/>
-                    </a:schemeClr>
-                  </a:gs>
-                </a:gsLst>
-                <a:lin ang="450000" scaled="1"/>
-                <a:tileRect/>
-              </a:gradFill>
-            </a:fillOverlay>
-          </a:effectLst>
-        </p:spPr>
-        <p:style>
-          <a:lnRef idx="3">
-            <a:schemeClr val="lt1"/>
-          </a:lnRef>
-          <a:fillRef idx="1">
-            <a:schemeClr val="accent1"/>
-          </a:fillRef>
-          <a:effectRef idx="1">
-            <a:schemeClr val="accent1"/>
-          </a:effectRef>
-          <a:fontRef idx="minor">
-            <a:schemeClr val="lt1"/>
-          </a:fontRef>
-        </p:style>
-        <p:txBody>
-          <a:bodyPr vert="horz" wrap="square" lIns="91440" tIns="45720" rIns="91440" bIns="45720" anchor="ctr" compatLnSpc="1"/>
-          <a:lstStyle/>
-          <a:p>
-            <a:pPr algn="ctr" eaLnBrk="1" latinLnBrk="0" hangingPunct="1"/>
-            <a:endParaRPr kumimoji="0" lang="en-US" sz="1800" dirty="0"/>
-          </a:p>
-        </p:txBody>
-      </p:sp>
-      <p:sp>
-        <p:nvSpPr>
-          <p:cNvPr id="21" name="TextBox 20">
-            <a:extLst>
-              <a:ext uri="{FF2B5EF4-FFF2-40B4-BE49-F238E27FC236}">
-                <a16:creationId xmlns:a16="http://schemas.microsoft.com/office/drawing/2014/main" id="{F56701A8-D3A7-41BF-A247-B8174136FA0B}"/>
-              </a:ext>
-            </a:extLst>
-          </p:cNvPr>
-          <p:cNvSpPr txBox="1"/>
-          <p:nvPr userDrawn="1"/>
-        </p:nvSpPr>
-        <p:spPr>
-          <a:xfrm>
-            <a:off x="983432" y="6274667"/>
-            <a:ext cx="2877344" cy="369332"/>
-          </a:xfrm>
-          <a:prstGeom prst="rect">
-            <a:avLst/>
-          </a:prstGeom>
-          <a:noFill/>
-        </p:spPr>
-        <p:txBody>
-          <a:bodyPr wrap="square" rtlCol="0">
-            <a:spAutoFit/>
-          </a:bodyPr>
-          <a:lstStyle/>
-          <a:p>
-            <a:pPr algn="r"/>
-            <a:r>
-              <a:rPr lang="pt-BR" sz="1800" dirty="0">
-                <a:solidFill>
-                  <a:schemeClr val="tx1"/>
-                </a:solidFill>
-              </a:rPr>
-              <a:t>Judson</a:t>
-            </a:r>
-            <a:r>
-              <a:rPr lang="pt-BR" sz="1800" baseline="0" dirty="0">
-                <a:solidFill>
-                  <a:schemeClr val="tx1"/>
-                </a:solidFill>
-              </a:rPr>
-              <a:t> Santos Santiago</a:t>
-            </a:r>
-            <a:endParaRPr lang="pt-BR" sz="1800" dirty="0">
-              <a:solidFill>
-                <a:schemeClr val="tx1"/>
-              </a:solidFill>
-            </a:endParaRPr>
-          </a:p>
-        </p:txBody>
-      </p:sp>
-      <p:sp>
-        <p:nvSpPr>
-          <p:cNvPr id="22" name="Forma livre 11">
-            <a:extLst>
-              <a:ext uri="{FF2B5EF4-FFF2-40B4-BE49-F238E27FC236}">
-                <a16:creationId xmlns:a16="http://schemas.microsoft.com/office/drawing/2014/main" id="{818D5CE4-8FCC-4AAE-A343-D35903CE6874}"/>
-              </a:ext>
-            </a:extLst>
-          </p:cNvPr>
-          <p:cNvSpPr>
-            <a:spLocks/>
-          </p:cNvSpPr>
-          <p:nvPr userDrawn="1"/>
-        </p:nvSpPr>
-        <p:spPr bwMode="auto">
-          <a:xfrm>
-            <a:off x="-2" y="5142592"/>
-            <a:ext cx="9408370" cy="1728726"/>
-          </a:xfrm>
-          <a:custGeom>
-            <a:avLst>
-              <a:gd name="A1" fmla="val 0"/>
-              <a:gd name="A2" fmla="val 0"/>
-              <a:gd name="A3" fmla="val 0"/>
-              <a:gd name="A4" fmla="val 0"/>
-              <a:gd name="A5" fmla="val 0"/>
-              <a:gd name="A6" fmla="val 0"/>
-              <a:gd name="A7" fmla="val 0"/>
-              <a:gd name="A8" fmla="val 0"/>
-            </a:avLst>
-            <a:gdLst/>
-            <a:ahLst/>
-            <a:cxnLst>
-              <a:cxn ang="0">
-                <a:pos x="0" y="0"/>
-              </a:cxn>
-              <a:cxn ang="0">
-                <a:pos x="5760" y="0"/>
-              </a:cxn>
-              <a:cxn ang="0">
-                <a:pos x="5760" y="528"/>
-              </a:cxn>
-              <a:cxn ang="0">
-                <a:pos x="48" y="0"/>
-              </a:cxn>
-            </a:cxnLst>
-            <a:rect l="0" t="0" r="0" b="0"/>
-            <a:pathLst>
-              <a:path w="5591" h="588">
-                <a:moveTo>
-                  <a:pt x="0" y="0"/>
-                </a:moveTo>
-                <a:lnTo>
-                  <a:pt x="5591" y="585"/>
-                </a:lnTo>
-                <a:lnTo>
-                  <a:pt x="4415" y="588"/>
-                </a:lnTo>
-                <a:lnTo>
-                  <a:pt x="12" y="4"/>
-                </a:lnTo>
-              </a:path>
-            </a:pathLst>
-          </a:custGeom>
-          <a:solidFill>
-            <a:srgbClr val="000000">
-              <a:alpha val="100000"/>
-            </a:srgbClr>
-          </a:solidFill>
-          <a:ln w="9525" cap="flat" cmpd="sng" algn="ctr">
-            <a:noFill/>
-            <a:prstDash val="solid"/>
-            <a:round/>
-            <a:headEnd type="none" w="med" len="med"/>
-            <a:tailEnd type="none" w="med" len="med"/>
-          </a:ln>
-          <a:effectLst/>
-        </p:spPr>
-        <p:txBody>
-          <a:bodyPr vert="horz" wrap="square" lIns="91440" tIns="45720" rIns="91440" bIns="45720" anchor="t" compatLnSpc="1"/>
-          <a:lstStyle/>
-          <a:p>
-            <a:endParaRPr kumimoji="0" lang="en-US" sz="1800"/>
-          </a:p>
-        </p:txBody>
-      </p:sp>
-      <p:sp>
-        <p:nvSpPr>
           <p:cNvPr id="23" name="Título 8">
             <a:extLst>
               <a:ext uri="{FF2B5EF4-FFF2-40B4-BE49-F238E27FC236}">
@@ -2747,7 +4047,7 @@
             <a:fld id="{B41ABA4E-CD72-497B-97AA-7213B3980F60}" type="datetimeFigureOut">
               <a:rPr lang="en-US" smtClean="0"/>
               <a:pPr/>
-              <a:t>11/5/2019</a:t>
+              <a:t>10/13/2021</a:t>
             </a:fld>
             <a:endParaRPr lang="en-US" dirty="0"/>
           </a:p>
@@ -2924,7 +4224,7 @@
             <a:fld id="{B41ABA4E-CD72-497B-97AA-7213B3980F60}" type="datetimeFigureOut">
               <a:rPr lang="en-US" smtClean="0"/>
               <a:pPr/>
-              <a:t>11/5/2019</a:t>
+              <a:t>10/13/2021</a:t>
             </a:fld>
             <a:endParaRPr lang="en-US" dirty="0"/>
           </a:p>
@@ -3120,7 +4420,7 @@
             <a:fld id="{B41ABA4E-CD72-497B-97AA-7213B3980F60}" type="datetimeFigureOut">
               <a:rPr lang="en-US" smtClean="0"/>
               <a:pPr/>
-              <a:t>11/5/2019</a:t>
+              <a:t>10/13/2021</a:t>
             </a:fld>
             <a:endParaRPr lang="en-US" dirty="0"/>
           </a:p>
@@ -3381,7 +4681,7 @@
             <a:fld id="{B41ABA4E-CD72-497B-97AA-7213B3980F60}" type="datetimeFigureOut">
               <a:rPr lang="en-US" smtClean="0"/>
               <a:pPr/>
-              <a:t>11/5/2019</a:t>
+              <a:t>10/13/2021</a:t>
             </a:fld>
             <a:endParaRPr lang="en-US" dirty="0"/>
           </a:p>
@@ -3782,7 +5082,7 @@
             <a:fld id="{B41ABA4E-CD72-497B-97AA-7213B3980F60}" type="datetimeFigureOut">
               <a:rPr lang="en-US" smtClean="0"/>
               <a:pPr/>
-              <a:t>11/5/2019</a:t>
+              <a:t>10/13/2021</a:t>
             </a:fld>
             <a:endParaRPr lang="en-US" dirty="0"/>
           </a:p>
@@ -4222,7 +5522,7 @@
             <a:fld id="{B41ABA4E-CD72-497B-97AA-7213B3980F60}" type="datetimeFigureOut">
               <a:rPr lang="en-US" smtClean="0"/>
               <a:pPr/>
-              <a:t>11/5/2019</a:t>
+              <a:t>10/13/2021</a:t>
             </a:fld>
             <a:endParaRPr lang="en-US" dirty="0"/>
           </a:p>
@@ -4319,7 +5619,7 @@
             <a:fld id="{B41ABA4E-CD72-497B-97AA-7213B3980F60}" type="datetimeFigureOut">
               <a:rPr lang="en-US" smtClean="0"/>
               <a:pPr/>
-              <a:t>11/5/2019</a:t>
+              <a:t>10/13/2021</a:t>
             </a:fld>
             <a:endParaRPr lang="en-US" dirty="0"/>
           </a:p>
@@ -4434,7 +5734,7 @@
             <a:fld id="{B41ABA4E-CD72-497B-97AA-7213B3980F60}" type="datetimeFigureOut">
               <a:rPr lang="en-US" smtClean="0"/>
               <a:pPr/>
-              <a:t>11/5/2019</a:t>
+              <a:t>10/13/2021</a:t>
             </a:fld>
             <a:endParaRPr lang="en-US" dirty="0"/>
           </a:p>
@@ -4704,7 +6004,7 @@
             <a:fld id="{B41ABA4E-CD72-497B-97AA-7213B3980F60}" type="datetimeFigureOut">
               <a:rPr lang="en-US" smtClean="0"/>
               <a:pPr/>
-              <a:t>11/5/2019</a:t>
+              <a:t>10/13/2021</a:t>
             </a:fld>
             <a:endParaRPr lang="en-US" dirty="0"/>
           </a:p>
@@ -4907,7 +6207,7 @@
             <a:fld id="{B41ABA4E-CD72-497B-97AA-7213B3980F60}" type="datetimeFigureOut">
               <a:rPr lang="en-US" smtClean="0"/>
               <a:pPr/>
-              <a:t>11/5/2019</a:t>
+              <a:t>10/13/2021</a:t>
             </a:fld>
             <a:endParaRPr lang="en-US" dirty="0"/>
           </a:p>
@@ -5542,178 +6842,22 @@
       </p:grpSpPr>
       <p:sp>
         <p:nvSpPr>
-          <p:cNvPr id="13" name="Forma livre 12"/>
+          <p:cNvPr id="17" name="Triângulo retângulo 13">
+            <a:extLst>
+              <a:ext uri="{FF2B5EF4-FFF2-40B4-BE49-F238E27FC236}">
+                <a16:creationId xmlns:a16="http://schemas.microsoft.com/office/drawing/2014/main" id="{140E4403-9603-483F-A23A-2E011FDEAE6C}"/>
+              </a:ext>
+            </a:extLst>
+          </p:cNvPr>
           <p:cNvSpPr>
             <a:spLocks/>
           </p:cNvSpPr>
-          <p:nvPr/>
+          <p:nvPr userDrawn="1"/>
         </p:nvSpPr>
         <p:spPr bwMode="auto">
-          <a:xfrm>
-            <a:off x="665698" y="6405474"/>
-            <a:ext cx="4086153" cy="460538"/>
-          </a:xfrm>
-          <a:custGeom>
-            <a:avLst>
-              <a:gd name="A1" fmla="val 0"/>
-              <a:gd name="A2" fmla="val 0"/>
-              <a:gd name="A3" fmla="val 0"/>
-              <a:gd name="A4" fmla="val 0"/>
-              <a:gd name="A5" fmla="val 0"/>
-              <a:gd name="A6" fmla="val 0"/>
-              <a:gd name="A7" fmla="val 0"/>
-              <a:gd name="A8" fmla="val 0"/>
-            </a:avLst>
-            <a:gdLst/>
-            <a:ahLst/>
-            <a:cxnLst>
-              <a:cxn ang="0">
-                <a:pos x="0" y="0"/>
-              </a:cxn>
-              <a:cxn ang="0">
-                <a:pos x="5760" y="0"/>
-              </a:cxn>
-              <a:cxn ang="0">
-                <a:pos x="5760" y="528"/>
-              </a:cxn>
-              <a:cxn ang="0">
-                <a:pos x="48" y="0"/>
-              </a:cxn>
-            </a:cxnLst>
-            <a:rect l="0" t="0" r="0" b="0"/>
-            <a:pathLst>
-              <a:path w="7485" h="337">
-                <a:moveTo>
-                  <a:pt x="0" y="2"/>
-                </a:moveTo>
-                <a:lnTo>
-                  <a:pt x="7485" y="337"/>
-                </a:lnTo>
-                <a:lnTo>
-                  <a:pt x="5558" y="337"/>
-                </a:lnTo>
-                <a:lnTo>
-                  <a:pt x="1" y="0"/>
-                </a:lnTo>
-              </a:path>
-            </a:pathLst>
-          </a:custGeom>
-          <a:solidFill>
-            <a:schemeClr val="accent1">
-              <a:tint val="65000"/>
-              <a:satMod val="115000"/>
-              <a:alpha val="40000"/>
-            </a:schemeClr>
-          </a:solidFill>
-          <a:ln w="9525" cap="flat" cmpd="sng" algn="ctr">
-            <a:noFill/>
-            <a:prstDash val="solid"/>
-            <a:round/>
-            <a:headEnd type="none" w="med" len="med"/>
-            <a:tailEnd type="none" w="med" len="med"/>
-          </a:ln>
-          <a:effectLst/>
-        </p:spPr>
-        <p:txBody>
-          <a:bodyPr vert="horz" wrap="square" lIns="91440" tIns="45720" rIns="91440" bIns="45720" anchor="t" compatLnSpc="1"/>
-          <a:lstStyle/>
-          <a:p>
-            <a:endParaRPr kumimoji="0" lang="en-US" sz="1800"/>
-          </a:p>
-        </p:txBody>
-      </p:sp>
-      <p:sp>
-        <p:nvSpPr>
-          <p:cNvPr id="12" name="Forma livre 11"/>
-          <p:cNvSpPr>
-            <a:spLocks/>
-          </p:cNvSpPr>
-          <p:nvPr/>
-        </p:nvSpPr>
-        <p:spPr bwMode="auto">
-          <a:xfrm>
-            <a:off x="647624" y="6418660"/>
-            <a:ext cx="3052195" cy="447352"/>
-          </a:xfrm>
-          <a:custGeom>
-            <a:avLst>
-              <a:gd name="A1" fmla="val 0"/>
-              <a:gd name="A2" fmla="val 0"/>
-              <a:gd name="A3" fmla="val 0"/>
-              <a:gd name="A4" fmla="val 0"/>
-              <a:gd name="A5" fmla="val 0"/>
-              <a:gd name="A6" fmla="val 0"/>
-              <a:gd name="A7" fmla="val 0"/>
-              <a:gd name="A8" fmla="val 0"/>
-            </a:avLst>
-            <a:gdLst/>
-            <a:ahLst/>
-            <a:cxnLst>
-              <a:cxn ang="0">
-                <a:pos x="0" y="0"/>
-              </a:cxn>
-              <a:cxn ang="0">
-                <a:pos x="5760" y="0"/>
-              </a:cxn>
-              <a:cxn ang="0">
-                <a:pos x="5760" y="528"/>
-              </a:cxn>
-              <a:cxn ang="0">
-                <a:pos x="48" y="0"/>
-              </a:cxn>
-            </a:cxnLst>
-            <a:rect l="0" t="0" r="0" b="0"/>
-            <a:pathLst>
-              <a:path w="5591" h="588">
-                <a:moveTo>
-                  <a:pt x="0" y="0"/>
-                </a:moveTo>
-                <a:lnTo>
-                  <a:pt x="5591" y="585"/>
-                </a:lnTo>
-                <a:lnTo>
-                  <a:pt x="4415" y="588"/>
-                </a:lnTo>
-                <a:lnTo>
-                  <a:pt x="12" y="4"/>
-                </a:lnTo>
-              </a:path>
-            </a:pathLst>
-          </a:custGeom>
-          <a:solidFill>
-            <a:srgbClr val="000000">
-              <a:alpha val="100000"/>
-            </a:srgbClr>
-          </a:solidFill>
-          <a:ln w="9525" cap="flat" cmpd="sng" algn="ctr">
-            <a:noFill/>
-            <a:prstDash val="solid"/>
-            <a:round/>
-            <a:headEnd type="none" w="med" len="med"/>
-            <a:tailEnd type="none" w="med" len="med"/>
-          </a:ln>
-          <a:effectLst/>
-        </p:spPr>
-        <p:txBody>
-          <a:bodyPr vert="horz" wrap="square" lIns="91440" tIns="45720" rIns="91440" bIns="45720" anchor="t" compatLnSpc="1"/>
-          <a:lstStyle/>
-          <a:p>
-            <a:endParaRPr kumimoji="0" lang="en-US" sz="1800"/>
-          </a:p>
-        </p:txBody>
-      </p:sp>
-      <p:sp>
-        <p:nvSpPr>
-          <p:cNvPr id="14" name="Triângulo retângulo 13"/>
-          <p:cNvSpPr>
-            <a:spLocks/>
-          </p:cNvSpPr>
-          <p:nvPr/>
-        </p:nvSpPr>
-        <p:spPr bwMode="auto">
-          <a:xfrm>
-            <a:off x="-8056" y="6331687"/>
-            <a:ext cx="2813891" cy="540434"/>
+          <a:xfrm rot="10800000">
+            <a:off x="6600056" y="-2"/>
+            <a:ext cx="5600000" cy="836713"/>
           </a:xfrm>
           <a:prstGeom prst="rtTriangle">
             <a:avLst/>
@@ -5811,6 +6955,316 @@
           </a:p>
         </p:txBody>
       </p:sp>
+      <p:grpSp>
+        <p:nvGrpSpPr>
+          <p:cNvPr id="19" name="Agrupar 18">
+            <a:extLst>
+              <a:ext uri="{FF2B5EF4-FFF2-40B4-BE49-F238E27FC236}">
+                <a16:creationId xmlns:a16="http://schemas.microsoft.com/office/drawing/2014/main" id="{A36CFF8F-ECE0-4DCB-8BC9-AF3F5981A3EF}"/>
+              </a:ext>
+            </a:extLst>
+          </p:cNvPr>
+          <p:cNvGrpSpPr/>
+          <p:nvPr userDrawn="1"/>
+        </p:nvGrpSpPr>
+        <p:grpSpPr>
+          <a:xfrm>
+            <a:off x="0" y="6007292"/>
+            <a:ext cx="5591944" cy="850708"/>
+            <a:chOff x="0" y="6317566"/>
+            <a:chExt cx="4759907" cy="540434"/>
+          </a:xfrm>
+        </p:grpSpPr>
+        <p:sp>
+          <p:nvSpPr>
+            <p:cNvPr id="20" name="Forma livre 12">
+              <a:extLst>
+                <a:ext uri="{FF2B5EF4-FFF2-40B4-BE49-F238E27FC236}">
+                  <a16:creationId xmlns:a16="http://schemas.microsoft.com/office/drawing/2014/main" id="{CAAB44CA-529E-4066-8809-0E509FBE5BC0}"/>
+                </a:ext>
+              </a:extLst>
+            </p:cNvPr>
+            <p:cNvSpPr>
+              <a:spLocks/>
+            </p:cNvSpPr>
+            <p:nvPr/>
+          </p:nvSpPr>
+          <p:spPr bwMode="auto">
+            <a:xfrm>
+              <a:off x="673754" y="6391353"/>
+              <a:ext cx="4086153" cy="460538"/>
+            </a:xfrm>
+            <a:custGeom>
+              <a:avLst>
+                <a:gd name="A1" fmla="val 0"/>
+                <a:gd name="A2" fmla="val 0"/>
+                <a:gd name="A3" fmla="val 0"/>
+                <a:gd name="A4" fmla="val 0"/>
+                <a:gd name="A5" fmla="val 0"/>
+                <a:gd name="A6" fmla="val 0"/>
+                <a:gd name="A7" fmla="val 0"/>
+                <a:gd name="A8" fmla="val 0"/>
+              </a:avLst>
+              <a:gdLst/>
+              <a:ahLst/>
+              <a:cxnLst>
+                <a:cxn ang="0">
+                  <a:pos x="0" y="0"/>
+                </a:cxn>
+                <a:cxn ang="0">
+                  <a:pos x="5760" y="0"/>
+                </a:cxn>
+                <a:cxn ang="0">
+                  <a:pos x="5760" y="528"/>
+                </a:cxn>
+                <a:cxn ang="0">
+                  <a:pos x="48" y="0"/>
+                </a:cxn>
+              </a:cxnLst>
+              <a:rect l="0" t="0" r="0" b="0"/>
+              <a:pathLst>
+                <a:path w="7485" h="337">
+                  <a:moveTo>
+                    <a:pt x="0" y="2"/>
+                  </a:moveTo>
+                  <a:lnTo>
+                    <a:pt x="7485" y="337"/>
+                  </a:lnTo>
+                  <a:lnTo>
+                    <a:pt x="5558" y="337"/>
+                  </a:lnTo>
+                  <a:lnTo>
+                    <a:pt x="1" y="0"/>
+                  </a:lnTo>
+                </a:path>
+              </a:pathLst>
+            </a:custGeom>
+            <a:solidFill>
+              <a:schemeClr val="accent1">
+                <a:tint val="65000"/>
+                <a:satMod val="115000"/>
+                <a:alpha val="40000"/>
+              </a:schemeClr>
+            </a:solidFill>
+            <a:ln w="9525" cap="flat" cmpd="sng" algn="ctr">
+              <a:noFill/>
+              <a:prstDash val="solid"/>
+              <a:round/>
+              <a:headEnd type="none" w="med" len="med"/>
+              <a:tailEnd type="none" w="med" len="med"/>
+            </a:ln>
+            <a:effectLst/>
+          </p:spPr>
+          <p:txBody>
+            <a:bodyPr vert="horz" wrap="square" lIns="91440" tIns="45720" rIns="91440" bIns="45720" anchor="t" compatLnSpc="1"/>
+            <a:lstStyle/>
+            <a:p>
+              <a:endParaRPr kumimoji="0" lang="en-US" sz="1800"/>
+            </a:p>
+          </p:txBody>
+        </p:sp>
+        <p:sp>
+          <p:nvSpPr>
+            <p:cNvPr id="21" name="Forma livre 11">
+              <a:extLst>
+                <a:ext uri="{FF2B5EF4-FFF2-40B4-BE49-F238E27FC236}">
+                  <a16:creationId xmlns:a16="http://schemas.microsoft.com/office/drawing/2014/main" id="{4B3F1D7F-3763-43BC-B643-006492C691A0}"/>
+                </a:ext>
+              </a:extLst>
+            </p:cNvPr>
+            <p:cNvSpPr>
+              <a:spLocks/>
+            </p:cNvSpPr>
+            <p:nvPr/>
+          </p:nvSpPr>
+          <p:spPr bwMode="auto">
+            <a:xfrm>
+              <a:off x="655680" y="6404539"/>
+              <a:ext cx="3052195" cy="447352"/>
+            </a:xfrm>
+            <a:custGeom>
+              <a:avLst>
+                <a:gd name="A1" fmla="val 0"/>
+                <a:gd name="A2" fmla="val 0"/>
+                <a:gd name="A3" fmla="val 0"/>
+                <a:gd name="A4" fmla="val 0"/>
+                <a:gd name="A5" fmla="val 0"/>
+                <a:gd name="A6" fmla="val 0"/>
+                <a:gd name="A7" fmla="val 0"/>
+                <a:gd name="A8" fmla="val 0"/>
+              </a:avLst>
+              <a:gdLst/>
+              <a:ahLst/>
+              <a:cxnLst>
+                <a:cxn ang="0">
+                  <a:pos x="0" y="0"/>
+                </a:cxn>
+                <a:cxn ang="0">
+                  <a:pos x="5760" y="0"/>
+                </a:cxn>
+                <a:cxn ang="0">
+                  <a:pos x="5760" y="528"/>
+                </a:cxn>
+                <a:cxn ang="0">
+                  <a:pos x="48" y="0"/>
+                </a:cxn>
+              </a:cxnLst>
+              <a:rect l="0" t="0" r="0" b="0"/>
+              <a:pathLst>
+                <a:path w="5591" h="588">
+                  <a:moveTo>
+                    <a:pt x="0" y="0"/>
+                  </a:moveTo>
+                  <a:lnTo>
+                    <a:pt x="5591" y="585"/>
+                  </a:lnTo>
+                  <a:lnTo>
+                    <a:pt x="4415" y="588"/>
+                  </a:lnTo>
+                  <a:lnTo>
+                    <a:pt x="12" y="4"/>
+                  </a:lnTo>
+                </a:path>
+              </a:pathLst>
+            </a:custGeom>
+            <a:solidFill>
+              <a:srgbClr val="000000">
+                <a:alpha val="100000"/>
+              </a:srgbClr>
+            </a:solidFill>
+            <a:ln w="9525" cap="flat" cmpd="sng" algn="ctr">
+              <a:noFill/>
+              <a:prstDash val="solid"/>
+              <a:round/>
+              <a:headEnd type="none" w="med" len="med"/>
+              <a:tailEnd type="none" w="med" len="med"/>
+            </a:ln>
+            <a:effectLst/>
+          </p:spPr>
+          <p:txBody>
+            <a:bodyPr vert="horz" wrap="square" lIns="91440" tIns="45720" rIns="91440" bIns="45720" anchor="t" compatLnSpc="1"/>
+            <a:lstStyle/>
+            <a:p>
+              <a:endParaRPr kumimoji="0" lang="en-US" sz="1800"/>
+            </a:p>
+          </p:txBody>
+        </p:sp>
+        <p:sp>
+          <p:nvSpPr>
+            <p:cNvPr id="23" name="Triângulo retângulo 13">
+              <a:extLst>
+                <a:ext uri="{FF2B5EF4-FFF2-40B4-BE49-F238E27FC236}">
+                  <a16:creationId xmlns:a16="http://schemas.microsoft.com/office/drawing/2014/main" id="{B9E7B4D2-ABA3-4956-B80C-846EC70A3BC1}"/>
+                </a:ext>
+              </a:extLst>
+            </p:cNvPr>
+            <p:cNvSpPr>
+              <a:spLocks/>
+            </p:cNvSpPr>
+            <p:nvPr/>
+          </p:nvSpPr>
+          <p:spPr bwMode="auto">
+            <a:xfrm>
+              <a:off x="0" y="6317566"/>
+              <a:ext cx="2813891" cy="540434"/>
+            </a:xfrm>
+            <a:prstGeom prst="rtTriangle">
+              <a:avLst/>
+            </a:prstGeom>
+            <a:blipFill>
+              <a:blip r:embed="rId13">
+                <a:alphaModFix amt="50000"/>
+              </a:blip>
+              <a:tile tx="0" ty="0" sx="50000" sy="50000" flip="none" algn="t"/>
+            </a:blipFill>
+            <a:ln w="12700" cap="rnd" cmpd="thickThin" algn="ctr">
+              <a:noFill/>
+              <a:prstDash val="solid"/>
+            </a:ln>
+            <a:effectLst>
+              <a:fillOverlay blend="mult">
+                <a:gradFill flip="none" rotWithShape="1">
+                  <a:gsLst>
+                    <a:gs pos="0">
+                      <a:schemeClr val="accent1">
+                        <a:shade val="20000"/>
+                        <a:satMod val="176000"/>
+                        <a:alpha val="100000"/>
+                      </a:schemeClr>
+                    </a:gs>
+                    <a:gs pos="18000">
+                      <a:schemeClr val="accent1">
+                        <a:shade val="48000"/>
+                        <a:satMod val="153000"/>
+                        <a:alpha val="100000"/>
+                      </a:schemeClr>
+                    </a:gs>
+                    <a:gs pos="43000">
+                      <a:schemeClr val="accent1">
+                        <a:tint val="86000"/>
+                        <a:satMod val="149000"/>
+                        <a:alpha val="100000"/>
+                      </a:schemeClr>
+                    </a:gs>
+                    <a:gs pos="45000">
+                      <a:schemeClr val="accent1">
+                        <a:tint val="85000"/>
+                        <a:satMod val="150000"/>
+                        <a:alpha val="100000"/>
+                      </a:schemeClr>
+                    </a:gs>
+                    <a:gs pos="50000">
+                      <a:schemeClr val="accent1">
+                        <a:tint val="86000"/>
+                        <a:satMod val="149000"/>
+                        <a:alpha val="100000"/>
+                      </a:schemeClr>
+                    </a:gs>
+                    <a:gs pos="79000">
+                      <a:schemeClr val="accent1">
+                        <a:shade val="53000"/>
+                        <a:satMod val="150000"/>
+                        <a:alpha val="100000"/>
+                      </a:schemeClr>
+                    </a:gs>
+                    <a:gs pos="100000">
+                      <a:schemeClr val="accent1">
+                        <a:shade val="25000"/>
+                        <a:satMod val="170000"/>
+                        <a:alpha val="100000"/>
+                      </a:schemeClr>
+                    </a:gs>
+                  </a:gsLst>
+                  <a:lin ang="450000" scaled="1"/>
+                  <a:tileRect/>
+                </a:gradFill>
+              </a:fillOverlay>
+            </a:effectLst>
+          </p:spPr>
+          <p:style>
+            <a:lnRef idx="3">
+              <a:schemeClr val="lt1"/>
+            </a:lnRef>
+            <a:fillRef idx="1">
+              <a:schemeClr val="accent1"/>
+            </a:fillRef>
+            <a:effectRef idx="1">
+              <a:schemeClr val="accent1"/>
+            </a:effectRef>
+            <a:fontRef idx="minor">
+              <a:schemeClr val="lt1"/>
+            </a:fontRef>
+          </p:style>
+          <p:txBody>
+            <a:bodyPr vert="horz" wrap="square" lIns="91440" tIns="45720" rIns="91440" bIns="45720" anchor="ctr" compatLnSpc="1"/>
+            <a:lstStyle/>
+            <a:p>
+              <a:pPr algn="ctr" eaLnBrk="1" latinLnBrk="0" hangingPunct="1"/>
+              <a:endParaRPr kumimoji="0" lang="en-US" sz="1800"/>
+            </a:p>
+          </p:txBody>
+        </p:sp>
+      </p:grpSp>
       <p:sp>
         <p:nvSpPr>
           <p:cNvPr id="9" name="Espaço Reservado para Título 8"/>
@@ -5948,7 +7402,7 @@
             <a:fld id="{B41ABA4E-CD72-497B-97AA-7213B3980F60}" type="datetimeFigureOut">
               <a:rPr lang="en-US" smtClean="0"/>
               <a:pPr/>
-              <a:t>11/5/2019</a:t>
+              <a:t>10/13/2021</a:t>
             </a:fld>
             <a:endParaRPr lang="en-US" dirty="0"/>
           </a:p>
@@ -6374,11 +7828,13 @@
         </p:nvSpPr>
         <p:spPr/>
         <p:txBody>
-          <a:bodyPr/>
+          <a:bodyPr>
+            <a:normAutofit/>
+          </a:bodyPr>
           <a:lstStyle/>
           <a:p>
             <a:r>
-              <a:rPr lang="pt-BR" dirty="0"/>
+              <a:rPr lang="pt-BR" sz="6600" dirty="0"/>
               <a:t>Deslocamento Vetorial</a:t>
             </a:r>
           </a:p>
@@ -6402,18 +7858,20 @@
         </p:nvSpPr>
         <p:spPr/>
         <p:txBody>
-          <a:bodyPr lIns="144000"/>
+          <a:bodyPr lIns="144000">
+            <a:normAutofit/>
+          </a:bodyPr>
           <a:lstStyle/>
           <a:p>
             <a:r>
-              <a:rPr lang="pt-BR" dirty="0">
+              <a:rPr lang="pt-BR" sz="3600" dirty="0">
                 <a:solidFill>
                   <a:schemeClr val="accent1">
                     <a:lumMod val="50000"/>
                   </a:schemeClr>
                 </a:solidFill>
               </a:rPr>
-              <a:t>Desenvolvimento de Jogos</a:t>
+              <a:t>Programação de Jogos</a:t>
             </a:r>
           </a:p>
         </p:txBody>
@@ -6486,7 +7944,14 @@
             </a:r>
             <a:r>
               <a:rPr lang="pt-BR" dirty="0"/>
-              <a:t> de um objeto em um plano é normalmente representado por um </a:t>
+              <a:t> de um objeto pode ser </a:t>
+            </a:r>
+            <a:br>
+              <a:rPr lang="pt-BR" dirty="0"/>
+            </a:br>
+            <a:r>
+              <a:rPr lang="pt-BR" dirty="0"/>
+              <a:t>representado por um </a:t>
             </a:r>
             <a:r>
               <a:rPr lang="pt-BR" dirty="0">
@@ -6523,214 +7988,12 @@
           </a:p>
         </p:txBody>
       </p:sp>
-      <p:sp>
-        <p:nvSpPr>
-          <p:cNvPr id="38" name="CaixaDeTexto 37"/>
-          <p:cNvSpPr txBox="1"/>
-          <p:nvPr/>
-        </p:nvSpPr>
-        <p:spPr>
-          <a:xfrm>
-            <a:off x="7790114" y="3517067"/>
-            <a:ext cx="2050561" cy="830997"/>
-          </a:xfrm>
-          <a:prstGeom prst="rect">
-            <a:avLst/>
-          </a:prstGeom>
-          <a:noFill/>
-        </p:spPr>
-        <p:txBody>
-          <a:bodyPr wrap="none" rtlCol="0">
-            <a:spAutoFit/>
-          </a:bodyPr>
-          <a:lstStyle/>
-          <a:p>
-            <a:r>
-              <a:rPr lang="pt-BR" sz="2400" dirty="0">
-                <a:solidFill>
-                  <a:schemeClr val="bg1">
-                    <a:lumMod val="85000"/>
-                  </a:schemeClr>
-                </a:solidFill>
-                <a:latin typeface="Consolas" pitchFamily="49" charset="0"/>
-                <a:cs typeface="Consolas" pitchFamily="49" charset="0"/>
-              </a:rPr>
-              <a:t>Q</a:t>
-            </a:r>
-            <a:r>
-              <a:rPr lang="pt-BR" sz="2400" baseline="-25000" dirty="0">
-                <a:solidFill>
-                  <a:schemeClr val="bg1">
-                    <a:lumMod val="85000"/>
-                  </a:schemeClr>
-                </a:solidFill>
-                <a:latin typeface="Consolas" pitchFamily="49" charset="0"/>
-                <a:cs typeface="Consolas" pitchFamily="49" charset="0"/>
-              </a:rPr>
-              <a:t>x</a:t>
-            </a:r>
-            <a:r>
-              <a:rPr lang="pt-BR" sz="2400" dirty="0">
-                <a:solidFill>
-                  <a:schemeClr val="bg1">
-                    <a:lumMod val="85000"/>
-                  </a:schemeClr>
-                </a:solidFill>
-                <a:latin typeface="Consolas" pitchFamily="49" charset="0"/>
-                <a:cs typeface="Consolas" pitchFamily="49" charset="0"/>
-              </a:rPr>
-              <a:t> = P</a:t>
-            </a:r>
-            <a:r>
-              <a:rPr lang="pt-BR" sz="2400" baseline="-25000" dirty="0">
-                <a:solidFill>
-                  <a:schemeClr val="bg1">
-                    <a:lumMod val="85000"/>
-                  </a:schemeClr>
-                </a:solidFill>
-                <a:latin typeface="Consolas" pitchFamily="49" charset="0"/>
-                <a:cs typeface="Consolas" pitchFamily="49" charset="0"/>
-              </a:rPr>
-              <a:t>x</a:t>
-            </a:r>
-            <a:r>
-              <a:rPr lang="pt-BR" sz="2400" dirty="0">
-                <a:solidFill>
-                  <a:schemeClr val="bg1">
-                    <a:lumMod val="85000"/>
-                  </a:schemeClr>
-                </a:solidFill>
-                <a:latin typeface="Consolas" pitchFamily="49" charset="0"/>
-                <a:cs typeface="Consolas" pitchFamily="49" charset="0"/>
-              </a:rPr>
-              <a:t> + d</a:t>
-            </a:r>
-            <a:r>
-              <a:rPr lang="pt-BR" sz="2400" baseline="-25000" dirty="0">
-                <a:solidFill>
-                  <a:schemeClr val="bg1">
-                    <a:lumMod val="85000"/>
-                  </a:schemeClr>
-                </a:solidFill>
-                <a:latin typeface="Consolas" pitchFamily="49" charset="0"/>
-                <a:cs typeface="Consolas" pitchFamily="49" charset="0"/>
-              </a:rPr>
-              <a:t>x</a:t>
-            </a:r>
-          </a:p>
-          <a:p>
-            <a:r>
-              <a:rPr lang="pt-BR" sz="2400" dirty="0">
-                <a:solidFill>
-                  <a:schemeClr val="bg1">
-                    <a:lumMod val="85000"/>
-                  </a:schemeClr>
-                </a:solidFill>
-                <a:latin typeface="Consolas" pitchFamily="49" charset="0"/>
-                <a:cs typeface="Consolas" pitchFamily="49" charset="0"/>
-              </a:rPr>
-              <a:t>Q</a:t>
-            </a:r>
-            <a:r>
-              <a:rPr lang="pt-BR" sz="2400" baseline="-25000" dirty="0">
-                <a:solidFill>
-                  <a:schemeClr val="bg1">
-                    <a:lumMod val="85000"/>
-                  </a:schemeClr>
-                </a:solidFill>
-                <a:latin typeface="Consolas" pitchFamily="49" charset="0"/>
-                <a:cs typeface="Consolas" pitchFamily="49" charset="0"/>
-              </a:rPr>
-              <a:t>y</a:t>
-            </a:r>
-            <a:r>
-              <a:rPr lang="pt-BR" sz="2400" dirty="0">
-                <a:solidFill>
-                  <a:schemeClr val="bg1">
-                    <a:lumMod val="85000"/>
-                  </a:schemeClr>
-                </a:solidFill>
-                <a:latin typeface="Consolas" pitchFamily="49" charset="0"/>
-                <a:cs typeface="Consolas" pitchFamily="49" charset="0"/>
-              </a:rPr>
-              <a:t> = P</a:t>
-            </a:r>
-            <a:r>
-              <a:rPr lang="pt-BR" sz="2400" baseline="-25000" dirty="0">
-                <a:solidFill>
-                  <a:schemeClr val="bg1">
-                    <a:lumMod val="85000"/>
-                  </a:schemeClr>
-                </a:solidFill>
-                <a:latin typeface="Consolas" pitchFamily="49" charset="0"/>
-                <a:cs typeface="Consolas" pitchFamily="49" charset="0"/>
-              </a:rPr>
-              <a:t>y</a:t>
-            </a:r>
-            <a:r>
-              <a:rPr lang="pt-BR" sz="2400" dirty="0">
-                <a:solidFill>
-                  <a:schemeClr val="bg1">
-                    <a:lumMod val="85000"/>
-                  </a:schemeClr>
-                </a:solidFill>
-                <a:latin typeface="Consolas" pitchFamily="49" charset="0"/>
-                <a:cs typeface="Consolas" pitchFamily="49" charset="0"/>
-              </a:rPr>
-              <a:t> + d</a:t>
-            </a:r>
-            <a:r>
-              <a:rPr lang="pt-BR" sz="2400" baseline="-25000" dirty="0">
-                <a:solidFill>
-                  <a:schemeClr val="bg1">
-                    <a:lumMod val="85000"/>
-                  </a:schemeClr>
-                </a:solidFill>
-                <a:latin typeface="Consolas" pitchFamily="49" charset="0"/>
-                <a:cs typeface="Consolas" pitchFamily="49" charset="0"/>
-              </a:rPr>
-              <a:t>y</a:t>
-            </a:r>
-          </a:p>
-        </p:txBody>
-      </p:sp>
-      <p:pic>
-        <p:nvPicPr>
-          <p:cNvPr id="51" name="Imagem 50"/>
-          <p:cNvPicPr>
-            <a:picLocks noChangeAspect="1"/>
-          </p:cNvPicPr>
-          <p:nvPr/>
-        </p:nvPicPr>
-        <p:blipFill>
-          <a:blip r:embed="rId2" cstate="print">
-            <a:alphaModFix amt="70000"/>
-            <a:extLst>
-              <a:ext uri="{28A0092B-C50C-407E-A947-70E740481C1C}">
-                <a14:useLocalDpi xmlns:a14="http://schemas.microsoft.com/office/drawing/2010/main" val="0"/>
-              </a:ext>
-            </a:extLst>
-          </a:blip>
-          <a:stretch>
-            <a:fillRect/>
-          </a:stretch>
-        </p:blipFill>
-        <p:spPr>
-          <a:xfrm rot="3698522">
-            <a:off x="5489278" y="2454448"/>
-            <a:ext cx="1118214" cy="1300280"/>
-          </a:xfrm>
-          <a:prstGeom prst="rect">
-            <a:avLst/>
-          </a:prstGeom>
-        </p:spPr>
-      </p:pic>
       <p:grpSp>
         <p:nvGrpSpPr>
-          <p:cNvPr id="6" name="Agrupar 5">
+          <p:cNvPr id="5" name="Agrupar 4">
             <a:extLst>
               <a:ext uri="{FF2B5EF4-FFF2-40B4-BE49-F238E27FC236}">
-                <a16:creationId xmlns:a16="http://schemas.microsoft.com/office/drawing/2014/main" id="{25D13C9D-0478-4162-9A6F-A5F8DBA7907A}"/>
+                <a16:creationId xmlns:a16="http://schemas.microsoft.com/office/drawing/2014/main" id="{17F4F717-DA67-4280-84F4-B122F18BA635}"/>
               </a:ext>
             </a:extLst>
           </p:cNvPr>
@@ -6739,12 +8002,214 @@
         </p:nvGrpSpPr>
         <p:grpSpPr>
           <a:xfrm>
-            <a:off x="1559495" y="2420888"/>
-            <a:ext cx="4927443" cy="3168637"/>
+            <a:off x="2783632" y="2564904"/>
+            <a:ext cx="7813127" cy="3168637"/>
             <a:chOff x="1559495" y="2420888"/>
-            <a:chExt cx="4927443" cy="3168637"/>
+            <a:chExt cx="7813127" cy="3168637"/>
           </a:xfrm>
         </p:grpSpPr>
+        <p:sp>
+          <p:nvSpPr>
+            <p:cNvPr id="38" name="CaixaDeTexto 37"/>
+            <p:cNvSpPr txBox="1"/>
+            <p:nvPr/>
+          </p:nvSpPr>
+          <p:spPr>
+            <a:xfrm>
+              <a:off x="7322061" y="3174210"/>
+              <a:ext cx="2050561" cy="830997"/>
+            </a:xfrm>
+            <a:prstGeom prst="rect">
+              <a:avLst/>
+            </a:prstGeom>
+            <a:noFill/>
+          </p:spPr>
+          <p:txBody>
+            <a:bodyPr wrap="none" rtlCol="0">
+              <a:spAutoFit/>
+            </a:bodyPr>
+            <a:lstStyle/>
+            <a:p>
+              <a:r>
+                <a:rPr lang="pt-BR" sz="2400" dirty="0">
+                  <a:solidFill>
+                    <a:schemeClr val="bg1">
+                      <a:lumMod val="85000"/>
+                    </a:schemeClr>
+                  </a:solidFill>
+                  <a:latin typeface="Consolas" pitchFamily="49" charset="0"/>
+                  <a:cs typeface="Consolas" pitchFamily="49" charset="0"/>
+                </a:rPr>
+                <a:t>Q</a:t>
+              </a:r>
+              <a:r>
+                <a:rPr lang="pt-BR" sz="2400" baseline="-25000" dirty="0">
+                  <a:solidFill>
+                    <a:schemeClr val="bg1">
+                      <a:lumMod val="85000"/>
+                    </a:schemeClr>
+                  </a:solidFill>
+                  <a:latin typeface="Consolas" pitchFamily="49" charset="0"/>
+                  <a:cs typeface="Consolas" pitchFamily="49" charset="0"/>
+                </a:rPr>
+                <a:t>x</a:t>
+              </a:r>
+              <a:r>
+                <a:rPr lang="pt-BR" sz="2400" dirty="0">
+                  <a:solidFill>
+                    <a:schemeClr val="bg1">
+                      <a:lumMod val="85000"/>
+                    </a:schemeClr>
+                  </a:solidFill>
+                  <a:latin typeface="Consolas" pitchFamily="49" charset="0"/>
+                  <a:cs typeface="Consolas" pitchFamily="49" charset="0"/>
+                </a:rPr>
+                <a:t> = P</a:t>
+              </a:r>
+              <a:r>
+                <a:rPr lang="pt-BR" sz="2400" baseline="-25000" dirty="0">
+                  <a:solidFill>
+                    <a:schemeClr val="bg1">
+                      <a:lumMod val="85000"/>
+                    </a:schemeClr>
+                  </a:solidFill>
+                  <a:latin typeface="Consolas" pitchFamily="49" charset="0"/>
+                  <a:cs typeface="Consolas" pitchFamily="49" charset="0"/>
+                </a:rPr>
+                <a:t>x</a:t>
+              </a:r>
+              <a:r>
+                <a:rPr lang="pt-BR" sz="2400" dirty="0">
+                  <a:solidFill>
+                    <a:schemeClr val="bg1">
+                      <a:lumMod val="85000"/>
+                    </a:schemeClr>
+                  </a:solidFill>
+                  <a:latin typeface="Consolas" pitchFamily="49" charset="0"/>
+                  <a:cs typeface="Consolas" pitchFamily="49" charset="0"/>
+                </a:rPr>
+                <a:t> + d</a:t>
+              </a:r>
+              <a:r>
+                <a:rPr lang="pt-BR" sz="2400" baseline="-25000" dirty="0">
+                  <a:solidFill>
+                    <a:schemeClr val="bg1">
+                      <a:lumMod val="85000"/>
+                    </a:schemeClr>
+                  </a:solidFill>
+                  <a:latin typeface="Consolas" pitchFamily="49" charset="0"/>
+                  <a:cs typeface="Consolas" pitchFamily="49" charset="0"/>
+                </a:rPr>
+                <a:t>x</a:t>
+              </a:r>
+            </a:p>
+            <a:p>
+              <a:r>
+                <a:rPr lang="pt-BR" sz="2400" dirty="0">
+                  <a:solidFill>
+                    <a:schemeClr val="bg1">
+                      <a:lumMod val="85000"/>
+                    </a:schemeClr>
+                  </a:solidFill>
+                  <a:latin typeface="Consolas" pitchFamily="49" charset="0"/>
+                  <a:cs typeface="Consolas" pitchFamily="49" charset="0"/>
+                </a:rPr>
+                <a:t>Q</a:t>
+              </a:r>
+              <a:r>
+                <a:rPr lang="pt-BR" sz="2400" baseline="-25000" dirty="0">
+                  <a:solidFill>
+                    <a:schemeClr val="bg1">
+                      <a:lumMod val="85000"/>
+                    </a:schemeClr>
+                  </a:solidFill>
+                  <a:latin typeface="Consolas" pitchFamily="49" charset="0"/>
+                  <a:cs typeface="Consolas" pitchFamily="49" charset="0"/>
+                </a:rPr>
+                <a:t>y</a:t>
+              </a:r>
+              <a:r>
+                <a:rPr lang="pt-BR" sz="2400" dirty="0">
+                  <a:solidFill>
+                    <a:schemeClr val="bg1">
+                      <a:lumMod val="85000"/>
+                    </a:schemeClr>
+                  </a:solidFill>
+                  <a:latin typeface="Consolas" pitchFamily="49" charset="0"/>
+                  <a:cs typeface="Consolas" pitchFamily="49" charset="0"/>
+                </a:rPr>
+                <a:t> = P</a:t>
+              </a:r>
+              <a:r>
+                <a:rPr lang="pt-BR" sz="2400" baseline="-25000" dirty="0">
+                  <a:solidFill>
+                    <a:schemeClr val="bg1">
+                      <a:lumMod val="85000"/>
+                    </a:schemeClr>
+                  </a:solidFill>
+                  <a:latin typeface="Consolas" pitchFamily="49" charset="0"/>
+                  <a:cs typeface="Consolas" pitchFamily="49" charset="0"/>
+                </a:rPr>
+                <a:t>y</a:t>
+              </a:r>
+              <a:r>
+                <a:rPr lang="pt-BR" sz="2400" dirty="0">
+                  <a:solidFill>
+                    <a:schemeClr val="bg1">
+                      <a:lumMod val="85000"/>
+                    </a:schemeClr>
+                  </a:solidFill>
+                  <a:latin typeface="Consolas" pitchFamily="49" charset="0"/>
+                  <a:cs typeface="Consolas" pitchFamily="49" charset="0"/>
+                </a:rPr>
+                <a:t> + d</a:t>
+              </a:r>
+              <a:r>
+                <a:rPr lang="pt-BR" sz="2400" baseline="-25000" dirty="0">
+                  <a:solidFill>
+                    <a:schemeClr val="bg1">
+                      <a:lumMod val="85000"/>
+                    </a:schemeClr>
+                  </a:solidFill>
+                  <a:latin typeface="Consolas" pitchFamily="49" charset="0"/>
+                  <a:cs typeface="Consolas" pitchFamily="49" charset="0"/>
+                </a:rPr>
+                <a:t>y</a:t>
+              </a:r>
+            </a:p>
+          </p:txBody>
+        </p:sp>
+        <p:pic>
+          <p:nvPicPr>
+            <p:cNvPr id="51" name="Imagem 50"/>
+            <p:cNvPicPr>
+              <a:picLocks noChangeAspect="1"/>
+            </p:cNvPicPr>
+            <p:nvPr/>
+          </p:nvPicPr>
+          <p:blipFill>
+            <a:blip r:embed="rId2" cstate="print">
+              <a:alphaModFix amt="70000"/>
+              <a:extLst>
+                <a:ext uri="{28A0092B-C50C-407E-A947-70E740481C1C}">
+                  <a14:useLocalDpi xmlns:a14="http://schemas.microsoft.com/office/drawing/2010/main" val="0"/>
+                </a:ext>
+              </a:extLst>
+            </a:blip>
+            <a:stretch>
+              <a:fillRect/>
+            </a:stretch>
+          </p:blipFill>
+          <p:spPr>
+            <a:xfrm rot="3698522">
+              <a:off x="5489278" y="2454448"/>
+              <a:ext cx="1118214" cy="1300280"/>
+            </a:xfrm>
+            <a:prstGeom prst="rect">
+              <a:avLst/>
+            </a:prstGeom>
+          </p:spPr>
+        </p:pic>
         <p:pic>
           <p:nvPicPr>
             <p:cNvPr id="50" name="Imagem 49"/>
@@ -6849,7 +8314,9 @@
         <p:cxnSp>
           <p:nvCxnSpPr>
             <p:cNvPr id="27" name="Conector reto 26"/>
-            <p:cNvCxnSpPr/>
+            <p:cNvCxnSpPr>
+              <a:cxnSpLocks/>
+            </p:cNvCxnSpPr>
             <p:nvPr/>
           </p:nvCxnSpPr>
           <p:spPr>
@@ -6860,7 +8327,12 @@
             <a:prstGeom prst="line">
               <a:avLst/>
             </a:prstGeom>
-            <a:ln>
+            <a:ln w="12700">
+              <a:solidFill>
+                <a:schemeClr val="accent4">
+                  <a:lumMod val="75000"/>
+                </a:schemeClr>
+              </a:solidFill>
               <a:prstDash val="dash"/>
             </a:ln>
           </p:spPr>
@@ -6882,7 +8354,9 @@
         <p:cxnSp>
           <p:nvCxnSpPr>
             <p:cNvPr id="28" name="Conector reto 27"/>
-            <p:cNvCxnSpPr/>
+            <p:cNvCxnSpPr>
+              <a:cxnSpLocks/>
+            </p:cNvCxnSpPr>
             <p:nvPr/>
           </p:nvCxnSpPr>
           <p:spPr>
@@ -6893,7 +8367,12 @@
             <a:prstGeom prst="line">
               <a:avLst/>
             </a:prstGeom>
-            <a:ln>
+            <a:ln w="12700">
+              <a:solidFill>
+                <a:schemeClr val="accent4">
+                  <a:lumMod val="75000"/>
+                </a:schemeClr>
+              </a:solidFill>
               <a:prstDash val="dash"/>
             </a:ln>
           </p:spPr>
@@ -6920,7 +8399,7 @@
           </p:nvSpPr>
           <p:spPr>
             <a:xfrm>
-              <a:off x="3880823" y="5181619"/>
+              <a:off x="3884543" y="5181619"/>
               <a:ext cx="425116" cy="369332"/>
             </a:xfrm>
             <a:prstGeom prst="rect">
@@ -6965,7 +8444,7 @@
           </p:nvSpPr>
           <p:spPr>
             <a:xfrm>
-              <a:off x="6076248" y="3932566"/>
+              <a:off x="6083616" y="3932566"/>
               <a:ext cx="410690" cy="369332"/>
             </a:xfrm>
             <a:prstGeom prst="rect">
@@ -7172,6 +8651,9 @@
   <p:clrMapOvr>
     <a:masterClrMapping/>
   </p:clrMapOvr>
+  <p:transition spd="slow">
+    <p:wipe/>
+  </p:transition>
 </p:sld>
 </file>
 
@@ -7211,6 +8693,9 @@
               <a:rPr lang="pt-BR" dirty="0"/>
               <a:t>Em um jogo, o vetor pode representar o </a:t>
             </a:r>
+            <a:br>
+              <a:rPr lang="pt-BR" dirty="0"/>
+            </a:br>
             <a:r>
               <a:rPr lang="pt-BR" dirty="0">
                 <a:solidFill>
@@ -7223,7 +8708,14 @@
             </a:r>
             <a:r>
               <a:rPr lang="pt-BR" dirty="0"/>
-              <a:t> (tempo de um quadro) do objeto </a:t>
+              <a:t> (tempo de </a:t>
+            </a:r>
+            <a:br>
+              <a:rPr lang="pt-BR" dirty="0"/>
+            </a:br>
+            <a:r>
+              <a:rPr lang="pt-BR" dirty="0"/>
+              <a:t>um quadro) do objeto </a:t>
             </a:r>
           </a:p>
         </p:txBody>
@@ -7456,8 +8948,8 @@
           </p:nvCxnSpPr>
           <p:spPr>
             <a:xfrm flipV="1">
-              <a:off x="3231086" y="4556832"/>
-              <a:ext cx="357758" cy="374292"/>
+              <a:off x="3231086" y="4534623"/>
+              <a:ext cx="357758" cy="396501"/>
             </a:xfrm>
             <a:prstGeom prst="straightConnector1">
               <a:avLst/>
@@ -7529,7 +9021,7 @@
           <p:spPr>
             <a:xfrm>
               <a:off x="4447736" y="4221240"/>
-              <a:ext cx="607731" cy="16337"/>
+              <a:ext cx="603168" cy="8169"/>
             </a:xfrm>
             <a:prstGeom prst="straightConnector1">
               <a:avLst/>
@@ -7770,76 +9262,6 @@
             </a:fontRef>
           </p:style>
         </p:cxnSp>
-        <p:cxnSp>
-          <p:nvCxnSpPr>
-            <p:cNvPr id="81" name="Conector reto 80"/>
-            <p:cNvCxnSpPr/>
-            <p:nvPr/>
-          </p:nvCxnSpPr>
-          <p:spPr>
-            <a:xfrm>
-              <a:off x="5028761" y="4385294"/>
-              <a:ext cx="0" cy="258090"/>
-            </a:xfrm>
-            <a:prstGeom prst="line">
-              <a:avLst/>
-            </a:prstGeom>
-            <a:ln>
-              <a:solidFill>
-                <a:schemeClr val="bg1"/>
-              </a:solidFill>
-            </a:ln>
-          </p:spPr>
-          <p:style>
-            <a:lnRef idx="1">
-              <a:schemeClr val="accent1"/>
-            </a:lnRef>
-            <a:fillRef idx="0">
-              <a:schemeClr val="accent1"/>
-            </a:fillRef>
-            <a:effectRef idx="0">
-              <a:schemeClr val="accent1"/>
-            </a:effectRef>
-            <a:fontRef idx="minor">
-              <a:schemeClr val="tx1"/>
-            </a:fontRef>
-          </p:style>
-        </p:cxnSp>
-        <p:cxnSp>
-          <p:nvCxnSpPr>
-            <p:cNvPr id="84" name="Conector reto 83"/>
-            <p:cNvCxnSpPr/>
-            <p:nvPr/>
-          </p:nvCxnSpPr>
-          <p:spPr>
-            <a:xfrm>
-              <a:off x="4443172" y="4557124"/>
-              <a:ext cx="576064" cy="0"/>
-            </a:xfrm>
-            <a:prstGeom prst="line">
-              <a:avLst/>
-            </a:prstGeom>
-            <a:ln>
-              <a:solidFill>
-                <a:schemeClr val="bg1"/>
-              </a:solidFill>
-            </a:ln>
-          </p:spPr>
-          <p:style>
-            <a:lnRef idx="1">
-              <a:schemeClr val="accent1"/>
-            </a:lnRef>
-            <a:fillRef idx="0">
-              <a:schemeClr val="accent1"/>
-            </a:fillRef>
-            <a:effectRef idx="0">
-              <a:schemeClr val="accent1"/>
-            </a:effectRef>
-            <a:fontRef idx="minor">
-              <a:schemeClr val="tx1"/>
-            </a:fontRef>
-          </p:style>
-        </p:cxnSp>
         <p:sp>
           <p:nvSpPr>
             <p:cNvPr id="87" name="CaixaDeTexto 86"/>
@@ -7848,7 +9270,7 @@
           </p:nvSpPr>
           <p:spPr>
             <a:xfrm>
-              <a:off x="3867109" y="4765178"/>
+              <a:off x="3791744" y="4615324"/>
               <a:ext cx="1904689" cy="923330"/>
             </a:xfrm>
             <a:prstGeom prst="rect">
@@ -7902,41 +9324,6 @@
             </a:p>
           </p:txBody>
         </p:sp>
-        <p:cxnSp>
-          <p:nvCxnSpPr>
-            <p:cNvPr id="93" name="Conector reto 92"/>
-            <p:cNvCxnSpPr/>
-            <p:nvPr/>
-          </p:nvCxnSpPr>
-          <p:spPr>
-            <a:xfrm>
-              <a:off x="4447736" y="4385294"/>
-              <a:ext cx="0" cy="258090"/>
-            </a:xfrm>
-            <a:prstGeom prst="line">
-              <a:avLst/>
-            </a:prstGeom>
-            <a:ln>
-              <a:solidFill>
-                <a:schemeClr val="bg1"/>
-              </a:solidFill>
-            </a:ln>
-          </p:spPr>
-          <p:style>
-            <a:lnRef idx="1">
-              <a:schemeClr val="accent1"/>
-            </a:lnRef>
-            <a:fillRef idx="0">
-              <a:schemeClr val="accent1"/>
-            </a:fillRef>
-            <a:effectRef idx="0">
-              <a:schemeClr val="accent1"/>
-            </a:effectRef>
-            <a:fontRef idx="minor">
-              <a:schemeClr val="tx1"/>
-            </a:fontRef>
-          </p:style>
-        </p:cxnSp>
         <p:pic>
           <p:nvPicPr>
             <p:cNvPr id="40" name="Imagem 39">
@@ -8016,6 +9403,55 @@
           </p:style>
         </p:cxnSp>
       </p:grpSp>
+      <p:sp>
+        <p:nvSpPr>
+          <p:cNvPr id="4" name="Chave Direita 3">
+            <a:extLst>
+              <a:ext uri="{FF2B5EF4-FFF2-40B4-BE49-F238E27FC236}">
+                <a16:creationId xmlns:a16="http://schemas.microsoft.com/office/drawing/2014/main" id="{A55DBA17-2EEB-4E49-B8F4-481D8596C678}"/>
+              </a:ext>
+            </a:extLst>
+          </p:cNvPr>
+          <p:cNvSpPr/>
+          <p:nvPr/>
+        </p:nvSpPr>
+        <p:spPr>
+          <a:xfrm rot="5400000">
+            <a:off x="4654524" y="4184748"/>
+            <a:ext cx="185028" cy="607731"/>
+          </a:xfrm>
+          <a:prstGeom prst="rightBrace">
+            <a:avLst/>
+          </a:prstGeom>
+          <a:ln>
+            <a:solidFill>
+              <a:schemeClr val="bg1"/>
+            </a:solidFill>
+          </a:ln>
+        </p:spPr>
+        <p:style>
+          <a:lnRef idx="1">
+            <a:schemeClr val="accent1"/>
+          </a:lnRef>
+          <a:fillRef idx="0">
+            <a:schemeClr val="accent1"/>
+          </a:fillRef>
+          <a:effectRef idx="0">
+            <a:schemeClr val="accent1"/>
+          </a:effectRef>
+          <a:fontRef idx="minor">
+            <a:schemeClr val="tx1"/>
+          </a:fontRef>
+        </p:style>
+        <p:txBody>
+          <a:bodyPr rtlCol="0" anchor="ctr"/>
+          <a:lstStyle/>
+          <a:p>
+            <a:pPr algn="ctr"/>
+            <a:endParaRPr lang="pt-BR"/>
+          </a:p>
+        </p:txBody>
+      </p:sp>
     </p:spTree>
     <p:extLst>
       <p:ext uri="{BB962C8B-B14F-4D97-AF65-F5344CB8AC3E}">
@@ -8026,6 +9462,9 @@
   <p:clrMapOvr>
     <a:masterClrMapping/>
   </p:clrMapOvr>
+  <p:transition spd="slow">
+    <p:wipe/>
+  </p:transition>
 </p:sld>
 </file>
 
@@ -8070,7 +9509,7 @@
           <a:p>
             <a:r>
               <a:rPr lang="pt-BR" dirty="0"/>
-              <a:t>Um vetor é definido a partir de </a:t>
+              <a:t>Um vetor é definido por </a:t>
             </a:r>
             <a:r>
               <a:rPr lang="pt-BR" dirty="0">
@@ -8125,10 +9564,10 @@
         </p:nvGrpSpPr>
         <p:grpSpPr>
           <a:xfrm>
-            <a:off x="6718307" y="3587170"/>
-            <a:ext cx="3155899" cy="2081402"/>
-            <a:chOff x="6718307" y="3587170"/>
-            <a:chExt cx="3155899" cy="2081402"/>
+            <a:off x="6718307" y="3210460"/>
+            <a:ext cx="3404314" cy="2458112"/>
+            <a:chOff x="6718307" y="3210460"/>
+            <a:chExt cx="3404314" cy="2458112"/>
           </a:xfrm>
         </p:grpSpPr>
         <p:cxnSp>
@@ -8145,14 +9584,15 @@
             <a:prstGeom prst="line">
               <a:avLst/>
             </a:prstGeom>
-            <a:ln>
+            <a:ln w="19050">
               <a:solidFill>
                 <a:schemeClr val="accent1">
                   <a:lumMod val="50000"/>
                 </a:schemeClr>
               </a:solidFill>
               <a:prstDash val="solid"/>
-              <a:tailEnd type="triangle"/>
+              <a:headEnd type="none" w="med" len="med"/>
+              <a:tailEnd type="arrow" w="med" len="med"/>
             </a:ln>
           </p:spPr>
           <p:style>
@@ -8178,8 +9618,8 @@
           </p:nvSpPr>
           <p:spPr>
             <a:xfrm>
-              <a:off x="7229391" y="3587170"/>
-              <a:ext cx="304892" cy="369332"/>
+              <a:off x="7380508" y="3210460"/>
+              <a:ext cx="311304" cy="369332"/>
             </a:xfrm>
             <a:prstGeom prst="rect">
               <a:avLst/>
@@ -8199,6 +9639,7 @@
                       <a:lumMod val="50000"/>
                     </a:schemeClr>
                   </a:solidFill>
+                  <a:latin typeface="Consolas" panose="020B0609020204030204" pitchFamily="49" charset="0"/>
                 </a:rPr>
                 <a:t>y</a:t>
               </a:r>
@@ -8208,6 +9649,7 @@
                     <a:lumMod val="50000"/>
                   </a:schemeClr>
                 </a:solidFill>
+                <a:latin typeface="Consolas" panose="020B0609020204030204" pitchFamily="49" charset="0"/>
               </a:endParaRPr>
             </a:p>
           </p:txBody>
@@ -8226,14 +9668,15 @@
             <a:prstGeom prst="line">
               <a:avLst/>
             </a:prstGeom>
-            <a:ln>
+            <a:ln w="19050">
               <a:solidFill>
                 <a:schemeClr val="accent1">
                   <a:lumMod val="50000"/>
                 </a:schemeClr>
               </a:solidFill>
               <a:prstDash val="solid"/>
-              <a:tailEnd type="triangle"/>
+              <a:headEnd type="none" w="med" len="med"/>
+              <a:tailEnd type="arrow" w="med" len="med"/>
             </a:ln>
           </p:spPr>
           <p:style>
@@ -8429,8 +9872,8 @@
           </p:nvSpPr>
           <p:spPr>
             <a:xfrm>
-              <a:off x="9548476" y="5299240"/>
-              <a:ext cx="325730" cy="369332"/>
+              <a:off x="9811317" y="5085184"/>
+              <a:ext cx="311304" cy="369332"/>
             </a:xfrm>
             <a:prstGeom prst="rect">
               <a:avLst/>
@@ -8450,6 +9893,7 @@
                       <a:lumMod val="50000"/>
                     </a:schemeClr>
                   </a:solidFill>
+                  <a:latin typeface="Consolas" panose="020B0609020204030204" pitchFamily="49" charset="0"/>
                 </a:rPr>
                 <a:t>x</a:t>
               </a:r>
@@ -8459,6 +9903,7 @@
                     <a:lumMod val="50000"/>
                   </a:schemeClr>
                 </a:solidFill>
+                <a:latin typeface="Consolas" panose="020B0609020204030204" pitchFamily="49" charset="0"/>
               </a:endParaRPr>
             </a:p>
           </p:txBody>
@@ -8515,10 +9960,10 @@
             <a:prstGeom prst="straightConnector1">
               <a:avLst/>
             </a:prstGeom>
-            <a:ln>
+            <a:ln w="12700">
               <a:solidFill>
-                <a:schemeClr val="accent1">
-                  <a:lumMod val="50000"/>
+                <a:schemeClr val="accent4">
+                  <a:lumMod val="75000"/>
                 </a:schemeClr>
               </a:solidFill>
               <a:prstDash val="dash"/>
@@ -8556,10 +10001,10 @@
             <a:prstGeom prst="straightConnector1">
               <a:avLst/>
             </a:prstGeom>
-            <a:ln>
+            <a:ln w="12700">
               <a:solidFill>
-                <a:schemeClr val="accent1">
-                  <a:lumMod val="50000"/>
+                <a:schemeClr val="accent4">
+                  <a:lumMod val="75000"/>
                 </a:schemeClr>
               </a:solidFill>
               <a:prstDash val="dash"/>
@@ -8650,8 +10095,8 @@
           </p:nvCxnSpPr>
           <p:spPr>
             <a:xfrm flipV="1">
-              <a:off x="4007768" y="2361624"/>
-              <a:ext cx="2454475" cy="635328"/>
+              <a:off x="4007768" y="2345064"/>
+              <a:ext cx="2463034" cy="651888"/>
             </a:xfrm>
             <a:prstGeom prst="straightConnector1">
               <a:avLst/>
@@ -8853,6 +10298,9 @@
   <p:clrMapOvr>
     <a:masterClrMapping/>
   </p:clrMapOvr>
+  <p:transition spd="slow">
+    <p:wipe/>
+  </p:transition>
 </p:sld>
 </file>
 
@@ -8897,7 +10345,14 @@
           <a:p>
             <a:r>
               <a:rPr lang="pt-BR" dirty="0"/>
-              <a:t>Uma outra forma de representar um vetor é através do seu </a:t>
+              <a:t>Uma outra forma de representar um vetor é </a:t>
+            </a:r>
+            <a:br>
+              <a:rPr lang="pt-BR" dirty="0"/>
+            </a:br>
+            <a:r>
+              <a:rPr lang="pt-BR" dirty="0"/>
+              <a:t>através do seu </a:t>
             </a:r>
             <a:r>
               <a:rPr lang="pt-BR" dirty="0">
@@ -8962,10 +10417,10 @@
         </p:nvGrpSpPr>
         <p:grpSpPr>
           <a:xfrm>
-            <a:off x="7752184" y="3647682"/>
-            <a:ext cx="3049010" cy="2097524"/>
-            <a:chOff x="7079438" y="3995772"/>
-            <a:chExt cx="3049010" cy="2097524"/>
+            <a:off x="7752185" y="3294857"/>
+            <a:ext cx="2903993" cy="2450349"/>
+            <a:chOff x="7079439" y="3642947"/>
+            <a:chExt cx="2903993" cy="2450349"/>
           </a:xfrm>
         </p:grpSpPr>
         <p:cxnSp>
@@ -8982,14 +10437,15 @@
             <a:prstGeom prst="line">
               <a:avLst/>
             </a:prstGeom>
-            <a:ln>
+            <a:ln w="19050">
               <a:solidFill>
                 <a:schemeClr val="accent1">
                   <a:lumMod val="50000"/>
                 </a:schemeClr>
               </a:solidFill>
               <a:prstDash val="solid"/>
-              <a:tailEnd type="triangle"/>
+              <a:headEnd type="none" w="med" len="med"/>
+              <a:tailEnd type="arrow" w="med" len="med"/>
             </a:ln>
           </p:spPr>
           <p:style>
@@ -9015,8 +10471,8 @@
           </p:nvSpPr>
           <p:spPr>
             <a:xfrm>
-              <a:off x="7079438" y="3995772"/>
-              <a:ext cx="304892" cy="369332"/>
+              <a:off x="7222976" y="3642947"/>
+              <a:ext cx="311304" cy="369332"/>
             </a:xfrm>
             <a:prstGeom prst="rect">
               <a:avLst/>
@@ -9036,6 +10492,7 @@
                       <a:lumMod val="50000"/>
                     </a:schemeClr>
                   </a:solidFill>
+                  <a:latin typeface="Consolas" panose="020B0609020204030204" pitchFamily="49" charset="0"/>
                 </a:rPr>
                 <a:t>y</a:t>
               </a:r>
@@ -9045,6 +10502,7 @@
                     <a:lumMod val="50000"/>
                   </a:schemeClr>
                 </a:solidFill>
+                <a:latin typeface="Consolas" panose="020B0609020204030204" pitchFamily="49" charset="0"/>
               </a:endParaRPr>
             </a:p>
           </p:txBody>
@@ -9063,47 +10521,15 @@
             <a:prstGeom prst="line">
               <a:avLst/>
             </a:prstGeom>
-            <a:ln>
+            <a:ln w="19050">
               <a:solidFill>
                 <a:schemeClr val="accent1">
                   <a:lumMod val="50000"/>
                 </a:schemeClr>
               </a:solidFill>
               <a:prstDash val="solid"/>
-              <a:tailEnd type="triangle"/>
-            </a:ln>
-          </p:spPr>
-          <p:style>
-            <a:lnRef idx="1">
-              <a:schemeClr val="accent1"/>
-            </a:lnRef>
-            <a:fillRef idx="0">
-              <a:schemeClr val="accent1"/>
-            </a:fillRef>
-            <a:effectRef idx="0">
-              <a:schemeClr val="accent1"/>
-            </a:effectRef>
-            <a:fontRef idx="minor">
-              <a:schemeClr val="tx1"/>
-            </a:fontRef>
-          </p:style>
-        </p:cxnSp>
-        <p:cxnSp>
-          <p:nvCxnSpPr>
-            <p:cNvPr id="47" name="Conector de seta reta 46"/>
-            <p:cNvCxnSpPr/>
-            <p:nvPr/>
-          </p:nvCxnSpPr>
-          <p:spPr>
-            <a:xfrm flipV="1">
-              <a:off x="7378628" y="4853242"/>
-              <a:ext cx="938219" cy="880015"/>
-            </a:xfrm>
-            <a:prstGeom prst="straightConnector1">
-              <a:avLst/>
-            </a:prstGeom>
-            <a:ln w="28575">
-              <a:tailEnd type="stealth" w="lg" len="lg"/>
+              <a:headEnd type="none" w="med" len="med"/>
+              <a:tailEnd type="arrow" w="med" len="med"/>
             </a:ln>
           </p:spPr>
           <p:style>
@@ -9138,7 +10564,7 @@
                 <a:gd name="adj2" fmla="val 1445147"/>
               </a:avLst>
             </a:prstGeom>
-            <a:ln>
+            <a:ln w="19050">
               <a:solidFill>
                 <a:schemeClr val="accent1">
                   <a:lumMod val="50000"/>
@@ -9212,7 +10638,7 @@
           </p:nvSpPr>
           <p:spPr>
             <a:xfrm>
-              <a:off x="7708091" y="4774512"/>
+              <a:off x="7507035" y="4923687"/>
               <a:ext cx="399468" cy="369332"/>
             </a:xfrm>
             <a:prstGeom prst="rect">
@@ -9247,8 +10673,8 @@
           </p:nvSpPr>
           <p:spPr>
             <a:xfrm>
-              <a:off x="9802718" y="5552037"/>
-              <a:ext cx="325730" cy="369332"/>
+              <a:off x="9672128" y="5531595"/>
+              <a:ext cx="311304" cy="369332"/>
             </a:xfrm>
             <a:prstGeom prst="rect">
               <a:avLst/>
@@ -9268,6 +10694,7 @@
                       <a:lumMod val="50000"/>
                     </a:schemeClr>
                   </a:solidFill>
+                  <a:latin typeface="Consolas" panose="020B0609020204030204" pitchFamily="49" charset="0"/>
                 </a:rPr>
                 <a:t>x</a:t>
               </a:r>
@@ -9277,10 +10704,44 @@
                     <a:lumMod val="50000"/>
                   </a:schemeClr>
                 </a:solidFill>
+                <a:latin typeface="Consolas" panose="020B0609020204030204" pitchFamily="49" charset="0"/>
               </a:endParaRPr>
             </a:p>
           </p:txBody>
         </p:sp>
+        <p:cxnSp>
+          <p:nvCxnSpPr>
+            <p:cNvPr id="47" name="Conector de seta reta 46"/>
+            <p:cNvCxnSpPr/>
+            <p:nvPr/>
+          </p:nvCxnSpPr>
+          <p:spPr>
+            <a:xfrm flipV="1">
+              <a:off x="7378628" y="4853242"/>
+              <a:ext cx="938219" cy="880015"/>
+            </a:xfrm>
+            <a:prstGeom prst="straightConnector1">
+              <a:avLst/>
+            </a:prstGeom>
+            <a:ln w="28575">
+              <a:tailEnd type="stealth" w="lg" len="lg"/>
+            </a:ln>
+          </p:spPr>
+          <p:style>
+            <a:lnRef idx="1">
+              <a:schemeClr val="accent1"/>
+            </a:lnRef>
+            <a:fillRef idx="0">
+              <a:schemeClr val="accent1"/>
+            </a:fillRef>
+            <a:effectRef idx="0">
+              <a:schemeClr val="accent1"/>
+            </a:effectRef>
+            <a:fontRef idx="minor">
+              <a:schemeClr val="tx1"/>
+            </a:fontRef>
+          </p:style>
+        </p:cxnSp>
       </p:grpSp>
       <p:sp>
         <p:nvSpPr>
@@ -9290,7 +10751,7 @@
         </p:nvSpPr>
         <p:spPr>
           <a:xfrm>
-            <a:off x="687404" y="4090943"/>
+            <a:off x="1227215" y="4369986"/>
             <a:ext cx="5826824" cy="1446550"/>
           </a:xfrm>
           <a:prstGeom prst="rect">
@@ -9351,7 +10812,47 @@
                   </a:schemeClr>
                 </a:solidFill>
               </a:rPr>
-              <a:t>com ângulo e magnitude porque eles estão diretamente relacionados com a direção e a velocidade do movimento</a:t>
+              <a:t>com ângulo e magnitude porque eles estão diretamente relacionados com a </a:t>
+            </a:r>
+            <a:r>
+              <a:rPr lang="pt-BR" sz="2200" dirty="0">
+                <a:solidFill>
+                  <a:schemeClr val="accent1">
+                    <a:lumMod val="75000"/>
+                  </a:schemeClr>
+                </a:solidFill>
+              </a:rPr>
+              <a:t>direção</a:t>
+            </a:r>
+            <a:r>
+              <a:rPr lang="pt-BR" sz="2200" dirty="0">
+                <a:solidFill>
+                  <a:schemeClr val="accent4">
+                    <a:lumMod val="75000"/>
+                  </a:schemeClr>
+                </a:solidFill>
+              </a:rPr>
+              <a:t> e a </a:t>
+            </a:r>
+            <a:r>
+              <a:rPr lang="pt-BR" sz="2200" dirty="0">
+                <a:solidFill>
+                  <a:schemeClr val="accent1">
+                    <a:lumMod val="75000"/>
+                  </a:schemeClr>
+                </a:solidFill>
+              </a:rPr>
+              <a:t>velocidade</a:t>
+            </a:r>
+            <a:r>
+              <a:rPr lang="pt-BR" sz="2200" dirty="0">
+                <a:solidFill>
+                  <a:schemeClr val="accent4">
+                    <a:lumMod val="75000"/>
+                  </a:schemeClr>
+                </a:solidFill>
+              </a:rPr>
+              <a:t> do movimento</a:t>
             </a:r>
           </a:p>
         </p:txBody>
@@ -9370,7 +10871,7 @@
         </p:nvGrpSpPr>
         <p:grpSpPr>
           <a:xfrm>
-            <a:off x="4079776" y="2359622"/>
+            <a:off x="2855640" y="2780928"/>
             <a:ext cx="3399868" cy="1069378"/>
             <a:chOff x="3531683" y="2158010"/>
             <a:chExt cx="3399868" cy="1069378"/>
@@ -9602,6 +11103,9 @@
   <p:clrMapOvr>
     <a:masterClrMapping/>
   </p:clrMapOvr>
+  <p:transition spd="slow">
+    <p:wipe/>
+  </p:transition>
 </p:sld>
 </file>
 
@@ -9622,36 +11126,6 @@
           <a:chExt cx="0" cy="0"/>
         </a:xfrm>
       </p:grpSpPr>
-      <p:pic>
-        <p:nvPicPr>
-          <p:cNvPr id="32" name="Imagem 31"/>
-          <p:cNvPicPr>
-            <a:picLocks noChangeAspect="1"/>
-          </p:cNvPicPr>
-          <p:nvPr/>
-        </p:nvPicPr>
-        <p:blipFill>
-          <a:blip r:embed="rId3" cstate="print">
-            <a:extLst>
-              <a:ext uri="{28A0092B-C50C-407E-A947-70E740481C1C}">
-                <a14:useLocalDpi xmlns:a14="http://schemas.microsoft.com/office/drawing/2010/main" val="0"/>
-              </a:ext>
-            </a:extLst>
-          </a:blip>
-          <a:stretch>
-            <a:fillRect/>
-          </a:stretch>
-        </p:blipFill>
-        <p:spPr>
-          <a:xfrm rot="2465831">
-            <a:off x="3064213" y="5148923"/>
-            <a:ext cx="805360" cy="936488"/>
-          </a:xfrm>
-          <a:prstGeom prst="rect">
-            <a:avLst/>
-          </a:prstGeom>
-        </p:spPr>
-      </p:pic>
       <p:sp>
         <p:nvSpPr>
           <p:cNvPr id="2" name="Espaço Reservado para Conteúdo 1"/>
@@ -9676,7 +11150,14 @@
           <a:p>
             <a:r>
               <a:rPr lang="pt-BR" dirty="0"/>
-              <a:t>Um objeto que se desloca vetorialmente deve ter sua </a:t>
+              <a:t>Um objeto que se desloca vetorialmente deve ter </a:t>
+            </a:r>
+            <a:br>
+              <a:rPr lang="pt-BR" dirty="0"/>
+            </a:br>
+            <a:r>
+              <a:rPr lang="pt-BR" dirty="0"/>
+              <a:t>sua </a:t>
             </a:r>
             <a:r>
               <a:rPr lang="pt-BR" dirty="0">
@@ -9727,711 +11208,6 @@
           </a:p>
         </p:txBody>
       </p:sp>
-      <p:sp>
-        <p:nvSpPr>
-          <p:cNvPr id="30" name="CaixaDeTexto 29"/>
-          <p:cNvSpPr txBox="1"/>
-          <p:nvPr/>
-        </p:nvSpPr>
-        <p:spPr>
-          <a:xfrm>
-            <a:off x="7032104" y="3645993"/>
-            <a:ext cx="2355132" cy="830997"/>
-          </a:xfrm>
-          <a:prstGeom prst="rect">
-            <a:avLst/>
-          </a:prstGeom>
-          <a:noFill/>
-        </p:spPr>
-        <p:txBody>
-          <a:bodyPr wrap="none" rtlCol="0">
-            <a:spAutoFit/>
-          </a:bodyPr>
-          <a:lstStyle/>
-          <a:p>
-            <a:r>
-              <a:rPr lang="pt-BR" sz="2400" dirty="0">
-                <a:solidFill>
-                  <a:schemeClr val="bg1">
-                    <a:lumMod val="85000"/>
-                  </a:schemeClr>
-                </a:solidFill>
-                <a:latin typeface="Consolas" pitchFamily="49" charset="0"/>
-                <a:cs typeface="Consolas" pitchFamily="49" charset="0"/>
-              </a:rPr>
-              <a:t>d</a:t>
-            </a:r>
-            <a:r>
-              <a:rPr lang="pt-BR" sz="2400" baseline="-25000" dirty="0">
-                <a:solidFill>
-                  <a:schemeClr val="bg1">
-                    <a:lumMod val="85000"/>
-                  </a:schemeClr>
-                </a:solidFill>
-                <a:latin typeface="Consolas" pitchFamily="49" charset="0"/>
-                <a:cs typeface="Consolas" pitchFamily="49" charset="0"/>
-              </a:rPr>
-              <a:t>x</a:t>
-            </a:r>
-            <a:r>
-              <a:rPr lang="pt-BR" sz="2400" dirty="0">
-                <a:solidFill>
-                  <a:schemeClr val="bg1">
-                    <a:lumMod val="85000"/>
-                  </a:schemeClr>
-                </a:solidFill>
-                <a:latin typeface="Consolas" pitchFamily="49" charset="0"/>
-                <a:cs typeface="Consolas" pitchFamily="49" charset="0"/>
-              </a:rPr>
-              <a:t> = m * cos</a:t>
-            </a:r>
-            <a:r>
-              <a:rPr lang="el-GR" sz="2400" dirty="0">
-                <a:solidFill>
-                  <a:schemeClr val="bg1">
-                    <a:lumMod val="85000"/>
-                  </a:schemeClr>
-                </a:solidFill>
-              </a:rPr>
-              <a:t>θ</a:t>
-            </a:r>
-            <a:endParaRPr lang="pt-BR" sz="2400" dirty="0"/>
-          </a:p>
-          <a:p>
-            <a:r>
-              <a:rPr lang="pt-BR" sz="2400" dirty="0">
-                <a:solidFill>
-                  <a:schemeClr val="bg1">
-                    <a:lumMod val="85000"/>
-                  </a:schemeClr>
-                </a:solidFill>
-                <a:latin typeface="Consolas" pitchFamily="49" charset="0"/>
-                <a:cs typeface="Consolas" pitchFamily="49" charset="0"/>
-              </a:rPr>
-              <a:t>d</a:t>
-            </a:r>
-            <a:r>
-              <a:rPr lang="pt-BR" sz="2400" baseline="-25000" dirty="0">
-                <a:solidFill>
-                  <a:schemeClr val="bg1">
-                    <a:lumMod val="85000"/>
-                  </a:schemeClr>
-                </a:solidFill>
-                <a:latin typeface="Consolas" pitchFamily="49" charset="0"/>
-                <a:cs typeface="Consolas" pitchFamily="49" charset="0"/>
-              </a:rPr>
-              <a:t>y</a:t>
-            </a:r>
-            <a:r>
-              <a:rPr lang="pt-BR" sz="2400" dirty="0">
-                <a:solidFill>
-                  <a:schemeClr val="bg1">
-                    <a:lumMod val="85000"/>
-                  </a:schemeClr>
-                </a:solidFill>
-                <a:latin typeface="Consolas" pitchFamily="49" charset="0"/>
-                <a:cs typeface="Consolas" pitchFamily="49" charset="0"/>
-              </a:rPr>
-              <a:t> = m * </a:t>
-            </a:r>
-            <a:r>
-              <a:rPr lang="pt-BR" sz="2400" dirty="0" err="1">
-                <a:solidFill>
-                  <a:schemeClr val="bg1">
-                    <a:lumMod val="85000"/>
-                  </a:schemeClr>
-                </a:solidFill>
-                <a:latin typeface="Consolas" pitchFamily="49" charset="0"/>
-                <a:cs typeface="Consolas" pitchFamily="49" charset="0"/>
-              </a:rPr>
-              <a:t>sen</a:t>
-            </a:r>
-            <a:r>
-              <a:rPr lang="el-GR" sz="2400" dirty="0">
-                <a:solidFill>
-                  <a:schemeClr val="bg1">
-                    <a:lumMod val="85000"/>
-                  </a:schemeClr>
-                </a:solidFill>
-              </a:rPr>
-              <a:t>θ</a:t>
-            </a:r>
-            <a:endParaRPr lang="pt-BR" sz="2400" dirty="0"/>
-          </a:p>
-        </p:txBody>
-      </p:sp>
-      <p:grpSp>
-        <p:nvGrpSpPr>
-          <p:cNvPr id="4" name="Agrupar 3">
-            <a:extLst>
-              <a:ext uri="{FF2B5EF4-FFF2-40B4-BE49-F238E27FC236}">
-                <a16:creationId xmlns:a16="http://schemas.microsoft.com/office/drawing/2014/main" id="{743C785D-45C2-4176-8BF9-A5DE00B79E4D}"/>
-              </a:ext>
-            </a:extLst>
-          </p:cNvPr>
-          <p:cNvGrpSpPr/>
-          <p:nvPr/>
-        </p:nvGrpSpPr>
-        <p:grpSpPr>
-          <a:xfrm>
-            <a:off x="3259838" y="3068960"/>
-            <a:ext cx="3818679" cy="2675302"/>
-            <a:chOff x="3259838" y="3068960"/>
-            <a:chExt cx="3818679" cy="2675302"/>
-          </a:xfrm>
-        </p:grpSpPr>
-        <p:cxnSp>
-          <p:nvCxnSpPr>
-            <p:cNvPr id="43" name="Conector reto 42"/>
-            <p:cNvCxnSpPr/>
-            <p:nvPr/>
-          </p:nvCxnSpPr>
-          <p:spPr>
-            <a:xfrm flipH="1" flipV="1">
-              <a:off x="3784878" y="3212977"/>
-              <a:ext cx="7968" cy="2531285"/>
-            </a:xfrm>
-            <a:prstGeom prst="line">
-              <a:avLst/>
-            </a:prstGeom>
-            <a:ln>
-              <a:prstDash val="solid"/>
-              <a:tailEnd type="triangle"/>
-            </a:ln>
-          </p:spPr>
-          <p:style>
-            <a:lnRef idx="1">
-              <a:schemeClr val="accent1"/>
-            </a:lnRef>
-            <a:fillRef idx="0">
-              <a:schemeClr val="accent1"/>
-            </a:fillRef>
-            <a:effectRef idx="0">
-              <a:schemeClr val="accent1"/>
-            </a:effectRef>
-            <a:fontRef idx="minor">
-              <a:schemeClr val="tx1"/>
-            </a:fontRef>
-          </p:style>
-        </p:cxnSp>
-        <p:sp>
-          <p:nvSpPr>
-            <p:cNvPr id="44" name="CaixaDeTexto 43"/>
-            <p:cNvSpPr txBox="1"/>
-            <p:nvPr/>
-          </p:nvSpPr>
-          <p:spPr>
-            <a:xfrm>
-              <a:off x="3358928" y="3068960"/>
-              <a:ext cx="304892" cy="369332"/>
-            </a:xfrm>
-            <a:prstGeom prst="rect">
-              <a:avLst/>
-            </a:prstGeom>
-            <a:noFill/>
-          </p:spPr>
-          <p:txBody>
-            <a:bodyPr wrap="none" rtlCol="0">
-              <a:spAutoFit/>
-            </a:bodyPr>
-            <a:lstStyle/>
-            <a:p>
-              <a:r>
-                <a:rPr lang="pt-BR" dirty="0">
-                  <a:solidFill>
-                    <a:schemeClr val="accent1">
-                      <a:lumMod val="75000"/>
-                    </a:schemeClr>
-                  </a:solidFill>
-                </a:rPr>
-                <a:t>y</a:t>
-              </a:r>
-              <a:endParaRPr lang="pt-BR" baseline="-25000" dirty="0">
-                <a:solidFill>
-                  <a:schemeClr val="accent1">
-                    <a:lumMod val="75000"/>
-                  </a:schemeClr>
-                </a:solidFill>
-              </a:endParaRPr>
-            </a:p>
-          </p:txBody>
-        </p:sp>
-        <p:cxnSp>
-          <p:nvCxnSpPr>
-            <p:cNvPr id="45" name="Conector reto 44"/>
-            <p:cNvCxnSpPr/>
-            <p:nvPr/>
-          </p:nvCxnSpPr>
-          <p:spPr>
-            <a:xfrm flipV="1">
-              <a:off x="3366896" y="5223244"/>
-              <a:ext cx="3613423" cy="4988"/>
-            </a:xfrm>
-            <a:prstGeom prst="line">
-              <a:avLst/>
-            </a:prstGeom>
-            <a:ln>
-              <a:prstDash val="solid"/>
-              <a:tailEnd type="triangle"/>
-            </a:ln>
-          </p:spPr>
-          <p:style>
-            <a:lnRef idx="1">
-              <a:schemeClr val="accent1"/>
-            </a:lnRef>
-            <a:fillRef idx="0">
-              <a:schemeClr val="accent1"/>
-            </a:fillRef>
-            <a:effectRef idx="0">
-              <a:schemeClr val="accent1"/>
-            </a:effectRef>
-            <a:fontRef idx="minor">
-              <a:schemeClr val="tx1"/>
-            </a:fontRef>
-          </p:style>
-        </p:cxnSp>
-        <p:sp>
-          <p:nvSpPr>
-            <p:cNvPr id="46" name="Elipse 45"/>
-            <p:cNvSpPr/>
-            <p:nvPr/>
-          </p:nvSpPr>
-          <p:spPr>
-            <a:xfrm>
-              <a:off x="5074968" y="3815128"/>
-              <a:ext cx="141014" cy="157743"/>
-            </a:xfrm>
-            <a:prstGeom prst="ellipse">
-              <a:avLst/>
-            </a:prstGeom>
-          </p:spPr>
-          <p:style>
-            <a:lnRef idx="1">
-              <a:schemeClr val="accent1"/>
-            </a:lnRef>
-            <a:fillRef idx="2">
-              <a:schemeClr val="accent1"/>
-            </a:fillRef>
-            <a:effectRef idx="1">
-              <a:schemeClr val="accent1"/>
-            </a:effectRef>
-            <a:fontRef idx="minor">
-              <a:schemeClr val="dk1"/>
-            </a:fontRef>
-          </p:style>
-          <p:txBody>
-            <a:bodyPr rtlCol="0" anchor="ctr"/>
-            <a:lstStyle/>
-            <a:p>
-              <a:pPr algn="ctr"/>
-              <a:endParaRPr lang="pt-BR"/>
-            </a:p>
-          </p:txBody>
-        </p:sp>
-        <p:cxnSp>
-          <p:nvCxnSpPr>
-            <p:cNvPr id="47" name="Conector de seta reta 46"/>
-            <p:cNvCxnSpPr>
-              <a:endCxn id="46" idx="3"/>
-            </p:cNvCxnSpPr>
-            <p:nvPr/>
-          </p:nvCxnSpPr>
-          <p:spPr>
-            <a:xfrm flipV="1">
-              <a:off x="3784878" y="3949770"/>
-              <a:ext cx="1310742" cy="1273475"/>
-            </a:xfrm>
-            <a:prstGeom prst="straightConnector1">
-              <a:avLst/>
-            </a:prstGeom>
-            <a:ln w="28575">
-              <a:tailEnd type="stealth" w="lg" len="lg"/>
-            </a:ln>
-          </p:spPr>
-          <p:style>
-            <a:lnRef idx="1">
-              <a:schemeClr val="accent1"/>
-            </a:lnRef>
-            <a:fillRef idx="0">
-              <a:schemeClr val="accent1"/>
-            </a:fillRef>
-            <a:effectRef idx="0">
-              <a:schemeClr val="accent1"/>
-            </a:effectRef>
-            <a:fontRef idx="minor">
-              <a:schemeClr val="tx1"/>
-            </a:fontRef>
-          </p:style>
-        </p:cxnSp>
-        <p:sp>
-          <p:nvSpPr>
-            <p:cNvPr id="51" name="Arco 50"/>
-            <p:cNvSpPr/>
-            <p:nvPr/>
-          </p:nvSpPr>
-          <p:spPr>
-            <a:xfrm>
-              <a:off x="3733153" y="4632256"/>
-              <a:ext cx="812759" cy="833624"/>
-            </a:xfrm>
-            <a:prstGeom prst="arc">
-              <a:avLst>
-                <a:gd name="adj1" fmla="val 17952378"/>
-                <a:gd name="adj2" fmla="val 1445147"/>
-              </a:avLst>
-            </a:prstGeom>
-            <a:ln>
-              <a:solidFill>
-                <a:schemeClr val="accent1">
-                  <a:lumMod val="50000"/>
-                </a:schemeClr>
-              </a:solidFill>
-            </a:ln>
-          </p:spPr>
-          <p:style>
-            <a:lnRef idx="1">
-              <a:schemeClr val="accent1"/>
-            </a:lnRef>
-            <a:fillRef idx="0">
-              <a:schemeClr val="accent1"/>
-            </a:fillRef>
-            <a:effectRef idx="0">
-              <a:schemeClr val="accent1"/>
-            </a:effectRef>
-            <a:fontRef idx="minor">
-              <a:schemeClr val="tx1"/>
-            </a:fontRef>
-          </p:style>
-          <p:txBody>
-            <a:bodyPr rtlCol="0" anchor="ctr"/>
-            <a:lstStyle/>
-            <a:p>
-              <a:pPr algn="ctr"/>
-              <a:endParaRPr lang="pt-BR"/>
-            </a:p>
-          </p:txBody>
-        </p:sp>
-        <p:sp>
-          <p:nvSpPr>
-            <p:cNvPr id="52" name="Retângulo 51"/>
-            <p:cNvSpPr/>
-            <p:nvPr/>
-          </p:nvSpPr>
-          <p:spPr>
-            <a:xfrm>
-              <a:off x="4613100" y="4567848"/>
-              <a:ext cx="325730" cy="369332"/>
-            </a:xfrm>
-            <a:prstGeom prst="rect">
-              <a:avLst/>
-            </a:prstGeom>
-          </p:spPr>
-          <p:txBody>
-            <a:bodyPr wrap="none">
-              <a:spAutoFit/>
-            </a:bodyPr>
-            <a:lstStyle/>
-            <a:p>
-              <a:r>
-                <a:rPr lang="el-GR" dirty="0">
-                  <a:solidFill>
-                    <a:schemeClr val="bg1">
-                      <a:lumMod val="85000"/>
-                    </a:schemeClr>
-                  </a:solidFill>
-                </a:rPr>
-                <a:t>θ</a:t>
-              </a:r>
-              <a:endParaRPr lang="pt-BR" dirty="0"/>
-            </a:p>
-          </p:txBody>
-        </p:sp>
-        <p:sp>
-          <p:nvSpPr>
-            <p:cNvPr id="53" name="Retângulo 52"/>
-            <p:cNvSpPr/>
-            <p:nvPr/>
-          </p:nvSpPr>
-          <p:spPr>
-            <a:xfrm>
-              <a:off x="4153039" y="4181089"/>
-              <a:ext cx="399468" cy="369332"/>
-            </a:xfrm>
-            <a:prstGeom prst="rect">
-              <a:avLst/>
-            </a:prstGeom>
-          </p:spPr>
-          <p:txBody>
-            <a:bodyPr wrap="none">
-              <a:spAutoFit/>
-            </a:bodyPr>
-            <a:lstStyle/>
-            <a:p>
-              <a:r>
-                <a:rPr lang="pt-BR" dirty="0">
-                  <a:solidFill>
-                    <a:schemeClr val="bg1">
-                      <a:lumMod val="85000"/>
-                    </a:schemeClr>
-                  </a:solidFill>
-                </a:rPr>
-                <a:t>m</a:t>
-              </a:r>
-              <a:endParaRPr lang="pt-BR" dirty="0"/>
-            </a:p>
-          </p:txBody>
-        </p:sp>
-        <p:sp>
-          <p:nvSpPr>
-            <p:cNvPr id="54" name="CaixaDeTexto 53"/>
-            <p:cNvSpPr txBox="1"/>
-            <p:nvPr/>
-          </p:nvSpPr>
-          <p:spPr>
-            <a:xfrm>
-              <a:off x="6752787" y="5228232"/>
-              <a:ext cx="325730" cy="369332"/>
-            </a:xfrm>
-            <a:prstGeom prst="rect">
-              <a:avLst/>
-            </a:prstGeom>
-            <a:noFill/>
-          </p:spPr>
-          <p:txBody>
-            <a:bodyPr wrap="none" rtlCol="0">
-              <a:spAutoFit/>
-            </a:bodyPr>
-            <a:lstStyle/>
-            <a:p>
-              <a:r>
-                <a:rPr lang="pt-BR" dirty="0">
-                  <a:solidFill>
-                    <a:schemeClr val="accent1">
-                      <a:lumMod val="75000"/>
-                    </a:schemeClr>
-                  </a:solidFill>
-                </a:rPr>
-                <a:t>x</a:t>
-              </a:r>
-              <a:endParaRPr lang="pt-BR" baseline="-25000" dirty="0">
-                <a:solidFill>
-                  <a:schemeClr val="accent1">
-                    <a:lumMod val="75000"/>
-                  </a:schemeClr>
-                </a:solidFill>
-              </a:endParaRPr>
-            </a:p>
-          </p:txBody>
-        </p:sp>
-        <p:cxnSp>
-          <p:nvCxnSpPr>
-            <p:cNvPr id="6" name="Conector reto 5"/>
-            <p:cNvCxnSpPr>
-              <a:stCxn id="46" idx="2"/>
-            </p:cNvCxnSpPr>
-            <p:nvPr/>
-          </p:nvCxnSpPr>
-          <p:spPr>
-            <a:xfrm flipH="1" flipV="1">
-              <a:off x="3792846" y="3893999"/>
-              <a:ext cx="1282123" cy="1"/>
-            </a:xfrm>
-            <a:prstGeom prst="line">
-              <a:avLst/>
-            </a:prstGeom>
-            <a:ln>
-              <a:solidFill>
-                <a:schemeClr val="accent1">
-                  <a:lumMod val="50000"/>
-                </a:schemeClr>
-              </a:solidFill>
-              <a:prstDash val="dash"/>
-            </a:ln>
-          </p:spPr>
-          <p:style>
-            <a:lnRef idx="1">
-              <a:schemeClr val="accent1"/>
-            </a:lnRef>
-            <a:fillRef idx="0">
-              <a:schemeClr val="accent1"/>
-            </a:fillRef>
-            <a:effectRef idx="0">
-              <a:schemeClr val="accent1"/>
-            </a:effectRef>
-            <a:fontRef idx="minor">
-              <a:schemeClr val="tx1"/>
-            </a:fontRef>
-          </p:style>
-        </p:cxnSp>
-        <p:cxnSp>
-          <p:nvCxnSpPr>
-            <p:cNvPr id="22" name="Conector reto 21"/>
-            <p:cNvCxnSpPr>
-              <a:stCxn id="46" idx="4"/>
-            </p:cNvCxnSpPr>
-            <p:nvPr/>
-          </p:nvCxnSpPr>
-          <p:spPr>
-            <a:xfrm>
-              <a:off x="5145475" y="3972870"/>
-              <a:ext cx="0" cy="1255362"/>
-            </a:xfrm>
-            <a:prstGeom prst="line">
-              <a:avLst/>
-            </a:prstGeom>
-            <a:ln>
-              <a:solidFill>
-                <a:schemeClr val="accent1">
-                  <a:lumMod val="50000"/>
-                </a:schemeClr>
-              </a:solidFill>
-              <a:prstDash val="dash"/>
-            </a:ln>
-          </p:spPr>
-          <p:style>
-            <a:lnRef idx="1">
-              <a:schemeClr val="accent1"/>
-            </a:lnRef>
-            <a:fillRef idx="0">
-              <a:schemeClr val="accent1"/>
-            </a:fillRef>
-            <a:effectRef idx="0">
-              <a:schemeClr val="accent1"/>
-            </a:effectRef>
-            <a:fontRef idx="minor">
-              <a:schemeClr val="tx1"/>
-            </a:fontRef>
-          </p:style>
-        </p:cxnSp>
-        <p:sp>
-          <p:nvSpPr>
-            <p:cNvPr id="9" name="CaixaDeTexto 8"/>
-            <p:cNvSpPr txBox="1"/>
-            <p:nvPr/>
-          </p:nvSpPr>
-          <p:spPr>
-            <a:xfrm>
-              <a:off x="4350849" y="5322846"/>
-              <a:ext cx="425116" cy="369332"/>
-            </a:xfrm>
-            <a:prstGeom prst="rect">
-              <a:avLst/>
-            </a:prstGeom>
-            <a:noFill/>
-          </p:spPr>
-          <p:txBody>
-            <a:bodyPr wrap="none" rtlCol="0">
-              <a:spAutoFit/>
-            </a:bodyPr>
-            <a:lstStyle/>
-            <a:p>
-              <a:r>
-                <a:rPr lang="pt-BR" dirty="0">
-                  <a:solidFill>
-                    <a:schemeClr val="bg1">
-                      <a:lumMod val="85000"/>
-                    </a:schemeClr>
-                  </a:solidFill>
-                </a:rPr>
-                <a:t>d</a:t>
-              </a:r>
-              <a:r>
-                <a:rPr lang="pt-BR" baseline="-25000" dirty="0">
-                  <a:solidFill>
-                    <a:schemeClr val="bg1">
-                      <a:lumMod val="85000"/>
-                    </a:schemeClr>
-                  </a:solidFill>
-                </a:rPr>
-                <a:t>x</a:t>
-              </a:r>
-            </a:p>
-          </p:txBody>
-        </p:sp>
-        <p:sp>
-          <p:nvSpPr>
-            <p:cNvPr id="28" name="CaixaDeTexto 27"/>
-            <p:cNvSpPr txBox="1"/>
-            <p:nvPr/>
-          </p:nvSpPr>
-          <p:spPr>
-            <a:xfrm>
-              <a:off x="3259838" y="4260939"/>
-              <a:ext cx="410690" cy="369332"/>
-            </a:xfrm>
-            <a:prstGeom prst="rect">
-              <a:avLst/>
-            </a:prstGeom>
-            <a:noFill/>
-          </p:spPr>
-          <p:txBody>
-            <a:bodyPr wrap="none" rtlCol="0">
-              <a:spAutoFit/>
-            </a:bodyPr>
-            <a:lstStyle/>
-            <a:p>
-              <a:r>
-                <a:rPr lang="pt-BR" dirty="0">
-                  <a:solidFill>
-                    <a:schemeClr val="bg1">
-                      <a:lumMod val="85000"/>
-                    </a:schemeClr>
-                  </a:solidFill>
-                </a:rPr>
-                <a:t>d</a:t>
-              </a:r>
-              <a:r>
-                <a:rPr lang="pt-BR" baseline="-25000" dirty="0">
-                  <a:solidFill>
-                    <a:schemeClr val="bg1">
-                      <a:lumMod val="85000"/>
-                    </a:schemeClr>
-                  </a:solidFill>
-                </a:rPr>
-                <a:t>y</a:t>
-              </a:r>
-            </a:p>
-          </p:txBody>
-        </p:sp>
-        <p:sp>
-          <p:nvSpPr>
-            <p:cNvPr id="31" name="Elipse 30"/>
-            <p:cNvSpPr/>
-            <p:nvPr/>
-          </p:nvSpPr>
-          <p:spPr>
-            <a:xfrm>
-              <a:off x="3714371" y="5163412"/>
-              <a:ext cx="141014" cy="157743"/>
-            </a:xfrm>
-            <a:prstGeom prst="ellipse">
-              <a:avLst/>
-            </a:prstGeom>
-          </p:spPr>
-          <p:style>
-            <a:lnRef idx="1">
-              <a:schemeClr val="accent1"/>
-            </a:lnRef>
-            <a:fillRef idx="2">
-              <a:schemeClr val="accent1"/>
-            </a:fillRef>
-            <a:effectRef idx="1">
-              <a:schemeClr val="accent1"/>
-            </a:effectRef>
-            <a:fontRef idx="minor">
-              <a:schemeClr val="dk1"/>
-            </a:fontRef>
-          </p:style>
-          <p:txBody>
-            <a:bodyPr rtlCol="0" anchor="ctr"/>
-            <a:lstStyle/>
-            <a:p>
-              <a:pPr algn="ctr"/>
-              <a:endParaRPr lang="pt-BR"/>
-            </a:p>
-          </p:txBody>
-        </p:sp>
-      </p:grpSp>
       <p:grpSp>
         <p:nvGrpSpPr>
           <p:cNvPr id="20" name="Agrupar 19">
@@ -10622,6 +11398,855 @@
           </p:txBody>
         </p:sp>
       </p:grpSp>
+      <p:grpSp>
+        <p:nvGrpSpPr>
+          <p:cNvPr id="5" name="Agrupar 4">
+            <a:extLst>
+              <a:ext uri="{FF2B5EF4-FFF2-40B4-BE49-F238E27FC236}">
+                <a16:creationId xmlns:a16="http://schemas.microsoft.com/office/drawing/2014/main" id="{4F3E0048-37AC-44AB-8938-0A78DD4AF02C}"/>
+              </a:ext>
+            </a:extLst>
+          </p:cNvPr>
+          <p:cNvGrpSpPr/>
+          <p:nvPr/>
+        </p:nvGrpSpPr>
+        <p:grpSpPr>
+          <a:xfrm>
+            <a:off x="2855584" y="2564904"/>
+            <a:ext cx="6323023" cy="3309087"/>
+            <a:chOff x="3064213" y="2776324"/>
+            <a:chExt cx="6323023" cy="3309087"/>
+          </a:xfrm>
+        </p:grpSpPr>
+        <p:pic>
+          <p:nvPicPr>
+            <p:cNvPr id="32" name="Imagem 31"/>
+            <p:cNvPicPr>
+              <a:picLocks noChangeAspect="1"/>
+            </p:cNvPicPr>
+            <p:nvPr/>
+          </p:nvPicPr>
+          <p:blipFill>
+            <a:blip r:embed="rId3" cstate="print">
+              <a:extLst>
+                <a:ext uri="{28A0092B-C50C-407E-A947-70E740481C1C}">
+                  <a14:useLocalDpi xmlns:a14="http://schemas.microsoft.com/office/drawing/2010/main" val="0"/>
+                </a:ext>
+              </a:extLst>
+            </a:blip>
+            <a:stretch>
+              <a:fillRect/>
+            </a:stretch>
+          </p:blipFill>
+          <p:spPr>
+            <a:xfrm rot="2465831">
+              <a:off x="3064213" y="5148923"/>
+              <a:ext cx="805360" cy="936488"/>
+            </a:xfrm>
+            <a:prstGeom prst="rect">
+              <a:avLst/>
+            </a:prstGeom>
+          </p:spPr>
+        </p:pic>
+        <p:sp>
+          <p:nvSpPr>
+            <p:cNvPr id="30" name="CaixaDeTexto 29"/>
+            <p:cNvSpPr txBox="1"/>
+            <p:nvPr/>
+          </p:nvSpPr>
+          <p:spPr>
+            <a:xfrm>
+              <a:off x="7032104" y="3645993"/>
+              <a:ext cx="2355132" cy="830997"/>
+            </a:xfrm>
+            <a:prstGeom prst="rect">
+              <a:avLst/>
+            </a:prstGeom>
+            <a:noFill/>
+          </p:spPr>
+          <p:txBody>
+            <a:bodyPr wrap="none" rtlCol="0">
+              <a:spAutoFit/>
+            </a:bodyPr>
+            <a:lstStyle/>
+            <a:p>
+              <a:r>
+                <a:rPr lang="pt-BR" sz="2400" dirty="0">
+                  <a:solidFill>
+                    <a:schemeClr val="bg1">
+                      <a:lumMod val="85000"/>
+                    </a:schemeClr>
+                  </a:solidFill>
+                  <a:latin typeface="Consolas" pitchFamily="49" charset="0"/>
+                  <a:cs typeface="Consolas" pitchFamily="49" charset="0"/>
+                </a:rPr>
+                <a:t>d</a:t>
+              </a:r>
+              <a:r>
+                <a:rPr lang="pt-BR" sz="2400" baseline="-25000" dirty="0">
+                  <a:solidFill>
+                    <a:schemeClr val="bg1">
+                      <a:lumMod val="85000"/>
+                    </a:schemeClr>
+                  </a:solidFill>
+                  <a:latin typeface="Consolas" pitchFamily="49" charset="0"/>
+                  <a:cs typeface="Consolas" pitchFamily="49" charset="0"/>
+                </a:rPr>
+                <a:t>x</a:t>
+              </a:r>
+              <a:r>
+                <a:rPr lang="pt-BR" sz="2400" dirty="0">
+                  <a:solidFill>
+                    <a:schemeClr val="bg1">
+                      <a:lumMod val="85000"/>
+                    </a:schemeClr>
+                  </a:solidFill>
+                  <a:latin typeface="Consolas" pitchFamily="49" charset="0"/>
+                  <a:cs typeface="Consolas" pitchFamily="49" charset="0"/>
+                </a:rPr>
+                <a:t> = m * cos</a:t>
+              </a:r>
+              <a:r>
+                <a:rPr lang="el-GR" sz="2400" dirty="0">
+                  <a:solidFill>
+                    <a:schemeClr val="bg1">
+                      <a:lumMod val="85000"/>
+                    </a:schemeClr>
+                  </a:solidFill>
+                </a:rPr>
+                <a:t>θ</a:t>
+              </a:r>
+              <a:endParaRPr lang="pt-BR" sz="2400" dirty="0"/>
+            </a:p>
+            <a:p>
+              <a:r>
+                <a:rPr lang="pt-BR" sz="2400" dirty="0">
+                  <a:solidFill>
+                    <a:schemeClr val="bg1">
+                      <a:lumMod val="85000"/>
+                    </a:schemeClr>
+                  </a:solidFill>
+                  <a:latin typeface="Consolas" pitchFamily="49" charset="0"/>
+                  <a:cs typeface="Consolas" pitchFamily="49" charset="0"/>
+                </a:rPr>
+                <a:t>d</a:t>
+              </a:r>
+              <a:r>
+                <a:rPr lang="pt-BR" sz="2400" baseline="-25000" dirty="0">
+                  <a:solidFill>
+                    <a:schemeClr val="bg1">
+                      <a:lumMod val="85000"/>
+                    </a:schemeClr>
+                  </a:solidFill>
+                  <a:latin typeface="Consolas" pitchFamily="49" charset="0"/>
+                  <a:cs typeface="Consolas" pitchFamily="49" charset="0"/>
+                </a:rPr>
+                <a:t>y</a:t>
+              </a:r>
+              <a:r>
+                <a:rPr lang="pt-BR" sz="2400" dirty="0">
+                  <a:solidFill>
+                    <a:schemeClr val="bg1">
+                      <a:lumMod val="85000"/>
+                    </a:schemeClr>
+                  </a:solidFill>
+                  <a:latin typeface="Consolas" pitchFamily="49" charset="0"/>
+                  <a:cs typeface="Consolas" pitchFamily="49" charset="0"/>
+                </a:rPr>
+                <a:t> = m * </a:t>
+              </a:r>
+              <a:r>
+                <a:rPr lang="pt-BR" sz="2400" dirty="0" err="1">
+                  <a:solidFill>
+                    <a:schemeClr val="bg1">
+                      <a:lumMod val="85000"/>
+                    </a:schemeClr>
+                  </a:solidFill>
+                  <a:latin typeface="Consolas" pitchFamily="49" charset="0"/>
+                  <a:cs typeface="Consolas" pitchFamily="49" charset="0"/>
+                </a:rPr>
+                <a:t>sen</a:t>
+              </a:r>
+              <a:r>
+                <a:rPr lang="el-GR" sz="2400" dirty="0">
+                  <a:solidFill>
+                    <a:schemeClr val="bg1">
+                      <a:lumMod val="85000"/>
+                    </a:schemeClr>
+                  </a:solidFill>
+                </a:rPr>
+                <a:t>θ</a:t>
+              </a:r>
+              <a:endParaRPr lang="pt-BR" sz="2400" dirty="0"/>
+            </a:p>
+          </p:txBody>
+        </p:sp>
+        <p:cxnSp>
+          <p:nvCxnSpPr>
+            <p:cNvPr id="43" name="Conector reto 42"/>
+            <p:cNvCxnSpPr/>
+            <p:nvPr/>
+          </p:nvCxnSpPr>
+          <p:spPr>
+            <a:xfrm flipH="1" flipV="1">
+              <a:off x="3784878" y="3212977"/>
+              <a:ext cx="7968" cy="2531285"/>
+            </a:xfrm>
+            <a:prstGeom prst="line">
+              <a:avLst/>
+            </a:prstGeom>
+            <a:ln w="19050">
+              <a:solidFill>
+                <a:schemeClr val="accent1">
+                  <a:lumMod val="75000"/>
+                </a:schemeClr>
+              </a:solidFill>
+              <a:prstDash val="solid"/>
+              <a:headEnd type="none" w="med" len="med"/>
+              <a:tailEnd type="arrow" w="med" len="med"/>
+            </a:ln>
+          </p:spPr>
+          <p:style>
+            <a:lnRef idx="1">
+              <a:schemeClr val="accent1"/>
+            </a:lnRef>
+            <a:fillRef idx="0">
+              <a:schemeClr val="accent1"/>
+            </a:fillRef>
+            <a:effectRef idx="0">
+              <a:schemeClr val="accent1"/>
+            </a:effectRef>
+            <a:fontRef idx="minor">
+              <a:schemeClr val="tx1"/>
+            </a:fontRef>
+          </p:style>
+        </p:cxnSp>
+        <p:sp>
+          <p:nvSpPr>
+            <p:cNvPr id="44" name="CaixaDeTexto 43"/>
+            <p:cNvSpPr txBox="1"/>
+            <p:nvPr/>
+          </p:nvSpPr>
+          <p:spPr>
+            <a:xfrm>
+              <a:off x="3637194" y="2776324"/>
+              <a:ext cx="311304" cy="369332"/>
+            </a:xfrm>
+            <a:prstGeom prst="rect">
+              <a:avLst/>
+            </a:prstGeom>
+            <a:noFill/>
+          </p:spPr>
+          <p:txBody>
+            <a:bodyPr wrap="none" rtlCol="0">
+              <a:spAutoFit/>
+            </a:bodyPr>
+            <a:lstStyle/>
+            <a:p>
+              <a:r>
+                <a:rPr lang="pt-BR" dirty="0">
+                  <a:solidFill>
+                    <a:schemeClr val="accent1">
+                      <a:lumMod val="75000"/>
+                    </a:schemeClr>
+                  </a:solidFill>
+                  <a:latin typeface="Consolas" panose="020B0609020204030204" pitchFamily="49" charset="0"/>
+                </a:rPr>
+                <a:t>y</a:t>
+              </a:r>
+              <a:endParaRPr lang="pt-BR" baseline="-25000" dirty="0">
+                <a:solidFill>
+                  <a:schemeClr val="accent1">
+                    <a:lumMod val="75000"/>
+                  </a:schemeClr>
+                </a:solidFill>
+                <a:latin typeface="Consolas" panose="020B0609020204030204" pitchFamily="49" charset="0"/>
+              </a:endParaRPr>
+            </a:p>
+          </p:txBody>
+        </p:sp>
+        <p:cxnSp>
+          <p:nvCxnSpPr>
+            <p:cNvPr id="45" name="Conector reto 44"/>
+            <p:cNvCxnSpPr/>
+            <p:nvPr/>
+          </p:nvCxnSpPr>
+          <p:spPr>
+            <a:xfrm flipV="1">
+              <a:off x="3366896" y="5223244"/>
+              <a:ext cx="3613423" cy="4988"/>
+            </a:xfrm>
+            <a:prstGeom prst="line">
+              <a:avLst/>
+            </a:prstGeom>
+            <a:ln w="19050">
+              <a:solidFill>
+                <a:schemeClr val="accent1">
+                  <a:lumMod val="75000"/>
+                </a:schemeClr>
+              </a:solidFill>
+              <a:prstDash val="solid"/>
+              <a:headEnd type="none" w="med" len="med"/>
+              <a:tailEnd type="arrow" w="med" len="med"/>
+            </a:ln>
+          </p:spPr>
+          <p:style>
+            <a:lnRef idx="1">
+              <a:schemeClr val="accent1"/>
+            </a:lnRef>
+            <a:fillRef idx="0">
+              <a:schemeClr val="accent1"/>
+            </a:fillRef>
+            <a:effectRef idx="0">
+              <a:schemeClr val="accent1"/>
+            </a:effectRef>
+            <a:fontRef idx="minor">
+              <a:schemeClr val="tx1"/>
+            </a:fontRef>
+          </p:style>
+        </p:cxnSp>
+        <p:sp>
+          <p:nvSpPr>
+            <p:cNvPr id="46" name="Elipse 45"/>
+            <p:cNvSpPr/>
+            <p:nvPr/>
+          </p:nvSpPr>
+          <p:spPr>
+            <a:xfrm>
+              <a:off x="5074968" y="3815128"/>
+              <a:ext cx="141014" cy="157743"/>
+            </a:xfrm>
+            <a:prstGeom prst="ellipse">
+              <a:avLst/>
+            </a:prstGeom>
+          </p:spPr>
+          <p:style>
+            <a:lnRef idx="1">
+              <a:schemeClr val="accent1"/>
+            </a:lnRef>
+            <a:fillRef idx="2">
+              <a:schemeClr val="accent1"/>
+            </a:fillRef>
+            <a:effectRef idx="1">
+              <a:schemeClr val="accent1"/>
+            </a:effectRef>
+            <a:fontRef idx="minor">
+              <a:schemeClr val="dk1"/>
+            </a:fontRef>
+          </p:style>
+          <p:txBody>
+            <a:bodyPr rtlCol="0" anchor="ctr"/>
+            <a:lstStyle/>
+            <a:p>
+              <a:pPr algn="ctr"/>
+              <a:endParaRPr lang="pt-BR"/>
+            </a:p>
+          </p:txBody>
+        </p:sp>
+        <p:sp>
+          <p:nvSpPr>
+            <p:cNvPr id="51" name="Arco 50"/>
+            <p:cNvSpPr/>
+            <p:nvPr/>
+          </p:nvSpPr>
+          <p:spPr>
+            <a:xfrm>
+              <a:off x="3423982" y="4758953"/>
+              <a:ext cx="812759" cy="833624"/>
+            </a:xfrm>
+            <a:prstGeom prst="arc">
+              <a:avLst>
+                <a:gd name="adj1" fmla="val 18993376"/>
+                <a:gd name="adj2" fmla="val 382173"/>
+              </a:avLst>
+            </a:prstGeom>
+            <a:ln w="19050">
+              <a:solidFill>
+                <a:schemeClr val="accent1">
+                  <a:lumMod val="50000"/>
+                </a:schemeClr>
+              </a:solidFill>
+            </a:ln>
+          </p:spPr>
+          <p:style>
+            <a:lnRef idx="1">
+              <a:schemeClr val="accent1"/>
+            </a:lnRef>
+            <a:fillRef idx="0">
+              <a:schemeClr val="accent1"/>
+            </a:fillRef>
+            <a:effectRef idx="0">
+              <a:schemeClr val="accent1"/>
+            </a:effectRef>
+            <a:fontRef idx="minor">
+              <a:schemeClr val="tx1"/>
+            </a:fontRef>
+          </p:style>
+          <p:txBody>
+            <a:bodyPr rtlCol="0" anchor="ctr"/>
+            <a:lstStyle/>
+            <a:p>
+              <a:pPr algn="ctr"/>
+              <a:endParaRPr lang="pt-BR"/>
+            </a:p>
+          </p:txBody>
+        </p:sp>
+        <p:sp>
+          <p:nvSpPr>
+            <p:cNvPr id="52" name="Retângulo 51"/>
+            <p:cNvSpPr/>
+            <p:nvPr/>
+          </p:nvSpPr>
+          <p:spPr>
+            <a:xfrm>
+              <a:off x="4266080" y="4825495"/>
+              <a:ext cx="325730" cy="369332"/>
+            </a:xfrm>
+            <a:prstGeom prst="rect">
+              <a:avLst/>
+            </a:prstGeom>
+          </p:spPr>
+          <p:txBody>
+            <a:bodyPr wrap="none">
+              <a:spAutoFit/>
+            </a:bodyPr>
+            <a:lstStyle/>
+            <a:p>
+              <a:r>
+                <a:rPr lang="el-GR" dirty="0">
+                  <a:solidFill>
+                    <a:schemeClr val="bg1">
+                      <a:lumMod val="85000"/>
+                    </a:schemeClr>
+                  </a:solidFill>
+                </a:rPr>
+                <a:t>θ</a:t>
+              </a:r>
+              <a:endParaRPr lang="pt-BR" dirty="0"/>
+            </a:p>
+          </p:txBody>
+        </p:sp>
+        <p:sp>
+          <p:nvSpPr>
+            <p:cNvPr id="53" name="Retângulo 52"/>
+            <p:cNvSpPr/>
+            <p:nvPr/>
+          </p:nvSpPr>
+          <p:spPr>
+            <a:xfrm>
+              <a:off x="4125138" y="4212583"/>
+              <a:ext cx="399468" cy="369332"/>
+            </a:xfrm>
+            <a:prstGeom prst="rect">
+              <a:avLst/>
+            </a:prstGeom>
+          </p:spPr>
+          <p:txBody>
+            <a:bodyPr wrap="none">
+              <a:spAutoFit/>
+            </a:bodyPr>
+            <a:lstStyle/>
+            <a:p>
+              <a:r>
+                <a:rPr lang="pt-BR" dirty="0">
+                  <a:solidFill>
+                    <a:schemeClr val="bg1">
+                      <a:lumMod val="85000"/>
+                    </a:schemeClr>
+                  </a:solidFill>
+                </a:rPr>
+                <a:t>m</a:t>
+              </a:r>
+              <a:endParaRPr lang="pt-BR" dirty="0"/>
+            </a:p>
+          </p:txBody>
+        </p:sp>
+        <p:sp>
+          <p:nvSpPr>
+            <p:cNvPr id="54" name="CaixaDeTexto 53"/>
+            <p:cNvSpPr txBox="1"/>
+            <p:nvPr/>
+          </p:nvSpPr>
+          <p:spPr>
+            <a:xfrm>
+              <a:off x="7042944" y="5019177"/>
+              <a:ext cx="311304" cy="369332"/>
+            </a:xfrm>
+            <a:prstGeom prst="rect">
+              <a:avLst/>
+            </a:prstGeom>
+            <a:noFill/>
+          </p:spPr>
+          <p:txBody>
+            <a:bodyPr wrap="none" rtlCol="0">
+              <a:spAutoFit/>
+            </a:bodyPr>
+            <a:lstStyle/>
+            <a:p>
+              <a:r>
+                <a:rPr lang="pt-BR" dirty="0">
+                  <a:solidFill>
+                    <a:schemeClr val="accent1">
+                      <a:lumMod val="75000"/>
+                    </a:schemeClr>
+                  </a:solidFill>
+                  <a:latin typeface="Consolas" panose="020B0609020204030204" pitchFamily="49" charset="0"/>
+                </a:rPr>
+                <a:t>x</a:t>
+              </a:r>
+              <a:endParaRPr lang="pt-BR" baseline="-25000" dirty="0">
+                <a:solidFill>
+                  <a:schemeClr val="accent1">
+                    <a:lumMod val="75000"/>
+                  </a:schemeClr>
+                </a:solidFill>
+                <a:latin typeface="Consolas" panose="020B0609020204030204" pitchFamily="49" charset="0"/>
+              </a:endParaRPr>
+            </a:p>
+          </p:txBody>
+        </p:sp>
+        <p:cxnSp>
+          <p:nvCxnSpPr>
+            <p:cNvPr id="6" name="Conector reto 5"/>
+            <p:cNvCxnSpPr>
+              <a:stCxn id="46" idx="2"/>
+            </p:cNvCxnSpPr>
+            <p:nvPr/>
+          </p:nvCxnSpPr>
+          <p:spPr>
+            <a:xfrm flipH="1" flipV="1">
+              <a:off x="3792846" y="3893999"/>
+              <a:ext cx="1282123" cy="1"/>
+            </a:xfrm>
+            <a:prstGeom prst="line">
+              <a:avLst/>
+            </a:prstGeom>
+            <a:ln>
+              <a:solidFill>
+                <a:schemeClr val="accent1">
+                  <a:lumMod val="50000"/>
+                </a:schemeClr>
+              </a:solidFill>
+              <a:prstDash val="dash"/>
+            </a:ln>
+          </p:spPr>
+          <p:style>
+            <a:lnRef idx="1">
+              <a:schemeClr val="accent1"/>
+            </a:lnRef>
+            <a:fillRef idx="0">
+              <a:schemeClr val="accent1"/>
+            </a:fillRef>
+            <a:effectRef idx="0">
+              <a:schemeClr val="accent1"/>
+            </a:effectRef>
+            <a:fontRef idx="minor">
+              <a:schemeClr val="tx1"/>
+            </a:fontRef>
+          </p:style>
+        </p:cxnSp>
+        <p:cxnSp>
+          <p:nvCxnSpPr>
+            <p:cNvPr id="22" name="Conector reto 21"/>
+            <p:cNvCxnSpPr>
+              <a:stCxn id="46" idx="4"/>
+            </p:cNvCxnSpPr>
+            <p:nvPr/>
+          </p:nvCxnSpPr>
+          <p:spPr>
+            <a:xfrm>
+              <a:off x="5145475" y="3972870"/>
+              <a:ext cx="0" cy="1255362"/>
+            </a:xfrm>
+            <a:prstGeom prst="line">
+              <a:avLst/>
+            </a:prstGeom>
+            <a:ln>
+              <a:solidFill>
+                <a:schemeClr val="accent1">
+                  <a:lumMod val="50000"/>
+                </a:schemeClr>
+              </a:solidFill>
+              <a:prstDash val="dash"/>
+            </a:ln>
+          </p:spPr>
+          <p:style>
+            <a:lnRef idx="1">
+              <a:schemeClr val="accent1"/>
+            </a:lnRef>
+            <a:fillRef idx="0">
+              <a:schemeClr val="accent1"/>
+            </a:fillRef>
+            <a:effectRef idx="0">
+              <a:schemeClr val="accent1"/>
+            </a:effectRef>
+            <a:fontRef idx="minor">
+              <a:schemeClr val="tx1"/>
+            </a:fontRef>
+          </p:style>
+        </p:cxnSp>
+        <p:sp>
+          <p:nvSpPr>
+            <p:cNvPr id="9" name="CaixaDeTexto 8"/>
+            <p:cNvSpPr txBox="1"/>
+            <p:nvPr/>
+          </p:nvSpPr>
+          <p:spPr>
+            <a:xfrm>
+              <a:off x="4324872" y="5602337"/>
+              <a:ext cx="425116" cy="369332"/>
+            </a:xfrm>
+            <a:prstGeom prst="rect">
+              <a:avLst/>
+            </a:prstGeom>
+            <a:noFill/>
+          </p:spPr>
+          <p:txBody>
+            <a:bodyPr wrap="none" rtlCol="0">
+              <a:spAutoFit/>
+            </a:bodyPr>
+            <a:lstStyle/>
+            <a:p>
+              <a:r>
+                <a:rPr lang="pt-BR" dirty="0">
+                  <a:solidFill>
+                    <a:schemeClr val="bg1">
+                      <a:lumMod val="85000"/>
+                    </a:schemeClr>
+                  </a:solidFill>
+                </a:rPr>
+                <a:t>d</a:t>
+              </a:r>
+              <a:r>
+                <a:rPr lang="pt-BR" baseline="-25000" dirty="0">
+                  <a:solidFill>
+                    <a:schemeClr val="bg1">
+                      <a:lumMod val="85000"/>
+                    </a:schemeClr>
+                  </a:solidFill>
+                </a:rPr>
+                <a:t>x</a:t>
+              </a:r>
+            </a:p>
+          </p:txBody>
+        </p:sp>
+        <p:sp>
+          <p:nvSpPr>
+            <p:cNvPr id="28" name="CaixaDeTexto 27"/>
+            <p:cNvSpPr txBox="1"/>
+            <p:nvPr/>
+          </p:nvSpPr>
+          <p:spPr>
+            <a:xfrm>
+              <a:off x="5507905" y="4389621"/>
+              <a:ext cx="410690" cy="369332"/>
+            </a:xfrm>
+            <a:prstGeom prst="rect">
+              <a:avLst/>
+            </a:prstGeom>
+            <a:noFill/>
+          </p:spPr>
+          <p:txBody>
+            <a:bodyPr wrap="none" rtlCol="0">
+              <a:spAutoFit/>
+            </a:bodyPr>
+            <a:lstStyle/>
+            <a:p>
+              <a:r>
+                <a:rPr lang="pt-BR" dirty="0">
+                  <a:solidFill>
+                    <a:schemeClr val="bg1">
+                      <a:lumMod val="85000"/>
+                    </a:schemeClr>
+                  </a:solidFill>
+                </a:rPr>
+                <a:t>d</a:t>
+              </a:r>
+              <a:r>
+                <a:rPr lang="pt-BR" baseline="-25000" dirty="0">
+                  <a:solidFill>
+                    <a:schemeClr val="bg1">
+                      <a:lumMod val="85000"/>
+                    </a:schemeClr>
+                  </a:solidFill>
+                </a:rPr>
+                <a:t>y</a:t>
+              </a:r>
+            </a:p>
+          </p:txBody>
+        </p:sp>
+        <p:cxnSp>
+          <p:nvCxnSpPr>
+            <p:cNvPr id="47" name="Conector de seta reta 46"/>
+            <p:cNvCxnSpPr>
+              <a:endCxn id="46" idx="3"/>
+            </p:cNvCxnSpPr>
+            <p:nvPr/>
+          </p:nvCxnSpPr>
+          <p:spPr>
+            <a:xfrm flipV="1">
+              <a:off x="3784878" y="3949770"/>
+              <a:ext cx="1310742" cy="1273475"/>
+            </a:xfrm>
+            <a:prstGeom prst="straightConnector1">
+              <a:avLst/>
+            </a:prstGeom>
+            <a:ln w="28575">
+              <a:tailEnd type="stealth" w="lg" len="lg"/>
+            </a:ln>
+          </p:spPr>
+          <p:style>
+            <a:lnRef idx="1">
+              <a:schemeClr val="accent1"/>
+            </a:lnRef>
+            <a:fillRef idx="0">
+              <a:schemeClr val="accent1"/>
+            </a:fillRef>
+            <a:effectRef idx="0">
+              <a:schemeClr val="accent1"/>
+            </a:effectRef>
+            <a:fontRef idx="minor">
+              <a:schemeClr val="tx1"/>
+            </a:fontRef>
+          </p:style>
+        </p:cxnSp>
+        <p:sp>
+          <p:nvSpPr>
+            <p:cNvPr id="31" name="Elipse 30"/>
+            <p:cNvSpPr/>
+            <p:nvPr/>
+          </p:nvSpPr>
+          <p:spPr>
+            <a:xfrm>
+              <a:off x="3714371" y="5163412"/>
+              <a:ext cx="141014" cy="157743"/>
+            </a:xfrm>
+            <a:prstGeom prst="ellipse">
+              <a:avLst/>
+            </a:prstGeom>
+          </p:spPr>
+          <p:style>
+            <a:lnRef idx="1">
+              <a:schemeClr val="accent1"/>
+            </a:lnRef>
+            <a:fillRef idx="2">
+              <a:schemeClr val="accent1"/>
+            </a:fillRef>
+            <a:effectRef idx="1">
+              <a:schemeClr val="accent1"/>
+            </a:effectRef>
+            <a:fontRef idx="minor">
+              <a:schemeClr val="dk1"/>
+            </a:fontRef>
+          </p:style>
+          <p:txBody>
+            <a:bodyPr rtlCol="0" anchor="ctr"/>
+            <a:lstStyle/>
+            <a:p>
+              <a:pPr algn="ctr"/>
+              <a:endParaRPr lang="pt-BR"/>
+            </a:p>
+          </p:txBody>
+        </p:sp>
+        <p:sp>
+          <p:nvSpPr>
+            <p:cNvPr id="24" name="Chave Direita 23">
+              <a:extLst>
+                <a:ext uri="{FF2B5EF4-FFF2-40B4-BE49-F238E27FC236}">
+                  <a16:creationId xmlns:a16="http://schemas.microsoft.com/office/drawing/2014/main" id="{3005AE60-3882-4795-A3F7-3AE1058ADCC5}"/>
+                </a:ext>
+              </a:extLst>
+            </p:cNvPr>
+            <p:cNvSpPr/>
+            <p:nvPr/>
+          </p:nvSpPr>
+          <p:spPr>
+            <a:xfrm rot="5400000">
+              <a:off x="4435486" y="4848343"/>
+              <a:ext cx="169818" cy="1250154"/>
+            </a:xfrm>
+            <a:prstGeom prst="rightBrace">
+              <a:avLst/>
+            </a:prstGeom>
+            <a:ln>
+              <a:solidFill>
+                <a:schemeClr val="bg1"/>
+              </a:solidFill>
+            </a:ln>
+          </p:spPr>
+          <p:style>
+            <a:lnRef idx="1">
+              <a:schemeClr val="accent1"/>
+            </a:lnRef>
+            <a:fillRef idx="0">
+              <a:schemeClr val="accent1"/>
+            </a:fillRef>
+            <a:effectRef idx="0">
+              <a:schemeClr val="accent1"/>
+            </a:effectRef>
+            <a:fontRef idx="minor">
+              <a:schemeClr val="tx1"/>
+            </a:fontRef>
+          </p:style>
+          <p:txBody>
+            <a:bodyPr rtlCol="0" anchor="ctr"/>
+            <a:lstStyle/>
+            <a:p>
+              <a:pPr algn="ctr"/>
+              <a:endParaRPr lang="pt-BR"/>
+            </a:p>
+          </p:txBody>
+        </p:sp>
+        <p:sp>
+          <p:nvSpPr>
+            <p:cNvPr id="25" name="Chave Direita 24">
+              <a:extLst>
+                <a:ext uri="{FF2B5EF4-FFF2-40B4-BE49-F238E27FC236}">
+                  <a16:creationId xmlns:a16="http://schemas.microsoft.com/office/drawing/2014/main" id="{BD29B553-0422-44E3-994D-A378E16C90DB}"/>
+                </a:ext>
+              </a:extLst>
+            </p:cNvPr>
+            <p:cNvSpPr/>
+            <p:nvPr/>
+          </p:nvSpPr>
+          <p:spPr>
+            <a:xfrm>
+              <a:off x="5350250" y="3972870"/>
+              <a:ext cx="149620" cy="1185555"/>
+            </a:xfrm>
+            <a:prstGeom prst="rightBrace">
+              <a:avLst/>
+            </a:prstGeom>
+            <a:ln>
+              <a:solidFill>
+                <a:schemeClr val="bg1"/>
+              </a:solidFill>
+            </a:ln>
+          </p:spPr>
+          <p:style>
+            <a:lnRef idx="1">
+              <a:schemeClr val="accent1"/>
+            </a:lnRef>
+            <a:fillRef idx="0">
+              <a:schemeClr val="accent1"/>
+            </a:fillRef>
+            <a:effectRef idx="0">
+              <a:schemeClr val="accent1"/>
+            </a:effectRef>
+            <a:fontRef idx="minor">
+              <a:schemeClr val="tx1"/>
+            </a:fontRef>
+          </p:style>
+          <p:txBody>
+            <a:bodyPr rtlCol="0" anchor="ctr"/>
+            <a:lstStyle/>
+            <a:p>
+              <a:pPr algn="ctr"/>
+              <a:endParaRPr lang="pt-BR"/>
+            </a:p>
+          </p:txBody>
+        </p:sp>
+      </p:grpSp>
     </p:spTree>
     <p:extLst>
       <p:ext uri="{BB962C8B-B14F-4D97-AF65-F5344CB8AC3E}">
@@ -10632,6 +12257,9 @@
   <p:clrMapOvr>
     <a:masterClrMapping/>
   </p:clrMapOvr>
+  <p:transition spd="slow">
+    <p:wipe/>
+  </p:transition>
 </p:sld>
 </file>
 
@@ -10669,6 +12297,11 @@
           </a:bodyPr>
           <a:lstStyle/>
           <a:p>
+            <a:pPr>
+              <a:spcAft>
+                <a:spcPts val="1200"/>
+              </a:spcAft>
+            </a:pPr>
             <a:r>
               <a:rPr lang="pt-BR" dirty="0"/>
               <a:t>Um vetor representa o </a:t>
@@ -10686,19 +12319,37 @@
             <a:endParaRPr lang="pt-BR" dirty="0"/>
           </a:p>
           <a:p>
-            <a:endParaRPr lang="pt-BR" dirty="0"/>
-          </a:p>
-          <a:p>
             <a:r>
               <a:rPr lang="pt-BR" dirty="0"/>
-              <a:t>O motor implementa uma classe para representar vetores</a:t>
+              <a:t>O motor implementa uma classe </a:t>
+            </a:r>
+            <a:br>
+              <a:rPr lang="pt-BR" dirty="0"/>
+            </a:br>
+            <a:r>
+              <a:rPr lang="pt-BR" dirty="0"/>
+              <a:t>para representar vetores</a:t>
             </a:r>
           </a:p>
           <a:p>
             <a:pPr lvl="1"/>
             <a:r>
               <a:rPr lang="pt-BR" dirty="0"/>
-              <a:t>Usa as coordenadas polares:</a:t>
+              <a:t>Usa </a:t>
+            </a:r>
+            <a:r>
+              <a:rPr lang="pt-BR" dirty="0">
+                <a:solidFill>
+                  <a:schemeClr val="accent1">
+                    <a:lumMod val="75000"/>
+                  </a:schemeClr>
+                </a:solidFill>
+              </a:rPr>
+              <a:t>coordenadas polares</a:t>
+            </a:r>
+            <a:r>
+              <a:rPr lang="pt-BR" dirty="0"/>
+              <a:t>:</a:t>
             </a:r>
           </a:p>
           <a:p>
@@ -10709,19 +12360,44 @@
             </a:r>
           </a:p>
           <a:p>
-            <a:pPr lvl="2"/>
+            <a:pPr lvl="2">
+              <a:spcAft>
+                <a:spcPts val="1200"/>
+              </a:spcAft>
+            </a:pPr>
             <a:r>
               <a:rPr lang="pt-BR" dirty="0"/>
               <a:t>Um ângulo</a:t>
             </a:r>
           </a:p>
           <a:p>
-            <a:endParaRPr lang="pt-BR" dirty="0"/>
-          </a:p>
-          <a:p>
             <a:r>
               <a:rPr lang="pt-BR" dirty="0"/>
-              <a:t>O deslocamento de objetos é feito a partir dos valores das componentes x e y do vetor</a:t>
+              <a:t>O deslocamento de objetos </a:t>
+            </a:r>
+            <a:br>
+              <a:rPr lang="pt-BR" dirty="0"/>
+            </a:br>
+            <a:r>
+              <a:rPr lang="pt-BR" dirty="0"/>
+              <a:t>é feito a partir dos valores das </a:t>
+            </a:r>
+            <a:br>
+              <a:rPr lang="pt-BR" dirty="0"/>
+            </a:br>
+            <a:r>
+              <a:rPr lang="pt-BR" dirty="0">
+                <a:solidFill>
+                  <a:schemeClr val="accent1">
+                    <a:lumMod val="75000"/>
+                  </a:schemeClr>
+                </a:solidFill>
+              </a:rPr>
+              <a:t>componentes x e y</a:t>
+            </a:r>
+            <a:r>
+              <a:rPr lang="pt-BR" dirty="0"/>
+              <a:t> do vetor</a:t>
             </a:r>
           </a:p>
         </p:txBody>
@@ -10748,6 +12424,817 @@
           </a:p>
         </p:txBody>
       </p:sp>
+      <p:grpSp>
+        <p:nvGrpSpPr>
+          <p:cNvPr id="4" name="Agrupar 3">
+            <a:extLst>
+              <a:ext uri="{FF2B5EF4-FFF2-40B4-BE49-F238E27FC236}">
+                <a16:creationId xmlns:a16="http://schemas.microsoft.com/office/drawing/2014/main" id="{FAFAF34D-E16C-4371-ACBD-B65122A8969C}"/>
+              </a:ext>
+            </a:extLst>
+          </p:cNvPr>
+          <p:cNvGrpSpPr/>
+          <p:nvPr/>
+        </p:nvGrpSpPr>
+        <p:grpSpPr>
+          <a:xfrm>
+            <a:off x="7320136" y="2384848"/>
+            <a:ext cx="3316870" cy="2991823"/>
+            <a:chOff x="3064213" y="3093588"/>
+            <a:chExt cx="3316870" cy="2991823"/>
+          </a:xfrm>
+        </p:grpSpPr>
+        <p:pic>
+          <p:nvPicPr>
+            <p:cNvPr id="5" name="Imagem 4">
+              <a:extLst>
+                <a:ext uri="{FF2B5EF4-FFF2-40B4-BE49-F238E27FC236}">
+                  <a16:creationId xmlns:a16="http://schemas.microsoft.com/office/drawing/2014/main" id="{F9999236-FE35-4024-9D31-D12A23F9B138}"/>
+                </a:ext>
+              </a:extLst>
+            </p:cNvPr>
+            <p:cNvPicPr>
+              <a:picLocks noChangeAspect="1"/>
+            </p:cNvPicPr>
+            <p:nvPr/>
+          </p:nvPicPr>
+          <p:blipFill>
+            <a:blip r:embed="rId2" cstate="print">
+              <a:extLst>
+                <a:ext uri="{28A0092B-C50C-407E-A947-70E740481C1C}">
+                  <a14:useLocalDpi xmlns:a14="http://schemas.microsoft.com/office/drawing/2010/main" val="0"/>
+                </a:ext>
+              </a:extLst>
+            </a:blip>
+            <a:stretch>
+              <a:fillRect/>
+            </a:stretch>
+          </p:blipFill>
+          <p:spPr>
+            <a:xfrm rot="2465831">
+              <a:off x="3064213" y="5148923"/>
+              <a:ext cx="805360" cy="936488"/>
+            </a:xfrm>
+            <a:prstGeom prst="rect">
+              <a:avLst/>
+            </a:prstGeom>
+          </p:spPr>
+        </p:pic>
+        <p:cxnSp>
+          <p:nvCxnSpPr>
+            <p:cNvPr id="7" name="Conector reto 6">
+              <a:extLst>
+                <a:ext uri="{FF2B5EF4-FFF2-40B4-BE49-F238E27FC236}">
+                  <a16:creationId xmlns:a16="http://schemas.microsoft.com/office/drawing/2014/main" id="{2C1CF027-C6CD-4D79-918F-F0DDF6EDBE77}"/>
+                </a:ext>
+              </a:extLst>
+            </p:cNvPr>
+            <p:cNvCxnSpPr>
+              <a:cxnSpLocks/>
+            </p:cNvCxnSpPr>
+            <p:nvPr/>
+          </p:nvCxnSpPr>
+          <p:spPr>
+            <a:xfrm flipV="1">
+              <a:off x="3792846" y="3526611"/>
+              <a:ext cx="0" cy="2217652"/>
+            </a:xfrm>
+            <a:prstGeom prst="line">
+              <a:avLst/>
+            </a:prstGeom>
+            <a:ln w="19050">
+              <a:solidFill>
+                <a:schemeClr val="accent1">
+                  <a:lumMod val="75000"/>
+                </a:schemeClr>
+              </a:solidFill>
+              <a:prstDash val="solid"/>
+              <a:headEnd type="none" w="med" len="med"/>
+              <a:tailEnd type="arrow" w="med" len="med"/>
+            </a:ln>
+          </p:spPr>
+          <p:style>
+            <a:lnRef idx="1">
+              <a:schemeClr val="accent1"/>
+            </a:lnRef>
+            <a:fillRef idx="0">
+              <a:schemeClr val="accent1"/>
+            </a:fillRef>
+            <a:effectRef idx="0">
+              <a:schemeClr val="accent1"/>
+            </a:effectRef>
+            <a:fontRef idx="minor">
+              <a:schemeClr val="tx1"/>
+            </a:fontRef>
+          </p:style>
+        </p:cxnSp>
+        <p:sp>
+          <p:nvSpPr>
+            <p:cNvPr id="8" name="CaixaDeTexto 7">
+              <a:extLst>
+                <a:ext uri="{FF2B5EF4-FFF2-40B4-BE49-F238E27FC236}">
+                  <a16:creationId xmlns:a16="http://schemas.microsoft.com/office/drawing/2014/main" id="{D3318AE3-B0B1-4503-9DEF-556922E768B9}"/>
+                </a:ext>
+              </a:extLst>
+            </p:cNvPr>
+            <p:cNvSpPr txBox="1"/>
+            <p:nvPr/>
+          </p:nvSpPr>
+          <p:spPr>
+            <a:xfrm>
+              <a:off x="3637194" y="3093588"/>
+              <a:ext cx="311304" cy="369332"/>
+            </a:xfrm>
+            <a:prstGeom prst="rect">
+              <a:avLst/>
+            </a:prstGeom>
+            <a:noFill/>
+          </p:spPr>
+          <p:txBody>
+            <a:bodyPr wrap="none" rtlCol="0">
+              <a:spAutoFit/>
+            </a:bodyPr>
+            <a:lstStyle/>
+            <a:p>
+              <a:r>
+                <a:rPr lang="pt-BR" dirty="0">
+                  <a:solidFill>
+                    <a:schemeClr val="accent1">
+                      <a:lumMod val="75000"/>
+                    </a:schemeClr>
+                  </a:solidFill>
+                  <a:latin typeface="Consolas" panose="020B0609020204030204" pitchFamily="49" charset="0"/>
+                </a:rPr>
+                <a:t>y</a:t>
+              </a:r>
+              <a:endParaRPr lang="pt-BR" baseline="-25000" dirty="0">
+                <a:solidFill>
+                  <a:schemeClr val="accent1">
+                    <a:lumMod val="75000"/>
+                  </a:schemeClr>
+                </a:solidFill>
+                <a:latin typeface="Consolas" panose="020B0609020204030204" pitchFamily="49" charset="0"/>
+              </a:endParaRPr>
+            </a:p>
+          </p:txBody>
+        </p:sp>
+        <p:cxnSp>
+          <p:nvCxnSpPr>
+            <p:cNvPr id="9" name="Conector reto 8">
+              <a:extLst>
+                <a:ext uri="{FF2B5EF4-FFF2-40B4-BE49-F238E27FC236}">
+                  <a16:creationId xmlns:a16="http://schemas.microsoft.com/office/drawing/2014/main" id="{75C7ACE5-BD04-4D73-A03E-07B39642292A}"/>
+                </a:ext>
+              </a:extLst>
+            </p:cNvPr>
+            <p:cNvCxnSpPr>
+              <a:cxnSpLocks/>
+            </p:cNvCxnSpPr>
+            <p:nvPr/>
+          </p:nvCxnSpPr>
+          <p:spPr>
+            <a:xfrm>
+              <a:off x="3366896" y="5228232"/>
+              <a:ext cx="2658574" cy="0"/>
+            </a:xfrm>
+            <a:prstGeom prst="line">
+              <a:avLst/>
+            </a:prstGeom>
+            <a:ln w="19050">
+              <a:solidFill>
+                <a:schemeClr val="accent1">
+                  <a:lumMod val="75000"/>
+                </a:schemeClr>
+              </a:solidFill>
+              <a:prstDash val="solid"/>
+              <a:headEnd type="none" w="med" len="med"/>
+              <a:tailEnd type="arrow" w="med" len="med"/>
+            </a:ln>
+          </p:spPr>
+          <p:style>
+            <a:lnRef idx="1">
+              <a:schemeClr val="accent1"/>
+            </a:lnRef>
+            <a:fillRef idx="0">
+              <a:schemeClr val="accent1"/>
+            </a:fillRef>
+            <a:effectRef idx="0">
+              <a:schemeClr val="accent1"/>
+            </a:effectRef>
+            <a:fontRef idx="minor">
+              <a:schemeClr val="tx1"/>
+            </a:fontRef>
+          </p:style>
+        </p:cxnSp>
+        <p:sp>
+          <p:nvSpPr>
+            <p:cNvPr id="10" name="Elipse 9">
+              <a:extLst>
+                <a:ext uri="{FF2B5EF4-FFF2-40B4-BE49-F238E27FC236}">
+                  <a16:creationId xmlns:a16="http://schemas.microsoft.com/office/drawing/2014/main" id="{4827EB7E-151D-42AC-9824-AFE09D5F131E}"/>
+                </a:ext>
+              </a:extLst>
+            </p:cNvPr>
+            <p:cNvSpPr/>
+            <p:nvPr/>
+          </p:nvSpPr>
+          <p:spPr>
+            <a:xfrm>
+              <a:off x="5074968" y="3815128"/>
+              <a:ext cx="141014" cy="157743"/>
+            </a:xfrm>
+            <a:prstGeom prst="ellipse">
+              <a:avLst/>
+            </a:prstGeom>
+          </p:spPr>
+          <p:style>
+            <a:lnRef idx="1">
+              <a:schemeClr val="accent1"/>
+            </a:lnRef>
+            <a:fillRef idx="2">
+              <a:schemeClr val="accent1"/>
+            </a:fillRef>
+            <a:effectRef idx="1">
+              <a:schemeClr val="accent1"/>
+            </a:effectRef>
+            <a:fontRef idx="minor">
+              <a:schemeClr val="dk1"/>
+            </a:fontRef>
+          </p:style>
+          <p:txBody>
+            <a:bodyPr rtlCol="0" anchor="ctr"/>
+            <a:lstStyle/>
+            <a:p>
+              <a:pPr algn="ctr"/>
+              <a:endParaRPr lang="pt-BR"/>
+            </a:p>
+          </p:txBody>
+        </p:sp>
+        <p:sp>
+          <p:nvSpPr>
+            <p:cNvPr id="11" name="Arco 10">
+              <a:extLst>
+                <a:ext uri="{FF2B5EF4-FFF2-40B4-BE49-F238E27FC236}">
+                  <a16:creationId xmlns:a16="http://schemas.microsoft.com/office/drawing/2014/main" id="{D406BB9D-A1EF-48BE-BECC-A718E8D7D925}"/>
+                </a:ext>
+              </a:extLst>
+            </p:cNvPr>
+            <p:cNvSpPr/>
+            <p:nvPr/>
+          </p:nvSpPr>
+          <p:spPr>
+            <a:xfrm>
+              <a:off x="3423982" y="4758953"/>
+              <a:ext cx="812759" cy="833624"/>
+            </a:xfrm>
+            <a:prstGeom prst="arc">
+              <a:avLst>
+                <a:gd name="adj1" fmla="val 18993376"/>
+                <a:gd name="adj2" fmla="val 382173"/>
+              </a:avLst>
+            </a:prstGeom>
+            <a:ln w="19050">
+              <a:solidFill>
+                <a:schemeClr val="accent1">
+                  <a:lumMod val="50000"/>
+                </a:schemeClr>
+              </a:solidFill>
+            </a:ln>
+          </p:spPr>
+          <p:style>
+            <a:lnRef idx="1">
+              <a:schemeClr val="accent1"/>
+            </a:lnRef>
+            <a:fillRef idx="0">
+              <a:schemeClr val="accent1"/>
+            </a:fillRef>
+            <a:effectRef idx="0">
+              <a:schemeClr val="accent1"/>
+            </a:effectRef>
+            <a:fontRef idx="minor">
+              <a:schemeClr val="tx1"/>
+            </a:fontRef>
+          </p:style>
+          <p:txBody>
+            <a:bodyPr rtlCol="0" anchor="ctr"/>
+            <a:lstStyle/>
+            <a:p>
+              <a:pPr algn="ctr"/>
+              <a:endParaRPr lang="pt-BR"/>
+            </a:p>
+          </p:txBody>
+        </p:sp>
+        <p:sp>
+          <p:nvSpPr>
+            <p:cNvPr id="12" name="Retângulo 11">
+              <a:extLst>
+                <a:ext uri="{FF2B5EF4-FFF2-40B4-BE49-F238E27FC236}">
+                  <a16:creationId xmlns:a16="http://schemas.microsoft.com/office/drawing/2014/main" id="{9FE946C1-C808-4C51-97B5-7DDC524D5D32}"/>
+                </a:ext>
+              </a:extLst>
+            </p:cNvPr>
+            <p:cNvSpPr/>
+            <p:nvPr/>
+          </p:nvSpPr>
+          <p:spPr>
+            <a:xfrm>
+              <a:off x="4266080" y="4825495"/>
+              <a:ext cx="325730" cy="369332"/>
+            </a:xfrm>
+            <a:prstGeom prst="rect">
+              <a:avLst/>
+            </a:prstGeom>
+          </p:spPr>
+          <p:txBody>
+            <a:bodyPr wrap="none">
+              <a:spAutoFit/>
+            </a:bodyPr>
+            <a:lstStyle/>
+            <a:p>
+              <a:r>
+                <a:rPr lang="el-GR" dirty="0">
+                  <a:solidFill>
+                    <a:schemeClr val="bg1">
+                      <a:lumMod val="85000"/>
+                    </a:schemeClr>
+                  </a:solidFill>
+                </a:rPr>
+                <a:t>θ</a:t>
+              </a:r>
+              <a:endParaRPr lang="pt-BR" dirty="0"/>
+            </a:p>
+          </p:txBody>
+        </p:sp>
+        <p:sp>
+          <p:nvSpPr>
+            <p:cNvPr id="13" name="Retângulo 12">
+              <a:extLst>
+                <a:ext uri="{FF2B5EF4-FFF2-40B4-BE49-F238E27FC236}">
+                  <a16:creationId xmlns:a16="http://schemas.microsoft.com/office/drawing/2014/main" id="{21100A05-6D39-4786-9FCB-7F496B66E389}"/>
+                </a:ext>
+              </a:extLst>
+            </p:cNvPr>
+            <p:cNvSpPr/>
+            <p:nvPr/>
+          </p:nvSpPr>
+          <p:spPr>
+            <a:xfrm>
+              <a:off x="4125138" y="4212583"/>
+              <a:ext cx="399468" cy="369332"/>
+            </a:xfrm>
+            <a:prstGeom prst="rect">
+              <a:avLst/>
+            </a:prstGeom>
+          </p:spPr>
+          <p:txBody>
+            <a:bodyPr wrap="none">
+              <a:spAutoFit/>
+            </a:bodyPr>
+            <a:lstStyle/>
+            <a:p>
+              <a:r>
+                <a:rPr lang="pt-BR" dirty="0">
+                  <a:solidFill>
+                    <a:schemeClr val="bg1">
+                      <a:lumMod val="85000"/>
+                    </a:schemeClr>
+                  </a:solidFill>
+                </a:rPr>
+                <a:t>m</a:t>
+              </a:r>
+              <a:endParaRPr lang="pt-BR" dirty="0"/>
+            </a:p>
+          </p:txBody>
+        </p:sp>
+        <p:sp>
+          <p:nvSpPr>
+            <p:cNvPr id="14" name="CaixaDeTexto 13">
+              <a:extLst>
+                <a:ext uri="{FF2B5EF4-FFF2-40B4-BE49-F238E27FC236}">
+                  <a16:creationId xmlns:a16="http://schemas.microsoft.com/office/drawing/2014/main" id="{381DFC16-D395-44C6-97AD-56A007AD5E59}"/>
+                </a:ext>
+              </a:extLst>
+            </p:cNvPr>
+            <p:cNvSpPr txBox="1"/>
+            <p:nvPr/>
+          </p:nvSpPr>
+          <p:spPr>
+            <a:xfrm>
+              <a:off x="6069779" y="5019179"/>
+              <a:ext cx="311304" cy="369332"/>
+            </a:xfrm>
+            <a:prstGeom prst="rect">
+              <a:avLst/>
+            </a:prstGeom>
+            <a:noFill/>
+          </p:spPr>
+          <p:txBody>
+            <a:bodyPr wrap="none" rtlCol="0">
+              <a:spAutoFit/>
+            </a:bodyPr>
+            <a:lstStyle/>
+            <a:p>
+              <a:r>
+                <a:rPr lang="pt-BR" dirty="0">
+                  <a:solidFill>
+                    <a:schemeClr val="accent1">
+                      <a:lumMod val="75000"/>
+                    </a:schemeClr>
+                  </a:solidFill>
+                  <a:latin typeface="Consolas" panose="020B0609020204030204" pitchFamily="49" charset="0"/>
+                </a:rPr>
+                <a:t>x</a:t>
+              </a:r>
+              <a:endParaRPr lang="pt-BR" baseline="-25000" dirty="0">
+                <a:solidFill>
+                  <a:schemeClr val="accent1">
+                    <a:lumMod val="75000"/>
+                  </a:schemeClr>
+                </a:solidFill>
+                <a:latin typeface="Consolas" panose="020B0609020204030204" pitchFamily="49" charset="0"/>
+              </a:endParaRPr>
+            </a:p>
+          </p:txBody>
+        </p:sp>
+        <p:cxnSp>
+          <p:nvCxnSpPr>
+            <p:cNvPr id="15" name="Conector reto 14">
+              <a:extLst>
+                <a:ext uri="{FF2B5EF4-FFF2-40B4-BE49-F238E27FC236}">
+                  <a16:creationId xmlns:a16="http://schemas.microsoft.com/office/drawing/2014/main" id="{89CFCB32-2802-4AD2-84A7-52D5032D01AE}"/>
+                </a:ext>
+              </a:extLst>
+            </p:cNvPr>
+            <p:cNvCxnSpPr>
+              <a:stCxn id="10" idx="2"/>
+            </p:cNvCxnSpPr>
+            <p:nvPr/>
+          </p:nvCxnSpPr>
+          <p:spPr>
+            <a:xfrm flipH="1" flipV="1">
+              <a:off x="3792846" y="3893999"/>
+              <a:ext cx="1282123" cy="1"/>
+            </a:xfrm>
+            <a:prstGeom prst="line">
+              <a:avLst/>
+            </a:prstGeom>
+            <a:ln>
+              <a:solidFill>
+                <a:schemeClr val="accent1">
+                  <a:lumMod val="50000"/>
+                </a:schemeClr>
+              </a:solidFill>
+              <a:prstDash val="dash"/>
+            </a:ln>
+          </p:spPr>
+          <p:style>
+            <a:lnRef idx="1">
+              <a:schemeClr val="accent1"/>
+            </a:lnRef>
+            <a:fillRef idx="0">
+              <a:schemeClr val="accent1"/>
+            </a:fillRef>
+            <a:effectRef idx="0">
+              <a:schemeClr val="accent1"/>
+            </a:effectRef>
+            <a:fontRef idx="minor">
+              <a:schemeClr val="tx1"/>
+            </a:fontRef>
+          </p:style>
+        </p:cxnSp>
+        <p:cxnSp>
+          <p:nvCxnSpPr>
+            <p:cNvPr id="16" name="Conector reto 15">
+              <a:extLst>
+                <a:ext uri="{FF2B5EF4-FFF2-40B4-BE49-F238E27FC236}">
+                  <a16:creationId xmlns:a16="http://schemas.microsoft.com/office/drawing/2014/main" id="{714984CE-2E7F-4A95-A2A6-1AF5D480133D}"/>
+                </a:ext>
+              </a:extLst>
+            </p:cNvPr>
+            <p:cNvCxnSpPr>
+              <a:stCxn id="10" idx="4"/>
+            </p:cNvCxnSpPr>
+            <p:nvPr/>
+          </p:nvCxnSpPr>
+          <p:spPr>
+            <a:xfrm>
+              <a:off x="5145475" y="3972870"/>
+              <a:ext cx="0" cy="1255362"/>
+            </a:xfrm>
+            <a:prstGeom prst="line">
+              <a:avLst/>
+            </a:prstGeom>
+            <a:ln>
+              <a:solidFill>
+                <a:schemeClr val="accent1">
+                  <a:lumMod val="50000"/>
+                </a:schemeClr>
+              </a:solidFill>
+              <a:prstDash val="dash"/>
+            </a:ln>
+          </p:spPr>
+          <p:style>
+            <a:lnRef idx="1">
+              <a:schemeClr val="accent1"/>
+            </a:lnRef>
+            <a:fillRef idx="0">
+              <a:schemeClr val="accent1"/>
+            </a:fillRef>
+            <a:effectRef idx="0">
+              <a:schemeClr val="accent1"/>
+            </a:effectRef>
+            <a:fontRef idx="minor">
+              <a:schemeClr val="tx1"/>
+            </a:fontRef>
+          </p:style>
+        </p:cxnSp>
+        <p:sp>
+          <p:nvSpPr>
+            <p:cNvPr id="17" name="CaixaDeTexto 16">
+              <a:extLst>
+                <a:ext uri="{FF2B5EF4-FFF2-40B4-BE49-F238E27FC236}">
+                  <a16:creationId xmlns:a16="http://schemas.microsoft.com/office/drawing/2014/main" id="{CEC9A43D-6EB7-43EE-B9D8-D3921DD3D67C}"/>
+                </a:ext>
+              </a:extLst>
+            </p:cNvPr>
+            <p:cNvSpPr txBox="1"/>
+            <p:nvPr/>
+          </p:nvSpPr>
+          <p:spPr>
+            <a:xfrm>
+              <a:off x="4324872" y="5602337"/>
+              <a:ext cx="425116" cy="369332"/>
+            </a:xfrm>
+            <a:prstGeom prst="rect">
+              <a:avLst/>
+            </a:prstGeom>
+            <a:noFill/>
+          </p:spPr>
+          <p:txBody>
+            <a:bodyPr wrap="none" rtlCol="0">
+              <a:spAutoFit/>
+            </a:bodyPr>
+            <a:lstStyle/>
+            <a:p>
+              <a:r>
+                <a:rPr lang="pt-BR" dirty="0">
+                  <a:solidFill>
+                    <a:schemeClr val="bg1">
+                      <a:lumMod val="85000"/>
+                    </a:schemeClr>
+                  </a:solidFill>
+                </a:rPr>
+                <a:t>d</a:t>
+              </a:r>
+              <a:r>
+                <a:rPr lang="pt-BR" baseline="-25000" dirty="0">
+                  <a:solidFill>
+                    <a:schemeClr val="bg1">
+                      <a:lumMod val="85000"/>
+                    </a:schemeClr>
+                  </a:solidFill>
+                </a:rPr>
+                <a:t>x</a:t>
+              </a:r>
+            </a:p>
+          </p:txBody>
+        </p:sp>
+        <p:sp>
+          <p:nvSpPr>
+            <p:cNvPr id="18" name="CaixaDeTexto 17">
+              <a:extLst>
+                <a:ext uri="{FF2B5EF4-FFF2-40B4-BE49-F238E27FC236}">
+                  <a16:creationId xmlns:a16="http://schemas.microsoft.com/office/drawing/2014/main" id="{C2F3708F-423E-4649-B5DA-05031311EF20}"/>
+                </a:ext>
+              </a:extLst>
+            </p:cNvPr>
+            <p:cNvSpPr txBox="1"/>
+            <p:nvPr/>
+          </p:nvSpPr>
+          <p:spPr>
+            <a:xfrm>
+              <a:off x="5507905" y="4389621"/>
+              <a:ext cx="410690" cy="369332"/>
+            </a:xfrm>
+            <a:prstGeom prst="rect">
+              <a:avLst/>
+            </a:prstGeom>
+            <a:noFill/>
+          </p:spPr>
+          <p:txBody>
+            <a:bodyPr wrap="none" rtlCol="0">
+              <a:spAutoFit/>
+            </a:bodyPr>
+            <a:lstStyle/>
+            <a:p>
+              <a:r>
+                <a:rPr lang="pt-BR" dirty="0">
+                  <a:solidFill>
+                    <a:schemeClr val="bg1">
+                      <a:lumMod val="85000"/>
+                    </a:schemeClr>
+                  </a:solidFill>
+                </a:rPr>
+                <a:t>d</a:t>
+              </a:r>
+              <a:r>
+                <a:rPr lang="pt-BR" baseline="-25000" dirty="0">
+                  <a:solidFill>
+                    <a:schemeClr val="bg1">
+                      <a:lumMod val="85000"/>
+                    </a:schemeClr>
+                  </a:solidFill>
+                </a:rPr>
+                <a:t>y</a:t>
+              </a:r>
+            </a:p>
+          </p:txBody>
+        </p:sp>
+        <p:cxnSp>
+          <p:nvCxnSpPr>
+            <p:cNvPr id="19" name="Conector de seta reta 46">
+              <a:extLst>
+                <a:ext uri="{FF2B5EF4-FFF2-40B4-BE49-F238E27FC236}">
+                  <a16:creationId xmlns:a16="http://schemas.microsoft.com/office/drawing/2014/main" id="{5D697B17-A31E-4B42-9558-5702C8210A99}"/>
+                </a:ext>
+              </a:extLst>
+            </p:cNvPr>
+            <p:cNvCxnSpPr>
+              <a:cxnSpLocks/>
+              <a:endCxn id="10" idx="3"/>
+            </p:cNvCxnSpPr>
+            <p:nvPr/>
+          </p:nvCxnSpPr>
+          <p:spPr>
+            <a:xfrm flipV="1">
+              <a:off x="3784878" y="3949770"/>
+              <a:ext cx="1310742" cy="1273475"/>
+            </a:xfrm>
+            <a:prstGeom prst="straightConnector1">
+              <a:avLst/>
+            </a:prstGeom>
+            <a:ln w="28575">
+              <a:tailEnd type="stealth" w="lg" len="lg"/>
+            </a:ln>
+          </p:spPr>
+          <p:style>
+            <a:lnRef idx="1">
+              <a:schemeClr val="accent1"/>
+            </a:lnRef>
+            <a:fillRef idx="0">
+              <a:schemeClr val="accent1"/>
+            </a:fillRef>
+            <a:effectRef idx="0">
+              <a:schemeClr val="accent1"/>
+            </a:effectRef>
+            <a:fontRef idx="minor">
+              <a:schemeClr val="tx1"/>
+            </a:fontRef>
+          </p:style>
+        </p:cxnSp>
+        <p:sp>
+          <p:nvSpPr>
+            <p:cNvPr id="20" name="Elipse 19">
+              <a:extLst>
+                <a:ext uri="{FF2B5EF4-FFF2-40B4-BE49-F238E27FC236}">
+                  <a16:creationId xmlns:a16="http://schemas.microsoft.com/office/drawing/2014/main" id="{D17F48E0-5C41-4C55-88DC-D7B2678A9783}"/>
+                </a:ext>
+              </a:extLst>
+            </p:cNvPr>
+            <p:cNvSpPr/>
+            <p:nvPr/>
+          </p:nvSpPr>
+          <p:spPr>
+            <a:xfrm>
+              <a:off x="3714371" y="5163412"/>
+              <a:ext cx="141014" cy="157743"/>
+            </a:xfrm>
+            <a:prstGeom prst="ellipse">
+              <a:avLst/>
+            </a:prstGeom>
+          </p:spPr>
+          <p:style>
+            <a:lnRef idx="1">
+              <a:schemeClr val="accent1"/>
+            </a:lnRef>
+            <a:fillRef idx="2">
+              <a:schemeClr val="accent1"/>
+            </a:fillRef>
+            <a:effectRef idx="1">
+              <a:schemeClr val="accent1"/>
+            </a:effectRef>
+            <a:fontRef idx="minor">
+              <a:schemeClr val="dk1"/>
+            </a:fontRef>
+          </p:style>
+          <p:txBody>
+            <a:bodyPr rtlCol="0" anchor="ctr"/>
+            <a:lstStyle/>
+            <a:p>
+              <a:pPr algn="ctr"/>
+              <a:endParaRPr lang="pt-BR"/>
+            </a:p>
+          </p:txBody>
+        </p:sp>
+        <p:sp>
+          <p:nvSpPr>
+            <p:cNvPr id="21" name="Chave Direita 20">
+              <a:extLst>
+                <a:ext uri="{FF2B5EF4-FFF2-40B4-BE49-F238E27FC236}">
+                  <a16:creationId xmlns:a16="http://schemas.microsoft.com/office/drawing/2014/main" id="{B2F1AC6D-2A37-48FE-BBC6-EB7E6017A318}"/>
+                </a:ext>
+              </a:extLst>
+            </p:cNvPr>
+            <p:cNvSpPr/>
+            <p:nvPr/>
+          </p:nvSpPr>
+          <p:spPr>
+            <a:xfrm rot="5400000">
+              <a:off x="4435486" y="4848343"/>
+              <a:ext cx="169818" cy="1250154"/>
+            </a:xfrm>
+            <a:prstGeom prst="rightBrace">
+              <a:avLst/>
+            </a:prstGeom>
+            <a:ln>
+              <a:solidFill>
+                <a:schemeClr val="bg1"/>
+              </a:solidFill>
+            </a:ln>
+          </p:spPr>
+          <p:style>
+            <a:lnRef idx="1">
+              <a:schemeClr val="accent1"/>
+            </a:lnRef>
+            <a:fillRef idx="0">
+              <a:schemeClr val="accent1"/>
+            </a:fillRef>
+            <a:effectRef idx="0">
+              <a:schemeClr val="accent1"/>
+            </a:effectRef>
+            <a:fontRef idx="minor">
+              <a:schemeClr val="tx1"/>
+            </a:fontRef>
+          </p:style>
+          <p:txBody>
+            <a:bodyPr rtlCol="0" anchor="ctr"/>
+            <a:lstStyle/>
+            <a:p>
+              <a:pPr algn="ctr"/>
+              <a:endParaRPr lang="pt-BR"/>
+            </a:p>
+          </p:txBody>
+        </p:sp>
+        <p:sp>
+          <p:nvSpPr>
+            <p:cNvPr id="22" name="Chave Direita 21">
+              <a:extLst>
+                <a:ext uri="{FF2B5EF4-FFF2-40B4-BE49-F238E27FC236}">
+                  <a16:creationId xmlns:a16="http://schemas.microsoft.com/office/drawing/2014/main" id="{9CC956AF-DA7A-4196-AB26-A98FF9520F67}"/>
+                </a:ext>
+              </a:extLst>
+            </p:cNvPr>
+            <p:cNvSpPr/>
+            <p:nvPr/>
+          </p:nvSpPr>
+          <p:spPr>
+            <a:xfrm>
+              <a:off x="5350250" y="3972870"/>
+              <a:ext cx="149620" cy="1185555"/>
+            </a:xfrm>
+            <a:prstGeom prst="rightBrace">
+              <a:avLst/>
+            </a:prstGeom>
+            <a:ln>
+              <a:solidFill>
+                <a:schemeClr val="bg1"/>
+              </a:solidFill>
+            </a:ln>
+          </p:spPr>
+          <p:style>
+            <a:lnRef idx="1">
+              <a:schemeClr val="accent1"/>
+            </a:lnRef>
+            <a:fillRef idx="0">
+              <a:schemeClr val="accent1"/>
+            </a:fillRef>
+            <a:effectRef idx="0">
+              <a:schemeClr val="accent1"/>
+            </a:effectRef>
+            <a:fontRef idx="minor">
+              <a:schemeClr val="tx1"/>
+            </a:fontRef>
+          </p:style>
+          <p:txBody>
+            <a:bodyPr rtlCol="0" anchor="ctr"/>
+            <a:lstStyle/>
+            <a:p>
+              <a:pPr algn="ctr"/>
+              <a:endParaRPr lang="pt-BR"/>
+            </a:p>
+          </p:txBody>
+        </p:sp>
+      </p:grpSp>
     </p:spTree>
     <p:extLst>
       <p:ext uri="{BB962C8B-B14F-4D97-AF65-F5344CB8AC3E}">
@@ -10758,6 +13245,9 @@
   <p:clrMapOvr>
     <a:masterClrMapping/>
   </p:clrMapOvr>
+  <p:transition spd="slow">
+    <p:wipe/>
+  </p:transition>
 </p:sld>
 </file>
 
